--- a/documentation/Sprint2_PAA.pptx
+++ b/documentation/Sprint2_PAA.pptx
@@ -4,6 +4,9 @@
   <p:sldMasterIdLst>
     <p:sldMasterId id="2147483738" r:id="rId1"/>
   </p:sldMasterIdLst>
+  <p:notesMasterIdLst>
+    <p:notesMasterId r:id="rId8"/>
+  </p:notesMasterIdLst>
   <p:sldIdLst>
     <p:sldId id="256" r:id="rId2"/>
     <p:sldId id="265" r:id="rId3"/>
@@ -2824,6 +2827,440 @@
 </dgm:styleDef>
 </file>
 
+<file path=ppt/notesMasters/notesMaster1.xml><?xml version="1.0" encoding="utf-8"?>
+<p:notesMaster xmlns:a="http://schemas.openxmlformats.org/drawingml/2006/main" xmlns:r="http://schemas.openxmlformats.org/officeDocument/2006/relationships" xmlns:p="http://schemas.openxmlformats.org/presentationml/2006/main">
+  <p:cSld>
+    <p:bg>
+      <p:bgRef idx="1001">
+        <a:schemeClr val="bg1"/>
+      </p:bgRef>
+    </p:bg>
+    <p:spTree>
+      <p:nvGrpSpPr>
+        <p:cNvPr id="1" name=""/>
+        <p:cNvGrpSpPr/>
+        <p:nvPr/>
+      </p:nvGrpSpPr>
+      <p:grpSpPr>
+        <a:xfrm>
+          <a:off x="0" y="0"/>
+          <a:ext cx="0" cy="0"/>
+          <a:chOff x="0" y="0"/>
+          <a:chExt cx="0" cy="0"/>
+        </a:xfrm>
+      </p:grpSpPr>
+      <p:sp>
+        <p:nvSpPr>
+          <p:cNvPr id="2" name="Header Placeholder 1"/>
+          <p:cNvSpPr>
+            <a:spLocks noGrp="1"/>
+          </p:cNvSpPr>
+          <p:nvPr>
+            <p:ph type="hdr" sz="quarter"/>
+          </p:nvPr>
+        </p:nvSpPr>
+        <p:spPr>
+          <a:xfrm>
+            <a:off x="0" y="0"/>
+            <a:ext cx="2971800" cy="458788"/>
+          </a:xfrm>
+          <a:prstGeom prst="rect">
+            <a:avLst/>
+          </a:prstGeom>
+        </p:spPr>
+        <p:txBody>
+          <a:bodyPr vert="horz" lIns="91440" tIns="45720" rIns="91440" bIns="45720" rtlCol="0"/>
+          <a:lstStyle>
+            <a:lvl1pPr algn="l">
+              <a:defRPr sz="1200"/>
+            </a:lvl1pPr>
+          </a:lstStyle>
+          <a:p>
+            <a:endParaRPr lang="en-GB"/>
+          </a:p>
+        </p:txBody>
+      </p:sp>
+      <p:sp>
+        <p:nvSpPr>
+          <p:cNvPr id="3" name="Date Placeholder 2"/>
+          <p:cNvSpPr>
+            <a:spLocks noGrp="1"/>
+          </p:cNvSpPr>
+          <p:nvPr>
+            <p:ph type="dt" idx="1"/>
+          </p:nvPr>
+        </p:nvSpPr>
+        <p:spPr>
+          <a:xfrm>
+            <a:off x="3884613" y="0"/>
+            <a:ext cx="2971800" cy="458788"/>
+          </a:xfrm>
+          <a:prstGeom prst="rect">
+            <a:avLst/>
+          </a:prstGeom>
+        </p:spPr>
+        <p:txBody>
+          <a:bodyPr vert="horz" lIns="91440" tIns="45720" rIns="91440" bIns="45720" rtlCol="0"/>
+          <a:lstStyle>
+            <a:lvl1pPr algn="r">
+              <a:defRPr sz="1200"/>
+            </a:lvl1pPr>
+          </a:lstStyle>
+          <a:p>
+            <a:fld id="{5D219B12-85DE-474F-82A6-F2BBEFB2572A}" type="datetimeFigureOut">
+              <a:rPr lang="en-GB" smtClean="0"/>
+              <a:t>25/10/2021</a:t>
+            </a:fld>
+            <a:endParaRPr lang="en-GB"/>
+          </a:p>
+        </p:txBody>
+      </p:sp>
+      <p:sp>
+        <p:nvSpPr>
+          <p:cNvPr id="4" name="Slide Image Placeholder 3"/>
+          <p:cNvSpPr>
+            <a:spLocks noGrp="1" noRot="1" noChangeAspect="1"/>
+          </p:cNvSpPr>
+          <p:nvPr>
+            <p:ph type="sldImg" idx="2"/>
+          </p:nvPr>
+        </p:nvSpPr>
+        <p:spPr>
+          <a:xfrm>
+            <a:off x="685800" y="1143000"/>
+            <a:ext cx="5486400" cy="3086100"/>
+          </a:xfrm>
+          <a:prstGeom prst="rect">
+            <a:avLst/>
+          </a:prstGeom>
+          <a:noFill/>
+          <a:ln w="12700">
+            <a:solidFill>
+              <a:prstClr val="black"/>
+            </a:solidFill>
+          </a:ln>
+        </p:spPr>
+        <p:txBody>
+          <a:bodyPr vert="horz" lIns="91440" tIns="45720" rIns="91440" bIns="45720" rtlCol="0" anchor="ctr"/>
+          <a:lstStyle/>
+          <a:p>
+            <a:endParaRPr lang="en-GB"/>
+          </a:p>
+        </p:txBody>
+      </p:sp>
+      <p:sp>
+        <p:nvSpPr>
+          <p:cNvPr id="5" name="Notes Placeholder 4"/>
+          <p:cNvSpPr>
+            <a:spLocks noGrp="1"/>
+          </p:cNvSpPr>
+          <p:nvPr>
+            <p:ph type="body" sz="quarter" idx="3"/>
+          </p:nvPr>
+        </p:nvSpPr>
+        <p:spPr>
+          <a:xfrm>
+            <a:off x="685800" y="4400550"/>
+            <a:ext cx="5486400" cy="3600450"/>
+          </a:xfrm>
+          <a:prstGeom prst="rect">
+            <a:avLst/>
+          </a:prstGeom>
+        </p:spPr>
+        <p:txBody>
+          <a:bodyPr vert="horz" lIns="91440" tIns="45720" rIns="91440" bIns="45720" rtlCol="0"/>
+          <a:lstStyle/>
+          <a:p>
+            <a:pPr lvl="0"/>
+            <a:r>
+              <a:rPr lang="en-US"/>
+              <a:t>Click to edit Master text styles</a:t>
+            </a:r>
+          </a:p>
+          <a:p>
+            <a:pPr lvl="1"/>
+            <a:r>
+              <a:rPr lang="en-US"/>
+              <a:t>Second level</a:t>
+            </a:r>
+          </a:p>
+          <a:p>
+            <a:pPr lvl="2"/>
+            <a:r>
+              <a:rPr lang="en-US"/>
+              <a:t>Third level</a:t>
+            </a:r>
+          </a:p>
+          <a:p>
+            <a:pPr lvl="3"/>
+            <a:r>
+              <a:rPr lang="en-US"/>
+              <a:t>Fourth level</a:t>
+            </a:r>
+          </a:p>
+          <a:p>
+            <a:pPr lvl="4"/>
+            <a:r>
+              <a:rPr lang="en-US"/>
+              <a:t>Fifth level</a:t>
+            </a:r>
+            <a:endParaRPr lang="en-GB"/>
+          </a:p>
+        </p:txBody>
+      </p:sp>
+      <p:sp>
+        <p:nvSpPr>
+          <p:cNvPr id="6" name="Footer Placeholder 5"/>
+          <p:cNvSpPr>
+            <a:spLocks noGrp="1"/>
+          </p:cNvSpPr>
+          <p:nvPr>
+            <p:ph type="ftr" sz="quarter" idx="4"/>
+          </p:nvPr>
+        </p:nvSpPr>
+        <p:spPr>
+          <a:xfrm>
+            <a:off x="0" y="8685213"/>
+            <a:ext cx="2971800" cy="458787"/>
+          </a:xfrm>
+          <a:prstGeom prst="rect">
+            <a:avLst/>
+          </a:prstGeom>
+        </p:spPr>
+        <p:txBody>
+          <a:bodyPr vert="horz" lIns="91440" tIns="45720" rIns="91440" bIns="45720" rtlCol="0" anchor="b"/>
+          <a:lstStyle>
+            <a:lvl1pPr algn="l">
+              <a:defRPr sz="1200"/>
+            </a:lvl1pPr>
+          </a:lstStyle>
+          <a:p>
+            <a:endParaRPr lang="en-GB"/>
+          </a:p>
+        </p:txBody>
+      </p:sp>
+      <p:sp>
+        <p:nvSpPr>
+          <p:cNvPr id="7" name="Slide Number Placeholder 6"/>
+          <p:cNvSpPr>
+            <a:spLocks noGrp="1"/>
+          </p:cNvSpPr>
+          <p:nvPr>
+            <p:ph type="sldNum" sz="quarter" idx="5"/>
+          </p:nvPr>
+        </p:nvSpPr>
+        <p:spPr>
+          <a:xfrm>
+            <a:off x="3884613" y="8685213"/>
+            <a:ext cx="2971800" cy="458787"/>
+          </a:xfrm>
+          <a:prstGeom prst="rect">
+            <a:avLst/>
+          </a:prstGeom>
+        </p:spPr>
+        <p:txBody>
+          <a:bodyPr vert="horz" lIns="91440" tIns="45720" rIns="91440" bIns="45720" rtlCol="0" anchor="b"/>
+          <a:lstStyle>
+            <a:lvl1pPr algn="r">
+              <a:defRPr sz="1200"/>
+            </a:lvl1pPr>
+          </a:lstStyle>
+          <a:p>
+            <a:fld id="{E7F9E5FC-C6E5-41A9-8D74-144FA0CB37AF}" type="slidenum">
+              <a:rPr lang="en-GB" smtClean="0"/>
+              <a:t>‹#›</a:t>
+            </a:fld>
+            <a:endParaRPr lang="en-GB"/>
+          </a:p>
+        </p:txBody>
+      </p:sp>
+    </p:spTree>
+    <p:extLst>
+      <p:ext uri="{BB962C8B-B14F-4D97-AF65-F5344CB8AC3E}">
+        <p14:creationId xmlns:p14="http://schemas.microsoft.com/office/powerpoint/2010/main" val="3632261625"/>
+      </p:ext>
+    </p:extLst>
+  </p:cSld>
+  <p:clrMap bg1="lt1" tx1="dk1" bg2="lt2" tx2="dk2" accent1="accent1" accent2="accent2" accent3="accent3" accent4="accent4" accent5="accent5" accent6="accent6" hlink="hlink" folHlink="folHlink"/>
+  <p:notesStyle>
+    <a:lvl1pPr marL="0" algn="l" defTabSz="914400" rtl="0" eaLnBrk="1" latinLnBrk="0" hangingPunct="1">
+      <a:defRPr sz="1200" kern="1200">
+        <a:solidFill>
+          <a:schemeClr val="tx1"/>
+        </a:solidFill>
+        <a:latin typeface="+mn-lt"/>
+        <a:ea typeface="+mn-ea"/>
+        <a:cs typeface="+mn-cs"/>
+      </a:defRPr>
+    </a:lvl1pPr>
+    <a:lvl2pPr marL="457200" algn="l" defTabSz="914400" rtl="0" eaLnBrk="1" latinLnBrk="0" hangingPunct="1">
+      <a:defRPr sz="1200" kern="1200">
+        <a:solidFill>
+          <a:schemeClr val="tx1"/>
+        </a:solidFill>
+        <a:latin typeface="+mn-lt"/>
+        <a:ea typeface="+mn-ea"/>
+        <a:cs typeface="+mn-cs"/>
+      </a:defRPr>
+    </a:lvl2pPr>
+    <a:lvl3pPr marL="914400" algn="l" defTabSz="914400" rtl="0" eaLnBrk="1" latinLnBrk="0" hangingPunct="1">
+      <a:defRPr sz="1200" kern="1200">
+        <a:solidFill>
+          <a:schemeClr val="tx1"/>
+        </a:solidFill>
+        <a:latin typeface="+mn-lt"/>
+        <a:ea typeface="+mn-ea"/>
+        <a:cs typeface="+mn-cs"/>
+      </a:defRPr>
+    </a:lvl3pPr>
+    <a:lvl4pPr marL="1371600" algn="l" defTabSz="914400" rtl="0" eaLnBrk="1" latinLnBrk="0" hangingPunct="1">
+      <a:defRPr sz="1200" kern="1200">
+        <a:solidFill>
+          <a:schemeClr val="tx1"/>
+        </a:solidFill>
+        <a:latin typeface="+mn-lt"/>
+        <a:ea typeface="+mn-ea"/>
+        <a:cs typeface="+mn-cs"/>
+      </a:defRPr>
+    </a:lvl4pPr>
+    <a:lvl5pPr marL="1828800" algn="l" defTabSz="914400" rtl="0" eaLnBrk="1" latinLnBrk="0" hangingPunct="1">
+      <a:defRPr sz="1200" kern="1200">
+        <a:solidFill>
+          <a:schemeClr val="tx1"/>
+        </a:solidFill>
+        <a:latin typeface="+mn-lt"/>
+        <a:ea typeface="+mn-ea"/>
+        <a:cs typeface="+mn-cs"/>
+      </a:defRPr>
+    </a:lvl5pPr>
+    <a:lvl6pPr marL="2286000" algn="l" defTabSz="914400" rtl="0" eaLnBrk="1" latinLnBrk="0" hangingPunct="1">
+      <a:defRPr sz="1200" kern="1200">
+        <a:solidFill>
+          <a:schemeClr val="tx1"/>
+        </a:solidFill>
+        <a:latin typeface="+mn-lt"/>
+        <a:ea typeface="+mn-ea"/>
+        <a:cs typeface="+mn-cs"/>
+      </a:defRPr>
+    </a:lvl6pPr>
+    <a:lvl7pPr marL="2743200" algn="l" defTabSz="914400" rtl="0" eaLnBrk="1" latinLnBrk="0" hangingPunct="1">
+      <a:defRPr sz="1200" kern="1200">
+        <a:solidFill>
+          <a:schemeClr val="tx1"/>
+        </a:solidFill>
+        <a:latin typeface="+mn-lt"/>
+        <a:ea typeface="+mn-ea"/>
+        <a:cs typeface="+mn-cs"/>
+      </a:defRPr>
+    </a:lvl7pPr>
+    <a:lvl8pPr marL="3200400" algn="l" defTabSz="914400" rtl="0" eaLnBrk="1" latinLnBrk="0" hangingPunct="1">
+      <a:defRPr sz="1200" kern="1200">
+        <a:solidFill>
+          <a:schemeClr val="tx1"/>
+        </a:solidFill>
+        <a:latin typeface="+mn-lt"/>
+        <a:ea typeface="+mn-ea"/>
+        <a:cs typeface="+mn-cs"/>
+      </a:defRPr>
+    </a:lvl8pPr>
+    <a:lvl9pPr marL="3657600" algn="l" defTabSz="914400" rtl="0" eaLnBrk="1" latinLnBrk="0" hangingPunct="1">
+      <a:defRPr sz="1200" kern="1200">
+        <a:solidFill>
+          <a:schemeClr val="tx1"/>
+        </a:solidFill>
+        <a:latin typeface="+mn-lt"/>
+        <a:ea typeface="+mn-ea"/>
+        <a:cs typeface="+mn-cs"/>
+      </a:defRPr>
+    </a:lvl9pPr>
+  </p:notesStyle>
+</p:notesMaster>
+</file>
+
+<file path=ppt/notesSlides/notesSlide1.xml><?xml version="1.0" encoding="utf-8"?>
+<p:notes xmlns:a="http://schemas.openxmlformats.org/drawingml/2006/main" xmlns:r="http://schemas.openxmlformats.org/officeDocument/2006/relationships" xmlns:p="http://schemas.openxmlformats.org/presentationml/2006/main">
+  <p:cSld>
+    <p:spTree>
+      <p:nvGrpSpPr>
+        <p:cNvPr id="1" name=""/>
+        <p:cNvGrpSpPr/>
+        <p:nvPr/>
+      </p:nvGrpSpPr>
+      <p:grpSpPr>
+        <a:xfrm>
+          <a:off x="0" y="0"/>
+          <a:ext cx="0" cy="0"/>
+          <a:chOff x="0" y="0"/>
+          <a:chExt cx="0" cy="0"/>
+        </a:xfrm>
+      </p:grpSpPr>
+      <p:sp>
+        <p:nvSpPr>
+          <p:cNvPr id="2" name="Slide Image Placeholder 1"/>
+          <p:cNvSpPr>
+            <a:spLocks noGrp="1" noRot="1" noChangeAspect="1"/>
+          </p:cNvSpPr>
+          <p:nvPr>
+            <p:ph type="sldImg"/>
+          </p:nvPr>
+        </p:nvSpPr>
+        <p:spPr/>
+      </p:sp>
+      <p:sp>
+        <p:nvSpPr>
+          <p:cNvPr id="3" name="Notes Placeholder 2"/>
+          <p:cNvSpPr>
+            <a:spLocks noGrp="1"/>
+          </p:cNvSpPr>
+          <p:nvPr>
+            <p:ph type="body" idx="1"/>
+          </p:nvPr>
+        </p:nvSpPr>
+        <p:spPr/>
+        <p:txBody>
+          <a:bodyPr/>
+          <a:lstStyle/>
+          <a:p>
+            <a:endParaRPr lang="en-GB" dirty="0"/>
+          </a:p>
+        </p:txBody>
+      </p:sp>
+      <p:sp>
+        <p:nvSpPr>
+          <p:cNvPr id="4" name="Slide Number Placeholder 3"/>
+          <p:cNvSpPr>
+            <a:spLocks noGrp="1"/>
+          </p:cNvSpPr>
+          <p:nvPr>
+            <p:ph type="sldNum" sz="quarter" idx="5"/>
+          </p:nvPr>
+        </p:nvSpPr>
+        <p:spPr/>
+        <p:txBody>
+          <a:bodyPr/>
+          <a:lstStyle/>
+          <a:p>
+            <a:fld id="{E7F9E5FC-C6E5-41A9-8D74-144FA0CB37AF}" type="slidenum">
+              <a:rPr lang="en-GB" smtClean="0"/>
+              <a:t>4</a:t>
+            </a:fld>
+            <a:endParaRPr lang="en-GB"/>
+          </a:p>
+        </p:txBody>
+      </p:sp>
+    </p:spTree>
+    <p:extLst>
+      <p:ext uri="{BB962C8B-B14F-4D97-AF65-F5344CB8AC3E}">
+        <p14:creationId xmlns:p14="http://schemas.microsoft.com/office/powerpoint/2010/main" val="3106171082"/>
+      </p:ext>
+    </p:extLst>
+  </p:cSld>
+  <p:clrMapOvr>
+    <a:masterClrMapping/>
+  </p:clrMapOvr>
+</p:notes>
+</file>
+
 <file path=ppt/slideLayouts/slideLayout1.xml><?xml version="1.0" encoding="utf-8"?>
 <p:sldLayout xmlns:a="http://schemas.openxmlformats.org/drawingml/2006/main" xmlns:r="http://schemas.openxmlformats.org/officeDocument/2006/relationships" xmlns:p="http://schemas.openxmlformats.org/presentationml/2006/main" type="title" preserve="1">
   <p:cSld name="Title Slide">
@@ -2975,7 +3412,7 @@
           <a:p>
             <a:fld id="{8C28A28C-4C6A-46EA-90C0-4EE0B89CC5C7}" type="datetimeFigureOut">
               <a:rPr lang="en-US" smtClean="0"/>
-              <a:t>10/20/21</a:t>
+              <a:t>10/25/2021</a:t>
             </a:fld>
             <a:endParaRPr lang="en-US" dirty="0"/>
           </a:p>
@@ -3173,7 +3610,7 @@
           <a:p>
             <a:fld id="{8C28A28C-4C6A-46EA-90C0-4EE0B89CC5C7}" type="datetimeFigureOut">
               <a:rPr lang="en-US" smtClean="0"/>
-              <a:t>10/20/21</a:t>
+              <a:t>10/25/2021</a:t>
             </a:fld>
             <a:endParaRPr lang="en-US"/>
           </a:p>
@@ -3381,7 +3818,7 @@
           <a:p>
             <a:fld id="{8C28A28C-4C6A-46EA-90C0-4EE0B89CC5C7}" type="datetimeFigureOut">
               <a:rPr lang="en-US" smtClean="0"/>
-              <a:t>10/20/21</a:t>
+              <a:t>10/25/2021</a:t>
             </a:fld>
             <a:endParaRPr lang="en-US"/>
           </a:p>
@@ -3579,7 +4016,7 @@
           <a:p>
             <a:fld id="{8C28A28C-4C6A-46EA-90C0-4EE0B89CC5C7}" type="datetimeFigureOut">
               <a:rPr lang="en-US" smtClean="0"/>
-              <a:t>10/20/21</a:t>
+              <a:t>10/25/2021</a:t>
             </a:fld>
             <a:endParaRPr lang="en-US"/>
           </a:p>
@@ -3856,7 +4293,7 @@
           <a:p>
             <a:fld id="{8C28A28C-4C6A-46EA-90C0-4EE0B89CC5C7}" type="datetimeFigureOut">
               <a:rPr lang="en-US" smtClean="0"/>
-              <a:t>10/20/21</a:t>
+              <a:t>10/25/2021</a:t>
             </a:fld>
             <a:endParaRPr lang="en-US"/>
           </a:p>
@@ -4121,7 +4558,7 @@
           <a:p>
             <a:fld id="{8C28A28C-4C6A-46EA-90C0-4EE0B89CC5C7}" type="datetimeFigureOut">
               <a:rPr lang="en-US" smtClean="0"/>
-              <a:t>10/20/21</a:t>
+              <a:t>10/25/2021</a:t>
             </a:fld>
             <a:endParaRPr lang="en-US"/>
           </a:p>
@@ -4533,7 +4970,7 @@
           <a:p>
             <a:fld id="{8C28A28C-4C6A-46EA-90C0-4EE0B89CC5C7}" type="datetimeFigureOut">
               <a:rPr lang="en-US" smtClean="0"/>
-              <a:t>10/20/21</a:t>
+              <a:t>10/25/2021</a:t>
             </a:fld>
             <a:endParaRPr lang="en-US"/>
           </a:p>
@@ -4674,7 +5111,7 @@
           <a:p>
             <a:fld id="{8C28A28C-4C6A-46EA-90C0-4EE0B89CC5C7}" type="datetimeFigureOut">
               <a:rPr lang="en-US" smtClean="0"/>
-              <a:t>10/20/21</a:t>
+              <a:t>10/25/2021</a:t>
             </a:fld>
             <a:endParaRPr lang="en-US"/>
           </a:p>
@@ -4787,7 +5224,7 @@
           <a:p>
             <a:fld id="{8C28A28C-4C6A-46EA-90C0-4EE0B89CC5C7}" type="datetimeFigureOut">
               <a:rPr lang="en-US" smtClean="0"/>
-              <a:t>10/20/21</a:t>
+              <a:t>10/25/2021</a:t>
             </a:fld>
             <a:endParaRPr lang="en-US"/>
           </a:p>
@@ -5100,7 +5537,7 @@
           <a:p>
             <a:fld id="{8C28A28C-4C6A-46EA-90C0-4EE0B89CC5C7}" type="datetimeFigureOut">
               <a:rPr lang="en-US" smtClean="0"/>
-              <a:t>10/20/21</a:t>
+              <a:t>10/25/2021</a:t>
             </a:fld>
             <a:endParaRPr lang="en-US"/>
           </a:p>
@@ -5388,7 +5825,7 @@
           <a:p>
             <a:fld id="{8C28A28C-4C6A-46EA-90C0-4EE0B89CC5C7}" type="datetimeFigureOut">
               <a:rPr lang="en-US" smtClean="0"/>
-              <a:t>10/20/21</a:t>
+              <a:t>10/25/2021</a:t>
             </a:fld>
             <a:endParaRPr lang="en-US"/>
           </a:p>
@@ -5743,7 +6180,7 @@
             <a:fld id="{8C28A28C-4C6A-46EA-90C0-4EE0B89CC5C7}" type="datetimeFigureOut">
               <a:rPr lang="en-US" smtClean="0"/>
               <a:pPr/>
-              <a:t>10/20/21</a:t>
+              <a:t>10/25/2021</a:t>
             </a:fld>
             <a:endParaRPr lang="en-US" dirty="0"/>
           </a:p>
@@ -6996,28 +7433,381 @@
           </a:p>
         </p:txBody>
       </p:sp>
-      <p:sp>
-        <p:nvSpPr>
-          <p:cNvPr id="3" name="Content Placeholder 2">
+      <p:graphicFrame>
+        <p:nvGraphicFramePr>
+          <p:cNvPr id="11" name="Table 11">
             <a:extLst>
               <a:ext uri="{FF2B5EF4-FFF2-40B4-BE49-F238E27FC236}">
-                <a16:creationId xmlns:a16="http://schemas.microsoft.com/office/drawing/2014/main" id="{5D1E8BAC-12C6-1C45-81E1-FB1DE0F2F3E8}"/>
+                <a16:creationId xmlns:a16="http://schemas.microsoft.com/office/drawing/2014/main" id="{F41F6B7D-8501-4DED-9376-95D264F2C17E}"/>
               </a:ext>
             </a:extLst>
           </p:cNvPr>
-          <p:cNvSpPr>
-            <a:spLocks noGrp="1"/>
-          </p:cNvSpPr>
+          <p:cNvGraphicFramePr>
+            <a:graphicFrameLocks noGrp="1"/>
+          </p:cNvGraphicFramePr>
           <p:nvPr>
             <p:ph idx="1"/>
-          </p:nvPr>
-        </p:nvSpPr>
-        <p:spPr/>
-        <p:txBody>
-          <a:bodyPr/>
+            <p:extLst>
+              <p:ext uri="{D42A27DB-BD31-4B8C-83A1-F6EECF244321}">
+                <p14:modId xmlns:p14="http://schemas.microsoft.com/office/powerpoint/2010/main" val="4248744399"/>
+              </p:ext>
+            </p:extLst>
+          </p:nvPr>
+        </p:nvGraphicFramePr>
+        <p:xfrm>
+          <a:off x="1077913" y="2427288"/>
+          <a:ext cx="9778254" cy="3672840"/>
+        </p:xfrm>
+        <a:graphic>
+          <a:graphicData uri="http://schemas.openxmlformats.org/drawingml/2006/table">
+            <a:tbl>
+              <a:tblPr firstCol="1" bandRow="1">
+                <a:tableStyleId>{5C22544A-7EE6-4342-B048-85BDC9FD1C3A}</a:tableStyleId>
+              </a:tblPr>
+              <a:tblGrid>
+                <a:gridCol w="2728032">
+                  <a:extLst>
+                    <a:ext uri="{9D8B030D-6E8A-4147-A177-3AD203B41FA5}">
+                      <a16:colId xmlns:a16="http://schemas.microsoft.com/office/drawing/2014/main" val="2942096635"/>
+                    </a:ext>
+                  </a:extLst>
+                </a:gridCol>
+                <a:gridCol w="7050222">
+                  <a:extLst>
+                    <a:ext uri="{9D8B030D-6E8A-4147-A177-3AD203B41FA5}">
+                      <a16:colId xmlns:a16="http://schemas.microsoft.com/office/drawing/2014/main" val="2381315393"/>
+                    </a:ext>
+                  </a:extLst>
+                </a:gridCol>
+              </a:tblGrid>
+              <a:tr h="370840">
+                <a:tc>
+                  <a:txBody>
+                    <a:bodyPr/>
+                    <a:lstStyle/>
+                    <a:p>
+                      <a:pPr algn="ctr"/>
+                      <a:r>
+                        <a:rPr lang="en-GB" b="1" dirty="0"/>
+                        <a:t>MySQL 8</a:t>
+                      </a:r>
+                    </a:p>
+                  </a:txBody>
+                  <a:tcPr/>
+                </a:tc>
+                <a:tc>
+                  <a:txBody>
+                    <a:bodyPr/>
+                    <a:lstStyle/>
+                    <a:p>
+                      <a:r>
+                        <a:rPr lang="en-GB" dirty="0"/>
+                        <a:t>Version 5.7 is EOL in 2023 version 8 is production ready, has the benefit of being able to handle UUID’s</a:t>
+                      </a:r>
+                    </a:p>
+                  </a:txBody>
+                  <a:tcPr/>
+                </a:tc>
+                <a:extLst>
+                  <a:ext uri="{0D108BD9-81ED-4DB2-BD59-A6C34878D82A}">
+                    <a16:rowId xmlns:a16="http://schemas.microsoft.com/office/drawing/2014/main" val="4012133355"/>
+                  </a:ext>
+                </a:extLst>
+              </a:tr>
+              <a:tr h="370840">
+                <a:tc>
+                  <a:txBody>
+                    <a:bodyPr/>
+                    <a:lstStyle/>
+                    <a:p>
+                      <a:pPr algn="ctr"/>
+                      <a:r>
+                        <a:rPr lang="en-GB" b="1" dirty="0"/>
+                        <a:t>GitHub Actions</a:t>
+                      </a:r>
+                    </a:p>
+                  </a:txBody>
+                  <a:tcPr/>
+                </a:tc>
+                <a:tc>
+                  <a:txBody>
+                    <a:bodyPr/>
+                    <a:lstStyle/>
+                    <a:p>
+                      <a:r>
+                        <a:rPr lang="en-GB" dirty="0"/>
+                        <a:t>CI/CD for build, test and deploy</a:t>
+                      </a:r>
+                    </a:p>
+                  </a:txBody>
+                  <a:tcPr/>
+                </a:tc>
+                <a:extLst>
+                  <a:ext uri="{0D108BD9-81ED-4DB2-BD59-A6C34878D82A}">
+                    <a16:rowId xmlns:a16="http://schemas.microsoft.com/office/drawing/2014/main" val="481127041"/>
+                  </a:ext>
+                </a:extLst>
+              </a:tr>
+              <a:tr h="370840">
+                <a:tc>
+                  <a:txBody>
+                    <a:bodyPr/>
+                    <a:lstStyle/>
+                    <a:p>
+                      <a:pPr algn="ctr"/>
+                      <a:r>
+                        <a:rPr lang="en-GB" b="1" dirty="0"/>
+                        <a:t>Junit 5</a:t>
+                      </a:r>
+                    </a:p>
+                  </a:txBody>
+                  <a:tcPr/>
+                </a:tc>
+                <a:tc>
+                  <a:txBody>
+                    <a:bodyPr/>
+                    <a:lstStyle/>
+                    <a:p>
+                      <a:r>
+                        <a:rPr lang="en-GB" sz="1800" kern="1200" dirty="0">
+                          <a:solidFill>
+                            <a:schemeClr val="dk1"/>
+                          </a:solidFill>
+                          <a:effectLst/>
+                          <a:latin typeface="+mn-lt"/>
+                          <a:ea typeface="+mn-ea"/>
+                          <a:cs typeface="+mn-cs"/>
+                        </a:rPr>
+                        <a:t>Unit will be used as our testing framework</a:t>
+                      </a:r>
+                      <a:endParaRPr lang="en-GB" dirty="0"/>
+                    </a:p>
+                  </a:txBody>
+                  <a:tcPr/>
+                </a:tc>
+                <a:extLst>
+                  <a:ext uri="{0D108BD9-81ED-4DB2-BD59-A6C34878D82A}">
+                    <a16:rowId xmlns:a16="http://schemas.microsoft.com/office/drawing/2014/main" val="4268588682"/>
+                  </a:ext>
+                </a:extLst>
+              </a:tr>
+              <a:tr h="370840">
+                <a:tc>
+                  <a:txBody>
+                    <a:bodyPr/>
+                    <a:lstStyle/>
+                    <a:p>
+                      <a:pPr algn="ctr"/>
+                      <a:r>
+                        <a:rPr lang="en-GB" b="1" dirty="0"/>
+                        <a:t>Docker</a:t>
+                      </a:r>
+                    </a:p>
+                  </a:txBody>
+                  <a:tcPr/>
+                </a:tc>
+                <a:tc>
+                  <a:txBody>
+                    <a:bodyPr/>
+                    <a:lstStyle/>
+                    <a:p>
+                      <a:r>
+                        <a:rPr lang="en-GB" sz="1800" kern="1200" dirty="0">
+                          <a:solidFill>
+                            <a:schemeClr val="dk1"/>
+                          </a:solidFill>
+                          <a:effectLst/>
+                          <a:latin typeface="+mn-lt"/>
+                          <a:ea typeface="+mn-ea"/>
+                          <a:cs typeface="+mn-cs"/>
+                        </a:rPr>
+                        <a:t>Consistent isolated environment for development testing and deployment it will also works well with our CI/CD choice </a:t>
+                      </a:r>
+                      <a:endParaRPr lang="en-GB" dirty="0"/>
+                    </a:p>
+                  </a:txBody>
+                  <a:tcPr/>
+                </a:tc>
+                <a:extLst>
+                  <a:ext uri="{0D108BD9-81ED-4DB2-BD59-A6C34878D82A}">
+                    <a16:rowId xmlns:a16="http://schemas.microsoft.com/office/drawing/2014/main" val="2088855550"/>
+                  </a:ext>
+                </a:extLst>
+              </a:tr>
+              <a:tr h="370840">
+                <a:tc>
+                  <a:txBody>
+                    <a:bodyPr/>
+                    <a:lstStyle/>
+                    <a:p>
+                      <a:pPr algn="ctr"/>
+                      <a:r>
+                        <a:rPr lang="en-GB" sz="1800" b="1" kern="1200" dirty="0">
+                          <a:solidFill>
+                            <a:schemeClr val="lt1"/>
+                          </a:solidFill>
+                          <a:effectLst/>
+                          <a:latin typeface="+mn-lt"/>
+                          <a:ea typeface="+mn-ea"/>
+                          <a:cs typeface="+mn-cs"/>
+                        </a:rPr>
+                        <a:t>Spring Boot </a:t>
+                      </a:r>
+                      <a:endParaRPr lang="en-GB" b="1" dirty="0"/>
+                    </a:p>
+                  </a:txBody>
+                  <a:tcPr/>
+                </a:tc>
+                <a:tc>
+                  <a:txBody>
+                    <a:bodyPr/>
+                    <a:lstStyle/>
+                    <a:p>
+                      <a:r>
+                        <a:rPr lang="en-GB" dirty="0"/>
+                        <a:t>Framework will be used to develop our application, well documents and mature framework</a:t>
+                      </a:r>
+                    </a:p>
+                  </a:txBody>
+                  <a:tcPr/>
+                </a:tc>
+                <a:extLst>
+                  <a:ext uri="{0D108BD9-81ED-4DB2-BD59-A6C34878D82A}">
+                    <a16:rowId xmlns:a16="http://schemas.microsoft.com/office/drawing/2014/main" val="1407414577"/>
+                  </a:ext>
+                </a:extLst>
+              </a:tr>
+              <a:tr h="370840">
+                <a:tc>
+                  <a:txBody>
+                    <a:bodyPr/>
+                    <a:lstStyle/>
+                    <a:p>
+                      <a:pPr algn="ctr"/>
+                      <a:r>
+                        <a:rPr lang="en-GB" sz="1800" b="1" kern="1200" dirty="0">
+                          <a:solidFill>
+                            <a:schemeClr val="lt1"/>
+                          </a:solidFill>
+                          <a:effectLst/>
+                          <a:latin typeface="+mn-lt"/>
+                          <a:ea typeface="+mn-ea"/>
+                          <a:cs typeface="+mn-cs"/>
+                        </a:rPr>
+                        <a:t>Tomcat 7</a:t>
+                      </a:r>
+                      <a:endParaRPr lang="en-GB" b="1" dirty="0"/>
+                    </a:p>
+                  </a:txBody>
+                  <a:tcPr/>
+                </a:tc>
+                <a:tc>
+                  <a:txBody>
+                    <a:bodyPr/>
+                    <a:lstStyle/>
+                    <a:p>
+                      <a:r>
+                        <a:rPr lang="en-GB" dirty="0"/>
+                        <a:t>The default webserver for Spring Boot, </a:t>
+                      </a:r>
+                    </a:p>
+                  </a:txBody>
+                  <a:tcPr/>
+                </a:tc>
+                <a:extLst>
+                  <a:ext uri="{0D108BD9-81ED-4DB2-BD59-A6C34878D82A}">
+                    <a16:rowId xmlns:a16="http://schemas.microsoft.com/office/drawing/2014/main" val="2848047174"/>
+                  </a:ext>
+                </a:extLst>
+              </a:tr>
+              <a:tr h="370840">
+                <a:tc>
+                  <a:txBody>
+                    <a:bodyPr/>
+                    <a:lstStyle/>
+                    <a:p>
+                      <a:pPr algn="ctr"/>
+                      <a:r>
+                        <a:rPr lang="en-GB" b="1" dirty="0"/>
+                        <a:t>JSP</a:t>
+                      </a:r>
+                    </a:p>
+                  </a:txBody>
+                  <a:tcPr/>
+                </a:tc>
+                <a:tc>
+                  <a:txBody>
+                    <a:bodyPr/>
+                    <a:lstStyle/>
+                    <a:p>
+                      <a:r>
+                        <a:rPr lang="en-GB" sz="1800" kern="1200" dirty="0">
+                          <a:solidFill>
+                            <a:schemeClr val="dk1"/>
+                          </a:solidFill>
+                          <a:effectLst/>
+                          <a:latin typeface="+mn-lt"/>
+                          <a:ea typeface="+mn-ea"/>
+                          <a:cs typeface="+mn-cs"/>
+                        </a:rPr>
+                        <a:t>Allowing for rapid development and is also platform and server independent </a:t>
+                      </a:r>
+                      <a:endParaRPr lang="en-GB" dirty="0"/>
+                    </a:p>
+                  </a:txBody>
+                  <a:tcPr/>
+                </a:tc>
+                <a:extLst>
+                  <a:ext uri="{0D108BD9-81ED-4DB2-BD59-A6C34878D82A}">
+                    <a16:rowId xmlns:a16="http://schemas.microsoft.com/office/drawing/2014/main" val="15248599"/>
+                  </a:ext>
+                </a:extLst>
+              </a:tr>
+            </a:tbl>
+          </a:graphicData>
+        </a:graphic>
+      </p:graphicFrame>
+      <p:sp>
+        <p:nvSpPr>
+          <p:cNvPr id="8" name="Right Brace 7">
+            <a:extLst>
+              <a:ext uri="{FF2B5EF4-FFF2-40B4-BE49-F238E27FC236}">
+                <a16:creationId xmlns:a16="http://schemas.microsoft.com/office/drawing/2014/main" id="{617E716E-BEA6-431F-9CAC-5A1EDAD9A8EA}"/>
+              </a:ext>
+            </a:extLst>
+          </p:cNvPr>
+          <p:cNvSpPr/>
+          <p:nvPr/>
+        </p:nvSpPr>
+        <p:spPr>
+          <a:xfrm>
+            <a:off x="8663473" y="2076061"/>
+            <a:ext cx="45719" cy="45719"/>
+          </a:xfrm>
+          <a:prstGeom prst="rightBrace">
+            <a:avLst/>
+          </a:prstGeom>
+        </p:spPr>
+        <p:style>
+          <a:lnRef idx="1">
+            <a:schemeClr val="accent1"/>
+          </a:lnRef>
+          <a:fillRef idx="0">
+            <a:schemeClr val="accent1"/>
+          </a:fillRef>
+          <a:effectRef idx="0">
+            <a:schemeClr val="accent1"/>
+          </a:effectRef>
+          <a:fontRef idx="minor">
+            <a:schemeClr val="tx1"/>
+          </a:fontRef>
+        </p:style>
+        <p:txBody>
+          <a:bodyPr rtlCol="0" anchor="ctr"/>
           <a:lstStyle/>
           <a:p>
-            <a:endParaRPr lang="en-US"/>
+            <a:pPr algn="ctr"/>
+            <a:endParaRPr lang="en-GB"/>
           </a:p>
         </p:txBody>
       </p:sp>
@@ -7100,7 +7890,7 @@
           <a:bodyPr/>
           <a:lstStyle/>
           <a:p>
-            <a:endParaRPr lang="en-US"/>
+            <a:endParaRPr lang="en-US" dirty="0"/>
           </a:p>
         </p:txBody>
       </p:sp>
@@ -8101,4 +8891,299 @@
     </a:ext>
   </a:extLst>
 </a:theme>
+</file>
+
+<file path=ppt/theme/theme2.xml><?xml version="1.0" encoding="utf-8"?>
+<a:theme xmlns:a="http://schemas.openxmlformats.org/drawingml/2006/main" name="Office Theme">
+  <a:themeElements>
+    <a:clrScheme name="Office">
+      <a:dk1>
+        <a:sysClr val="windowText" lastClr="000000"/>
+      </a:dk1>
+      <a:lt1>
+        <a:sysClr val="window" lastClr="FFFFFF"/>
+      </a:lt1>
+      <a:dk2>
+        <a:srgbClr val="44546A"/>
+      </a:dk2>
+      <a:lt2>
+        <a:srgbClr val="E7E6E6"/>
+      </a:lt2>
+      <a:accent1>
+        <a:srgbClr val="4472C4"/>
+      </a:accent1>
+      <a:accent2>
+        <a:srgbClr val="ED7D31"/>
+      </a:accent2>
+      <a:accent3>
+        <a:srgbClr val="A5A5A5"/>
+      </a:accent3>
+      <a:accent4>
+        <a:srgbClr val="FFC000"/>
+      </a:accent4>
+      <a:accent5>
+        <a:srgbClr val="5B9BD5"/>
+      </a:accent5>
+      <a:accent6>
+        <a:srgbClr val="70AD47"/>
+      </a:accent6>
+      <a:hlink>
+        <a:srgbClr val="0563C1"/>
+      </a:hlink>
+      <a:folHlink>
+        <a:srgbClr val="954F72"/>
+      </a:folHlink>
+    </a:clrScheme>
+    <a:fontScheme name="Office">
+      <a:majorFont>
+        <a:latin typeface="Calibri Light" panose="020F0302020204030204"/>
+        <a:ea typeface=""/>
+        <a:cs typeface=""/>
+        <a:font script="Jpan" typeface="游ゴシック Light"/>
+        <a:font script="Hang" typeface="맑은 고딕"/>
+        <a:font script="Hans" typeface="等线 Light"/>
+        <a:font script="Hant" typeface="新細明體"/>
+        <a:font script="Arab" typeface="Times New Roman"/>
+        <a:font script="Hebr" typeface="Times New Roman"/>
+        <a:font script="Thai" typeface="Angsana New"/>
+        <a:font script="Ethi" typeface="Nyala"/>
+        <a:font script="Beng" typeface="Vrinda"/>
+        <a:font script="Gujr" typeface="Shruti"/>
+        <a:font script="Khmr" typeface="MoolBoran"/>
+        <a:font script="Knda" typeface="Tunga"/>
+        <a:font script="Guru" typeface="Raavi"/>
+        <a:font script="Cans" typeface="Euphemia"/>
+        <a:font script="Cher" typeface="Plantagenet Cherokee"/>
+        <a:font script="Yiii" typeface="Microsoft Yi Baiti"/>
+        <a:font script="Tibt" typeface="Microsoft Himalaya"/>
+        <a:font script="Thaa" typeface="MV Boli"/>
+        <a:font script="Deva" typeface="Mangal"/>
+        <a:font script="Telu" typeface="Gautami"/>
+        <a:font script="Taml" typeface="Latha"/>
+        <a:font script="Syrc" typeface="Estrangelo Edessa"/>
+        <a:font script="Orya" typeface="Kalinga"/>
+        <a:font script="Mlym" typeface="Kartika"/>
+        <a:font script="Laoo" typeface="DokChampa"/>
+        <a:font script="Sinh" typeface="Iskoola Pota"/>
+        <a:font script="Mong" typeface="Mongolian Baiti"/>
+        <a:font script="Viet" typeface="Times New Roman"/>
+        <a:font script="Uigh" typeface="Microsoft Uighur"/>
+        <a:font script="Geor" typeface="Sylfaen"/>
+        <a:font script="Armn" typeface="Arial"/>
+        <a:font script="Bugi" typeface="Leelawadee UI"/>
+        <a:font script="Bopo" typeface="Microsoft JhengHei"/>
+        <a:font script="Java" typeface="Javanese Text"/>
+        <a:font script="Lisu" typeface="Segoe UI"/>
+        <a:font script="Mymr" typeface="Myanmar Text"/>
+        <a:font script="Nkoo" typeface="Ebrima"/>
+        <a:font script="Olck" typeface="Nirmala UI"/>
+        <a:font script="Osma" typeface="Ebrima"/>
+        <a:font script="Phag" typeface="Phagspa"/>
+        <a:font script="Syrn" typeface="Estrangelo Edessa"/>
+        <a:font script="Syrj" typeface="Estrangelo Edessa"/>
+        <a:font script="Syre" typeface="Estrangelo Edessa"/>
+        <a:font script="Sora" typeface="Nirmala UI"/>
+        <a:font script="Tale" typeface="Microsoft Tai Le"/>
+        <a:font script="Talu" typeface="Microsoft New Tai Lue"/>
+        <a:font script="Tfng" typeface="Ebrima"/>
+      </a:majorFont>
+      <a:minorFont>
+        <a:latin typeface="Calibri" panose="020F0502020204030204"/>
+        <a:ea typeface=""/>
+        <a:cs typeface=""/>
+        <a:font script="Jpan" typeface="游ゴシック"/>
+        <a:font script="Hang" typeface="맑은 고딕"/>
+        <a:font script="Hans" typeface="等线"/>
+        <a:font script="Hant" typeface="新細明體"/>
+        <a:font script="Arab" typeface="Arial"/>
+        <a:font script="Hebr" typeface="Arial"/>
+        <a:font script="Thai" typeface="Cordia New"/>
+        <a:font script="Ethi" typeface="Nyala"/>
+        <a:font script="Beng" typeface="Vrinda"/>
+        <a:font script="Gujr" typeface="Shruti"/>
+        <a:font script="Khmr" typeface="DaunPenh"/>
+        <a:font script="Knda" typeface="Tunga"/>
+        <a:font script="Guru" typeface="Raavi"/>
+        <a:font script="Cans" typeface="Euphemia"/>
+        <a:font script="Cher" typeface="Plantagenet Cherokee"/>
+        <a:font script="Yiii" typeface="Microsoft Yi Baiti"/>
+        <a:font script="Tibt" typeface="Microsoft Himalaya"/>
+        <a:font script="Thaa" typeface="MV Boli"/>
+        <a:font script="Deva" typeface="Mangal"/>
+        <a:font script="Telu" typeface="Gautami"/>
+        <a:font script="Taml" typeface="Latha"/>
+        <a:font script="Syrc" typeface="Estrangelo Edessa"/>
+        <a:font script="Orya" typeface="Kalinga"/>
+        <a:font script="Mlym" typeface="Kartika"/>
+        <a:font script="Laoo" typeface="DokChampa"/>
+        <a:font script="Sinh" typeface="Iskoola Pota"/>
+        <a:font script="Mong" typeface="Mongolian Baiti"/>
+        <a:font script="Viet" typeface="Arial"/>
+        <a:font script="Uigh" typeface="Microsoft Uighur"/>
+        <a:font script="Geor" typeface="Sylfaen"/>
+        <a:font script="Armn" typeface="Arial"/>
+        <a:font script="Bugi" typeface="Leelawadee UI"/>
+        <a:font script="Bopo" typeface="Microsoft JhengHei"/>
+        <a:font script="Java" typeface="Javanese Text"/>
+        <a:font script="Lisu" typeface="Segoe UI"/>
+        <a:font script="Mymr" typeface="Myanmar Text"/>
+        <a:font script="Nkoo" typeface="Ebrima"/>
+        <a:font script="Olck" typeface="Nirmala UI"/>
+        <a:font script="Osma" typeface="Ebrima"/>
+        <a:font script="Phag" typeface="Phagspa"/>
+        <a:font script="Syrn" typeface="Estrangelo Edessa"/>
+        <a:font script="Syrj" typeface="Estrangelo Edessa"/>
+        <a:font script="Syre" typeface="Estrangelo Edessa"/>
+        <a:font script="Sora" typeface="Nirmala UI"/>
+        <a:font script="Tale" typeface="Microsoft Tai Le"/>
+        <a:font script="Talu" typeface="Microsoft New Tai Lue"/>
+        <a:font script="Tfng" typeface="Ebrima"/>
+      </a:minorFont>
+    </a:fontScheme>
+    <a:fmtScheme name="Office">
+      <a:fillStyleLst>
+        <a:solidFill>
+          <a:schemeClr val="phClr"/>
+        </a:solidFill>
+        <a:gradFill rotWithShape="1">
+          <a:gsLst>
+            <a:gs pos="0">
+              <a:schemeClr val="phClr">
+                <a:lumMod val="110000"/>
+                <a:satMod val="105000"/>
+                <a:tint val="67000"/>
+              </a:schemeClr>
+            </a:gs>
+            <a:gs pos="50000">
+              <a:schemeClr val="phClr">
+                <a:lumMod val="105000"/>
+                <a:satMod val="103000"/>
+                <a:tint val="73000"/>
+              </a:schemeClr>
+            </a:gs>
+            <a:gs pos="100000">
+              <a:schemeClr val="phClr">
+                <a:lumMod val="105000"/>
+                <a:satMod val="109000"/>
+                <a:tint val="81000"/>
+              </a:schemeClr>
+            </a:gs>
+          </a:gsLst>
+          <a:lin ang="5400000" scaled="0"/>
+        </a:gradFill>
+        <a:gradFill rotWithShape="1">
+          <a:gsLst>
+            <a:gs pos="0">
+              <a:schemeClr val="phClr">
+                <a:satMod val="103000"/>
+                <a:lumMod val="102000"/>
+                <a:tint val="94000"/>
+              </a:schemeClr>
+            </a:gs>
+            <a:gs pos="50000">
+              <a:schemeClr val="phClr">
+                <a:satMod val="110000"/>
+                <a:lumMod val="100000"/>
+                <a:shade val="100000"/>
+              </a:schemeClr>
+            </a:gs>
+            <a:gs pos="100000">
+              <a:schemeClr val="phClr">
+                <a:lumMod val="99000"/>
+                <a:satMod val="120000"/>
+                <a:shade val="78000"/>
+              </a:schemeClr>
+            </a:gs>
+          </a:gsLst>
+          <a:lin ang="5400000" scaled="0"/>
+        </a:gradFill>
+      </a:fillStyleLst>
+      <a:lnStyleLst>
+        <a:ln w="6350" cap="flat" cmpd="sng" algn="ctr">
+          <a:solidFill>
+            <a:schemeClr val="phClr"/>
+          </a:solidFill>
+          <a:prstDash val="solid"/>
+          <a:miter lim="800000"/>
+        </a:ln>
+        <a:ln w="12700" cap="flat" cmpd="sng" algn="ctr">
+          <a:solidFill>
+            <a:schemeClr val="phClr"/>
+          </a:solidFill>
+          <a:prstDash val="solid"/>
+          <a:miter lim="800000"/>
+        </a:ln>
+        <a:ln w="19050" cap="flat" cmpd="sng" algn="ctr">
+          <a:solidFill>
+            <a:schemeClr val="phClr"/>
+          </a:solidFill>
+          <a:prstDash val="solid"/>
+          <a:miter lim="800000"/>
+        </a:ln>
+      </a:lnStyleLst>
+      <a:effectStyleLst>
+        <a:effectStyle>
+          <a:effectLst/>
+        </a:effectStyle>
+        <a:effectStyle>
+          <a:effectLst/>
+        </a:effectStyle>
+        <a:effectStyle>
+          <a:effectLst>
+            <a:outerShdw blurRad="57150" dist="19050" dir="5400000" algn="ctr" rotWithShape="0">
+              <a:srgbClr val="000000">
+                <a:alpha val="63000"/>
+              </a:srgbClr>
+            </a:outerShdw>
+          </a:effectLst>
+        </a:effectStyle>
+      </a:effectStyleLst>
+      <a:bgFillStyleLst>
+        <a:solidFill>
+          <a:schemeClr val="phClr"/>
+        </a:solidFill>
+        <a:solidFill>
+          <a:schemeClr val="phClr">
+            <a:tint val="95000"/>
+            <a:satMod val="170000"/>
+          </a:schemeClr>
+        </a:solidFill>
+        <a:gradFill rotWithShape="1">
+          <a:gsLst>
+            <a:gs pos="0">
+              <a:schemeClr val="phClr">
+                <a:tint val="93000"/>
+                <a:satMod val="150000"/>
+                <a:shade val="98000"/>
+                <a:lumMod val="102000"/>
+              </a:schemeClr>
+            </a:gs>
+            <a:gs pos="50000">
+              <a:schemeClr val="phClr">
+                <a:tint val="98000"/>
+                <a:satMod val="130000"/>
+                <a:shade val="90000"/>
+                <a:lumMod val="103000"/>
+              </a:schemeClr>
+            </a:gs>
+            <a:gs pos="100000">
+              <a:schemeClr val="phClr">
+                <a:shade val="63000"/>
+                <a:satMod val="120000"/>
+              </a:schemeClr>
+            </a:gs>
+          </a:gsLst>
+          <a:lin ang="5400000" scaled="0"/>
+        </a:gradFill>
+      </a:bgFillStyleLst>
+    </a:fmtScheme>
+  </a:themeElements>
+  <a:objectDefaults/>
+  <a:extraClrSchemeLst/>
+  <a:extLst>
+    <a:ext uri="{05A4C25C-085E-4340-85A3-A5531E510DB2}">
+      <thm15:themeFamily xmlns:thm15="http://schemas.microsoft.com/office/thememl/2012/main" name="Office Theme" id="{62F939B6-93AF-4DB8-9C6B-D6C7DFDC589F}" vid="{4A3C46E8-61CC-4603-A589-7422A47A8E4A}"/>
+    </a:ext>
+  </a:extLst>
+</a:theme>
 </file>
--- a/documentation/Sprint2_PAA.pptx
+++ b/documentation/Sprint2_PAA.pptx
@@ -5,15 +5,16 @@
     <p:sldMasterId id="2147483738" r:id="rId1"/>
   </p:sldMasterIdLst>
   <p:notesMasterIdLst>
-    <p:notesMasterId r:id="rId8"/>
+    <p:notesMasterId r:id="rId9"/>
   </p:notesMasterIdLst>
   <p:sldIdLst>
     <p:sldId id="256" r:id="rId2"/>
     <p:sldId id="265" r:id="rId3"/>
     <p:sldId id="263" r:id="rId4"/>
     <p:sldId id="261" r:id="rId5"/>
-    <p:sldId id="264" r:id="rId6"/>
-    <p:sldId id="262" r:id="rId7"/>
+    <p:sldId id="266" r:id="rId6"/>
+    <p:sldId id="264" r:id="rId7"/>
+    <p:sldId id="262" r:id="rId8"/>
   </p:sldIdLst>
   <p:sldSz cx="12192000" cy="6858000"/>
   <p:notesSz cx="6858000" cy="9144000"/>
@@ -2909,7 +2910,7 @@
           <a:p>
             <a:fld id="{5D219B12-85DE-474F-82A6-F2BBEFB2572A}" type="datetimeFigureOut">
               <a:rPr lang="en-GB" smtClean="0"/>
-              <a:t>25/10/2021</a:t>
+              <a:t>26/10/2021</a:t>
             </a:fld>
             <a:endParaRPr lang="en-GB"/>
           </a:p>
@@ -3261,6 +3262,90 @@
 </p:notes>
 </file>
 
+<file path=ppt/notesSlides/notesSlide2.xml><?xml version="1.0" encoding="utf-8"?>
+<p:notes xmlns:a="http://schemas.openxmlformats.org/drawingml/2006/main" xmlns:r="http://schemas.openxmlformats.org/officeDocument/2006/relationships" xmlns:p="http://schemas.openxmlformats.org/presentationml/2006/main">
+  <p:cSld>
+    <p:spTree>
+      <p:nvGrpSpPr>
+        <p:cNvPr id="1" name=""/>
+        <p:cNvGrpSpPr/>
+        <p:nvPr/>
+      </p:nvGrpSpPr>
+      <p:grpSpPr>
+        <a:xfrm>
+          <a:off x="0" y="0"/>
+          <a:ext cx="0" cy="0"/>
+          <a:chOff x="0" y="0"/>
+          <a:chExt cx="0" cy="0"/>
+        </a:xfrm>
+      </p:grpSpPr>
+      <p:sp>
+        <p:nvSpPr>
+          <p:cNvPr id="2" name="Slide Image Placeholder 1"/>
+          <p:cNvSpPr>
+            <a:spLocks noGrp="1" noRot="1" noChangeAspect="1"/>
+          </p:cNvSpPr>
+          <p:nvPr>
+            <p:ph type="sldImg"/>
+          </p:nvPr>
+        </p:nvSpPr>
+        <p:spPr/>
+      </p:sp>
+      <p:sp>
+        <p:nvSpPr>
+          <p:cNvPr id="3" name="Notes Placeholder 2"/>
+          <p:cNvSpPr>
+            <a:spLocks noGrp="1"/>
+          </p:cNvSpPr>
+          <p:nvPr>
+            <p:ph type="body" idx="1"/>
+          </p:nvPr>
+        </p:nvSpPr>
+        <p:spPr/>
+        <p:txBody>
+          <a:bodyPr/>
+          <a:lstStyle/>
+          <a:p>
+            <a:endParaRPr lang="en-GB" dirty="0"/>
+          </a:p>
+        </p:txBody>
+      </p:sp>
+      <p:sp>
+        <p:nvSpPr>
+          <p:cNvPr id="4" name="Slide Number Placeholder 3"/>
+          <p:cNvSpPr>
+            <a:spLocks noGrp="1"/>
+          </p:cNvSpPr>
+          <p:nvPr>
+            <p:ph type="sldNum" sz="quarter" idx="5"/>
+          </p:nvPr>
+        </p:nvSpPr>
+        <p:spPr/>
+        <p:txBody>
+          <a:bodyPr/>
+          <a:lstStyle/>
+          <a:p>
+            <a:fld id="{E7F9E5FC-C6E5-41A9-8D74-144FA0CB37AF}" type="slidenum">
+              <a:rPr lang="en-GB" smtClean="0"/>
+              <a:t>5</a:t>
+            </a:fld>
+            <a:endParaRPr lang="en-GB"/>
+          </a:p>
+        </p:txBody>
+      </p:sp>
+    </p:spTree>
+    <p:extLst>
+      <p:ext uri="{BB962C8B-B14F-4D97-AF65-F5344CB8AC3E}">
+        <p14:creationId xmlns:p14="http://schemas.microsoft.com/office/powerpoint/2010/main" val="690620648"/>
+      </p:ext>
+    </p:extLst>
+  </p:cSld>
+  <p:clrMapOvr>
+    <a:masterClrMapping/>
+  </p:clrMapOvr>
+</p:notes>
+</file>
+
 <file path=ppt/slideLayouts/slideLayout1.xml><?xml version="1.0" encoding="utf-8"?>
 <p:sldLayout xmlns:a="http://schemas.openxmlformats.org/drawingml/2006/main" xmlns:r="http://schemas.openxmlformats.org/officeDocument/2006/relationships" xmlns:p="http://schemas.openxmlformats.org/presentationml/2006/main" type="title" preserve="1">
   <p:cSld name="Title Slide">
@@ -3412,7 +3497,7 @@
           <a:p>
             <a:fld id="{8C28A28C-4C6A-46EA-90C0-4EE0B89CC5C7}" type="datetimeFigureOut">
               <a:rPr lang="en-US" smtClean="0"/>
-              <a:t>10/25/2021</a:t>
+              <a:t>10/26/2021</a:t>
             </a:fld>
             <a:endParaRPr lang="en-US" dirty="0"/>
           </a:p>
@@ -3610,7 +3695,7 @@
           <a:p>
             <a:fld id="{8C28A28C-4C6A-46EA-90C0-4EE0B89CC5C7}" type="datetimeFigureOut">
               <a:rPr lang="en-US" smtClean="0"/>
-              <a:t>10/25/2021</a:t>
+              <a:t>10/26/2021</a:t>
             </a:fld>
             <a:endParaRPr lang="en-US"/>
           </a:p>
@@ -3818,7 +3903,7 @@
           <a:p>
             <a:fld id="{8C28A28C-4C6A-46EA-90C0-4EE0B89CC5C7}" type="datetimeFigureOut">
               <a:rPr lang="en-US" smtClean="0"/>
-              <a:t>10/25/2021</a:t>
+              <a:t>10/26/2021</a:t>
             </a:fld>
             <a:endParaRPr lang="en-US"/>
           </a:p>
@@ -4016,7 +4101,7 @@
           <a:p>
             <a:fld id="{8C28A28C-4C6A-46EA-90C0-4EE0B89CC5C7}" type="datetimeFigureOut">
               <a:rPr lang="en-US" smtClean="0"/>
-              <a:t>10/25/2021</a:t>
+              <a:t>10/26/2021</a:t>
             </a:fld>
             <a:endParaRPr lang="en-US"/>
           </a:p>
@@ -4293,7 +4378,7 @@
           <a:p>
             <a:fld id="{8C28A28C-4C6A-46EA-90C0-4EE0B89CC5C7}" type="datetimeFigureOut">
               <a:rPr lang="en-US" smtClean="0"/>
-              <a:t>10/25/2021</a:t>
+              <a:t>10/26/2021</a:t>
             </a:fld>
             <a:endParaRPr lang="en-US"/>
           </a:p>
@@ -4558,7 +4643,7 @@
           <a:p>
             <a:fld id="{8C28A28C-4C6A-46EA-90C0-4EE0B89CC5C7}" type="datetimeFigureOut">
               <a:rPr lang="en-US" smtClean="0"/>
-              <a:t>10/25/2021</a:t>
+              <a:t>10/26/2021</a:t>
             </a:fld>
             <a:endParaRPr lang="en-US"/>
           </a:p>
@@ -4970,7 +5055,7 @@
           <a:p>
             <a:fld id="{8C28A28C-4C6A-46EA-90C0-4EE0B89CC5C7}" type="datetimeFigureOut">
               <a:rPr lang="en-US" smtClean="0"/>
-              <a:t>10/25/2021</a:t>
+              <a:t>10/26/2021</a:t>
             </a:fld>
             <a:endParaRPr lang="en-US"/>
           </a:p>
@@ -5111,7 +5196,7 @@
           <a:p>
             <a:fld id="{8C28A28C-4C6A-46EA-90C0-4EE0B89CC5C7}" type="datetimeFigureOut">
               <a:rPr lang="en-US" smtClean="0"/>
-              <a:t>10/25/2021</a:t>
+              <a:t>10/26/2021</a:t>
             </a:fld>
             <a:endParaRPr lang="en-US"/>
           </a:p>
@@ -5224,7 +5309,7 @@
           <a:p>
             <a:fld id="{8C28A28C-4C6A-46EA-90C0-4EE0B89CC5C7}" type="datetimeFigureOut">
               <a:rPr lang="en-US" smtClean="0"/>
-              <a:t>10/25/2021</a:t>
+              <a:t>10/26/2021</a:t>
             </a:fld>
             <a:endParaRPr lang="en-US"/>
           </a:p>
@@ -5537,7 +5622,7 @@
           <a:p>
             <a:fld id="{8C28A28C-4C6A-46EA-90C0-4EE0B89CC5C7}" type="datetimeFigureOut">
               <a:rPr lang="en-US" smtClean="0"/>
-              <a:t>10/25/2021</a:t>
+              <a:t>10/26/2021</a:t>
             </a:fld>
             <a:endParaRPr lang="en-US"/>
           </a:p>
@@ -5825,7 +5910,7 @@
           <a:p>
             <a:fld id="{8C28A28C-4C6A-46EA-90C0-4EE0B89CC5C7}" type="datetimeFigureOut">
               <a:rPr lang="en-US" smtClean="0"/>
-              <a:t>10/25/2021</a:t>
+              <a:t>10/26/2021</a:t>
             </a:fld>
             <a:endParaRPr lang="en-US"/>
           </a:p>
@@ -6180,7 +6265,7 @@
             <a:fld id="{8C28A28C-4C6A-46EA-90C0-4EE0B89CC5C7}" type="datetimeFigureOut">
               <a:rPr lang="en-US" smtClean="0"/>
               <a:pPr/>
-              <a:t>10/25/2021</a:t>
+              <a:t>10/26/2021</a:t>
             </a:fld>
             <a:endParaRPr lang="en-US" dirty="0"/>
           </a:p>
@@ -7449,14 +7534,14 @@
             <p:ph idx="1"/>
             <p:extLst>
               <p:ext uri="{D42A27DB-BD31-4B8C-83A1-F6EECF244321}">
-                <p14:modId xmlns:p14="http://schemas.microsoft.com/office/powerpoint/2010/main" val="4248744399"/>
+                <p14:modId xmlns:p14="http://schemas.microsoft.com/office/powerpoint/2010/main" val="1446209424"/>
               </p:ext>
             </p:extLst>
           </p:nvPr>
         </p:nvGraphicFramePr>
         <p:xfrm>
           <a:off x="1077913" y="2427288"/>
-          <a:ext cx="9778254" cy="3672840"/>
+          <a:ext cx="9778254" cy="2021840"/>
         </p:xfrm>
         <a:graphic>
           <a:graphicData uri="http://schemas.openxmlformats.org/drawingml/2006/table">
@@ -7634,6 +7719,159 @@
                   </a:ext>
                 </a:extLst>
               </a:tr>
+            </a:tbl>
+          </a:graphicData>
+        </a:graphic>
+      </p:graphicFrame>
+      <p:sp>
+        <p:nvSpPr>
+          <p:cNvPr id="8" name="Right Brace 7">
+            <a:extLst>
+              <a:ext uri="{FF2B5EF4-FFF2-40B4-BE49-F238E27FC236}">
+                <a16:creationId xmlns:a16="http://schemas.microsoft.com/office/drawing/2014/main" id="{617E716E-BEA6-431F-9CAC-5A1EDAD9A8EA}"/>
+              </a:ext>
+            </a:extLst>
+          </p:cNvPr>
+          <p:cNvSpPr/>
+          <p:nvPr/>
+        </p:nvSpPr>
+        <p:spPr>
+          <a:xfrm>
+            <a:off x="8663473" y="2076061"/>
+            <a:ext cx="45719" cy="45719"/>
+          </a:xfrm>
+          <a:prstGeom prst="rightBrace">
+            <a:avLst/>
+          </a:prstGeom>
+        </p:spPr>
+        <p:style>
+          <a:lnRef idx="1">
+            <a:schemeClr val="accent1"/>
+          </a:lnRef>
+          <a:fillRef idx="0">
+            <a:schemeClr val="accent1"/>
+          </a:fillRef>
+          <a:effectRef idx="0">
+            <a:schemeClr val="accent1"/>
+          </a:effectRef>
+          <a:fontRef idx="minor">
+            <a:schemeClr val="tx1"/>
+          </a:fontRef>
+        </p:style>
+        <p:txBody>
+          <a:bodyPr rtlCol="0" anchor="ctr"/>
+          <a:lstStyle/>
+          <a:p>
+            <a:pPr algn="ctr"/>
+            <a:endParaRPr lang="en-GB"/>
+          </a:p>
+        </p:txBody>
+      </p:sp>
+    </p:spTree>
+    <p:extLst>
+      <p:ext uri="{BB962C8B-B14F-4D97-AF65-F5344CB8AC3E}">
+        <p14:creationId xmlns:p14="http://schemas.microsoft.com/office/powerpoint/2010/main" val="2977457609"/>
+      </p:ext>
+    </p:extLst>
+  </p:cSld>
+  <p:clrMapOvr>
+    <a:masterClrMapping/>
+  </p:clrMapOvr>
+</p:sld>
+</file>
+
+<file path=ppt/slides/slide5.xml><?xml version="1.0" encoding="utf-8"?>
+<p:sld xmlns:a="http://schemas.openxmlformats.org/drawingml/2006/main" xmlns:r="http://schemas.openxmlformats.org/officeDocument/2006/relationships" xmlns:p="http://schemas.openxmlformats.org/presentationml/2006/main">
+  <p:cSld>
+    <p:spTree>
+      <p:nvGrpSpPr>
+        <p:cNvPr id="1" name=""/>
+        <p:cNvGrpSpPr/>
+        <p:nvPr/>
+      </p:nvGrpSpPr>
+      <p:grpSpPr>
+        <a:xfrm>
+          <a:off x="0" y="0"/>
+          <a:ext cx="0" cy="0"/>
+          <a:chOff x="0" y="0"/>
+          <a:chExt cx="0" cy="0"/>
+        </a:xfrm>
+      </p:grpSpPr>
+      <p:sp>
+        <p:nvSpPr>
+          <p:cNvPr id="2" name="Title 1">
+            <a:extLst>
+              <a:ext uri="{FF2B5EF4-FFF2-40B4-BE49-F238E27FC236}">
+                <a16:creationId xmlns:a16="http://schemas.microsoft.com/office/drawing/2014/main" id="{42E02457-1F6E-864B-BE92-1849C1385466}"/>
+              </a:ext>
+            </a:extLst>
+          </p:cNvPr>
+          <p:cNvSpPr>
+            <a:spLocks noGrp="1"/>
+          </p:cNvSpPr>
+          <p:nvPr>
+            <p:ph type="title"/>
+          </p:nvPr>
+        </p:nvSpPr>
+        <p:spPr/>
+        <p:txBody>
+          <a:bodyPr/>
+          <a:lstStyle/>
+          <a:p>
+            <a:r>
+              <a:rPr lang="en-US" dirty="0"/>
+              <a:t>Technology evaluation</a:t>
+            </a:r>
+          </a:p>
+        </p:txBody>
+      </p:sp>
+      <p:graphicFrame>
+        <p:nvGraphicFramePr>
+          <p:cNvPr id="11" name="Table 11">
+            <a:extLst>
+              <a:ext uri="{FF2B5EF4-FFF2-40B4-BE49-F238E27FC236}">
+                <a16:creationId xmlns:a16="http://schemas.microsoft.com/office/drawing/2014/main" id="{F41F6B7D-8501-4DED-9376-95D264F2C17E}"/>
+              </a:ext>
+            </a:extLst>
+          </p:cNvPr>
+          <p:cNvGraphicFramePr>
+            <a:graphicFrameLocks noGrp="1"/>
+          </p:cNvGraphicFramePr>
+          <p:nvPr>
+            <p:ph idx="1"/>
+            <p:extLst>
+              <p:ext uri="{D42A27DB-BD31-4B8C-83A1-F6EECF244321}">
+                <p14:modId xmlns:p14="http://schemas.microsoft.com/office/powerpoint/2010/main" val="3203511161"/>
+              </p:ext>
+            </p:extLst>
+          </p:nvPr>
+        </p:nvGraphicFramePr>
+        <p:xfrm>
+          <a:off x="1077913" y="2427288"/>
+          <a:ext cx="9778254" cy="2021840"/>
+        </p:xfrm>
+        <a:graphic>
+          <a:graphicData uri="http://schemas.openxmlformats.org/drawingml/2006/table">
+            <a:tbl>
+              <a:tblPr firstCol="1" bandRow="1">
+                <a:tableStyleId>{5C22544A-7EE6-4342-B048-85BDC9FD1C3A}</a:tableStyleId>
+              </a:tblPr>
+              <a:tblGrid>
+                <a:gridCol w="2728032">
+                  <a:extLst>
+                    <a:ext uri="{9D8B030D-6E8A-4147-A177-3AD203B41FA5}">
+                      <a16:colId xmlns:a16="http://schemas.microsoft.com/office/drawing/2014/main" val="2942096635"/>
+                    </a:ext>
+                  </a:extLst>
+                </a:gridCol>
+                <a:gridCol w="7050222">
+                  <a:extLst>
+                    <a:ext uri="{9D8B030D-6E8A-4147-A177-3AD203B41FA5}">
+                      <a16:colId xmlns:a16="http://schemas.microsoft.com/office/drawing/2014/main" val="2381315393"/>
+                    </a:ext>
+                  </a:extLst>
+                </a:gridCol>
+              </a:tblGrid>
               <a:tr h="370840">
                 <a:tc>
                   <a:txBody>
@@ -7673,7 +7911,7 @@
                 </a:tc>
                 <a:extLst>
                   <a:ext uri="{0D108BD9-81ED-4DB2-BD59-A6C34878D82A}">
-                    <a16:rowId xmlns:a16="http://schemas.microsoft.com/office/drawing/2014/main" val="1407414577"/>
+                    <a16:rowId xmlns:a16="http://schemas.microsoft.com/office/drawing/2014/main" val="4012133355"/>
                   </a:ext>
                 </a:extLst>
               </a:tr>
@@ -7716,7 +7954,7 @@
                 </a:tc>
                 <a:extLst>
                   <a:ext uri="{0D108BD9-81ED-4DB2-BD59-A6C34878D82A}">
-                    <a16:rowId xmlns:a16="http://schemas.microsoft.com/office/drawing/2014/main" val="2848047174"/>
+                    <a16:rowId xmlns:a16="http://schemas.microsoft.com/office/drawing/2014/main" val="481127041"/>
                   </a:ext>
                 </a:extLst>
               </a:tr>
@@ -7752,6 +7990,49 @@
                         </a:rPr>
                         <a:t>Allowing for rapid development and is also platform and server independent </a:t>
                       </a:r>
+                    </a:p>
+                  </a:txBody>
+                  <a:tcPr/>
+                </a:tc>
+                <a:extLst>
+                  <a:ext uri="{0D108BD9-81ED-4DB2-BD59-A6C34878D82A}">
+                    <a16:rowId xmlns:a16="http://schemas.microsoft.com/office/drawing/2014/main" val="4268588682"/>
+                  </a:ext>
+                </a:extLst>
+              </a:tr>
+              <a:tr h="370840">
+                <a:tc>
+                  <a:txBody>
+                    <a:bodyPr/>
+                    <a:lstStyle/>
+                    <a:p>
+                      <a:pPr algn="ctr"/>
+                      <a:r>
+                        <a:rPr lang="en-GB" sz="1800" b="1" kern="1200" dirty="0">
+                          <a:solidFill>
+                            <a:schemeClr val="lt1"/>
+                          </a:solidFill>
+                          <a:effectLst/>
+                          <a:latin typeface="+mn-lt"/>
+                          <a:ea typeface="+mn-ea"/>
+                          <a:cs typeface="+mn-cs"/>
+                        </a:rPr>
+                        <a:t>Swagger</a:t>
+                      </a:r>
+                      <a:endParaRPr lang="en-GB" b="1" dirty="0"/>
+                    </a:p>
+                  </a:txBody>
+                  <a:tcPr/>
+                </a:tc>
+                <a:tc>
+                  <a:txBody>
+                    <a:bodyPr/>
+                    <a:lstStyle/>
+                    <a:p>
+                      <a:r>
+                        <a:rPr lang="en-GB"/>
+                        <a:t>API documentation</a:t>
+                      </a:r>
                       <a:endParaRPr lang="en-GB" dirty="0"/>
                     </a:p>
                   </a:txBody>
@@ -7759,7 +8040,7 @@
                 </a:tc>
                 <a:extLst>
                   <a:ext uri="{0D108BD9-81ED-4DB2-BD59-A6C34878D82A}">
-                    <a16:rowId xmlns:a16="http://schemas.microsoft.com/office/drawing/2014/main" val="15248599"/>
+                    <a16:rowId xmlns:a16="http://schemas.microsoft.com/office/drawing/2014/main" val="2088855550"/>
                   </a:ext>
                 </a:extLst>
               </a:tr>
@@ -7814,7 +8095,7 @@
     </p:spTree>
     <p:extLst>
       <p:ext uri="{BB962C8B-B14F-4D97-AF65-F5344CB8AC3E}">
-        <p14:creationId xmlns:p14="http://schemas.microsoft.com/office/powerpoint/2010/main" val="2977457609"/>
+        <p14:creationId xmlns:p14="http://schemas.microsoft.com/office/powerpoint/2010/main" val="3094364620"/>
       </p:ext>
     </p:extLst>
   </p:cSld>
@@ -7824,7 +8105,7 @@
 </p:sld>
 </file>
 
-<file path=ppt/slides/slide5.xml><?xml version="1.0" encoding="utf-8"?>
+<file path=ppt/slides/slide6.xml><?xml version="1.0" encoding="utf-8"?>
 <p:sld xmlns:a="http://schemas.openxmlformats.org/drawingml/2006/main" xmlns:r="http://schemas.openxmlformats.org/officeDocument/2006/relationships" xmlns:p="http://schemas.openxmlformats.org/presentationml/2006/main">
   <p:cSld>
     <p:spTree>
@@ -7907,7 +8188,7 @@
 </p:sld>
 </file>
 
-<file path=ppt/slides/slide6.xml><?xml version="1.0" encoding="utf-8"?>
+<file path=ppt/slides/slide7.xml><?xml version="1.0" encoding="utf-8"?>
 <p:sld xmlns:a="http://schemas.openxmlformats.org/drawingml/2006/main" xmlns:r="http://schemas.openxmlformats.org/officeDocument/2006/relationships" xmlns:p="http://schemas.openxmlformats.org/presentationml/2006/main">
   <p:cSld>
     <p:bg>

--- a/documentation/Sprint2_PAA.pptx
+++ b/documentation/Sprint2_PAA.pptx
@@ -5,7 +5,7 @@
     <p:sldMasterId id="2147483738" r:id="rId1"/>
   </p:sldMasterIdLst>
   <p:notesMasterIdLst>
-    <p:notesMasterId r:id="rId9"/>
+    <p:notesMasterId r:id="rId11"/>
   </p:notesMasterIdLst>
   <p:sldIdLst>
     <p:sldId id="256" r:id="rId2"/>
@@ -14,7 +14,9 @@
     <p:sldId id="261" r:id="rId5"/>
     <p:sldId id="266" r:id="rId6"/>
     <p:sldId id="264" r:id="rId7"/>
-    <p:sldId id="262" r:id="rId8"/>
+    <p:sldId id="267" r:id="rId8"/>
+    <p:sldId id="268" r:id="rId9"/>
+    <p:sldId id="262" r:id="rId10"/>
   </p:sldIdLst>
   <p:sldSz cx="12192000" cy="6858000"/>
   <p:notesSz cx="6858000" cy="9144000"/>
@@ -2910,7 +2912,7 @@
           <a:p>
             <a:fld id="{5D219B12-85DE-474F-82A6-F2BBEFB2572A}" type="datetimeFigureOut">
               <a:rPr lang="en-GB" smtClean="0"/>
-              <a:t>26/10/2021</a:t>
+              <a:t>31/10/2021</a:t>
             </a:fld>
             <a:endParaRPr lang="en-GB"/>
           </a:p>
@@ -3497,7 +3499,7 @@
           <a:p>
             <a:fld id="{8C28A28C-4C6A-46EA-90C0-4EE0B89CC5C7}" type="datetimeFigureOut">
               <a:rPr lang="en-US" smtClean="0"/>
-              <a:t>10/26/2021</a:t>
+              <a:t>10/31/21</a:t>
             </a:fld>
             <a:endParaRPr lang="en-US" dirty="0"/>
           </a:p>
@@ -3695,7 +3697,7 @@
           <a:p>
             <a:fld id="{8C28A28C-4C6A-46EA-90C0-4EE0B89CC5C7}" type="datetimeFigureOut">
               <a:rPr lang="en-US" smtClean="0"/>
-              <a:t>10/26/2021</a:t>
+              <a:t>10/31/21</a:t>
             </a:fld>
             <a:endParaRPr lang="en-US"/>
           </a:p>
@@ -3903,7 +3905,7 @@
           <a:p>
             <a:fld id="{8C28A28C-4C6A-46EA-90C0-4EE0B89CC5C7}" type="datetimeFigureOut">
               <a:rPr lang="en-US" smtClean="0"/>
-              <a:t>10/26/2021</a:t>
+              <a:t>10/31/21</a:t>
             </a:fld>
             <a:endParaRPr lang="en-US"/>
           </a:p>
@@ -4101,7 +4103,7 @@
           <a:p>
             <a:fld id="{8C28A28C-4C6A-46EA-90C0-4EE0B89CC5C7}" type="datetimeFigureOut">
               <a:rPr lang="en-US" smtClean="0"/>
-              <a:t>10/26/2021</a:t>
+              <a:t>10/31/21</a:t>
             </a:fld>
             <a:endParaRPr lang="en-US"/>
           </a:p>
@@ -4378,7 +4380,7 @@
           <a:p>
             <a:fld id="{8C28A28C-4C6A-46EA-90C0-4EE0B89CC5C7}" type="datetimeFigureOut">
               <a:rPr lang="en-US" smtClean="0"/>
-              <a:t>10/26/2021</a:t>
+              <a:t>10/31/21</a:t>
             </a:fld>
             <a:endParaRPr lang="en-US"/>
           </a:p>
@@ -4643,7 +4645,7 @@
           <a:p>
             <a:fld id="{8C28A28C-4C6A-46EA-90C0-4EE0B89CC5C7}" type="datetimeFigureOut">
               <a:rPr lang="en-US" smtClean="0"/>
-              <a:t>10/26/2021</a:t>
+              <a:t>10/31/21</a:t>
             </a:fld>
             <a:endParaRPr lang="en-US"/>
           </a:p>
@@ -5055,7 +5057,7 @@
           <a:p>
             <a:fld id="{8C28A28C-4C6A-46EA-90C0-4EE0B89CC5C7}" type="datetimeFigureOut">
               <a:rPr lang="en-US" smtClean="0"/>
-              <a:t>10/26/2021</a:t>
+              <a:t>10/31/21</a:t>
             </a:fld>
             <a:endParaRPr lang="en-US"/>
           </a:p>
@@ -5196,7 +5198,7 @@
           <a:p>
             <a:fld id="{8C28A28C-4C6A-46EA-90C0-4EE0B89CC5C7}" type="datetimeFigureOut">
               <a:rPr lang="en-US" smtClean="0"/>
-              <a:t>10/26/2021</a:t>
+              <a:t>10/31/21</a:t>
             </a:fld>
             <a:endParaRPr lang="en-US"/>
           </a:p>
@@ -5309,7 +5311,7 @@
           <a:p>
             <a:fld id="{8C28A28C-4C6A-46EA-90C0-4EE0B89CC5C7}" type="datetimeFigureOut">
               <a:rPr lang="en-US" smtClean="0"/>
-              <a:t>10/26/2021</a:t>
+              <a:t>10/31/21</a:t>
             </a:fld>
             <a:endParaRPr lang="en-US"/>
           </a:p>
@@ -5622,7 +5624,7 @@
           <a:p>
             <a:fld id="{8C28A28C-4C6A-46EA-90C0-4EE0B89CC5C7}" type="datetimeFigureOut">
               <a:rPr lang="en-US" smtClean="0"/>
-              <a:t>10/26/2021</a:t>
+              <a:t>10/31/21</a:t>
             </a:fld>
             <a:endParaRPr lang="en-US"/>
           </a:p>
@@ -5910,7 +5912,7 @@
           <a:p>
             <a:fld id="{8C28A28C-4C6A-46EA-90C0-4EE0B89CC5C7}" type="datetimeFigureOut">
               <a:rPr lang="en-US" smtClean="0"/>
-              <a:t>10/26/2021</a:t>
+              <a:t>10/31/21</a:t>
             </a:fld>
             <a:endParaRPr lang="en-US"/>
           </a:p>
@@ -6265,7 +6267,7 @@
             <a:fld id="{8C28A28C-4C6A-46EA-90C0-4EE0B89CC5C7}" type="datetimeFigureOut">
               <a:rPr lang="en-US" smtClean="0"/>
               <a:pPr/>
-              <a:t>10/26/2021</a:t>
+              <a:t>10/31/21</a:t>
             </a:fld>
             <a:endParaRPr lang="en-US" dirty="0"/>
           </a:p>
@@ -7841,14 +7843,14 @@
             <p:ph idx="1"/>
             <p:extLst>
               <p:ext uri="{D42A27DB-BD31-4B8C-83A1-F6EECF244321}">
-                <p14:modId xmlns:p14="http://schemas.microsoft.com/office/powerpoint/2010/main" val="3203511161"/>
+                <p14:modId xmlns:p14="http://schemas.microsoft.com/office/powerpoint/2010/main" val="3215872556"/>
               </p:ext>
             </p:extLst>
           </p:nvPr>
         </p:nvGraphicFramePr>
         <p:xfrm>
           <a:off x="1077913" y="2427288"/>
-          <a:ext cx="9778254" cy="2021840"/>
+          <a:ext cx="9778254" cy="2661920"/>
         </p:xfrm>
         <a:graphic>
           <a:graphicData uri="http://schemas.openxmlformats.org/drawingml/2006/table">
@@ -7967,7 +7969,7 @@
                       <a:pPr algn="ctr"/>
                       <a:r>
                         <a:rPr lang="en-GB" b="1" dirty="0"/>
-                        <a:t>JSP</a:t>
+                        <a:t>JSP/WAR</a:t>
                       </a:r>
                     </a:p>
                   </a:txBody>
@@ -8030,10 +8032,9 @@
                     <a:lstStyle/>
                     <a:p>
                       <a:r>
-                        <a:rPr lang="en-GB"/>
+                        <a:rPr lang="en-GB" dirty="0"/>
                         <a:t>API documentation</a:t>
                       </a:r>
-                      <a:endParaRPr lang="en-GB" dirty="0"/>
                     </a:p>
                   </a:txBody>
                   <a:tcPr/>
@@ -8041,6 +8042,40 @@
                 <a:extLst>
                   <a:ext uri="{0D108BD9-81ED-4DB2-BD59-A6C34878D82A}">
                     <a16:rowId xmlns:a16="http://schemas.microsoft.com/office/drawing/2014/main" val="2088855550"/>
+                  </a:ext>
+                </a:extLst>
+              </a:tr>
+              <a:tr h="370840">
+                <a:tc>
+                  <a:txBody>
+                    <a:bodyPr/>
+                    <a:lstStyle/>
+                    <a:p>
+                      <a:pPr algn="ctr"/>
+                      <a:r>
+                        <a:rPr lang="en-GB" b="1" dirty="0"/>
+                        <a:t>Postman</a:t>
+                      </a:r>
+                    </a:p>
+                  </a:txBody>
+                  <a:tcPr/>
+                </a:tc>
+                <a:tc>
+                  <a:txBody>
+                    <a:bodyPr/>
+                    <a:lstStyle/>
+                    <a:p>
+                      <a:r>
+                        <a:rPr lang="en-GB" dirty="0"/>
+                        <a:t>Sending queries to the REST server to ensure the working connection</a:t>
+                      </a:r>
+                    </a:p>
+                  </a:txBody>
+                  <a:tcPr/>
+                </a:tc>
+                <a:extLst>
+                  <a:ext uri="{0D108BD9-81ED-4DB2-BD59-A6C34878D82A}">
+                    <a16:rowId xmlns:a16="http://schemas.microsoft.com/office/drawing/2014/main" val="96236506"/>
                   </a:ext>
                 </a:extLst>
               </a:tr>
@@ -8189,6 +8224,824 @@
 </file>
 
 <file path=ppt/slides/slide7.xml><?xml version="1.0" encoding="utf-8"?>
+<p:sld xmlns:a="http://schemas.openxmlformats.org/drawingml/2006/main" xmlns:r="http://schemas.openxmlformats.org/officeDocument/2006/relationships" xmlns:p="http://schemas.openxmlformats.org/presentationml/2006/main">
+  <p:cSld>
+    <p:spTree>
+      <p:nvGrpSpPr>
+        <p:cNvPr id="1" name=""/>
+        <p:cNvGrpSpPr/>
+        <p:nvPr/>
+      </p:nvGrpSpPr>
+      <p:grpSpPr>
+        <a:xfrm>
+          <a:off x="0" y="0"/>
+          <a:ext cx="0" cy="0"/>
+          <a:chOff x="0" y="0"/>
+          <a:chExt cx="0" cy="0"/>
+        </a:xfrm>
+      </p:grpSpPr>
+      <p:sp>
+        <p:nvSpPr>
+          <p:cNvPr id="2" name="Title 1">
+            <a:extLst>
+              <a:ext uri="{FF2B5EF4-FFF2-40B4-BE49-F238E27FC236}">
+                <a16:creationId xmlns:a16="http://schemas.microsoft.com/office/drawing/2014/main" id="{42E02457-1F6E-864B-BE92-1849C1385466}"/>
+              </a:ext>
+            </a:extLst>
+          </p:cNvPr>
+          <p:cNvSpPr>
+            <a:spLocks noGrp="1"/>
+          </p:cNvSpPr>
+          <p:nvPr>
+            <p:ph type="title"/>
+          </p:nvPr>
+        </p:nvSpPr>
+        <p:spPr/>
+        <p:txBody>
+          <a:bodyPr/>
+          <a:lstStyle/>
+          <a:p>
+            <a:r>
+              <a:rPr lang="en-US" dirty="0"/>
+              <a:t>Deployment Flow &amp; requirements</a:t>
+            </a:r>
+          </a:p>
+        </p:txBody>
+      </p:sp>
+      <p:graphicFrame>
+        <p:nvGraphicFramePr>
+          <p:cNvPr id="4" name="Table 11">
+            <a:extLst>
+              <a:ext uri="{FF2B5EF4-FFF2-40B4-BE49-F238E27FC236}">
+                <a16:creationId xmlns:a16="http://schemas.microsoft.com/office/drawing/2014/main" id="{AF09EAB0-D473-6E44-B818-28C7C6A73C94}"/>
+              </a:ext>
+            </a:extLst>
+          </p:cNvPr>
+          <p:cNvGraphicFramePr>
+            <a:graphicFrameLocks noGrp="1"/>
+          </p:cNvGraphicFramePr>
+          <p:nvPr>
+            <p:ph idx="1"/>
+            <p:extLst>
+              <p:ext uri="{D42A27DB-BD31-4B8C-83A1-F6EECF244321}">
+                <p14:modId xmlns:p14="http://schemas.microsoft.com/office/powerpoint/2010/main" val="1144143710"/>
+              </p:ext>
+            </p:extLst>
+          </p:nvPr>
+        </p:nvGraphicFramePr>
+        <p:xfrm>
+          <a:off x="1077913" y="2427288"/>
+          <a:ext cx="9778254" cy="741680"/>
+        </p:xfrm>
+        <a:graphic>
+          <a:graphicData uri="http://schemas.openxmlformats.org/drawingml/2006/table">
+            <a:tbl>
+              <a:tblPr firstCol="1" bandRow="1">
+                <a:tableStyleId>{5C22544A-7EE6-4342-B048-85BDC9FD1C3A}</a:tableStyleId>
+              </a:tblPr>
+              <a:tblGrid>
+                <a:gridCol w="2728032">
+                  <a:extLst>
+                    <a:ext uri="{9D8B030D-6E8A-4147-A177-3AD203B41FA5}">
+                      <a16:colId xmlns:a16="http://schemas.microsoft.com/office/drawing/2014/main" val="2942096635"/>
+                    </a:ext>
+                  </a:extLst>
+                </a:gridCol>
+                <a:gridCol w="7050222">
+                  <a:extLst>
+                    <a:ext uri="{9D8B030D-6E8A-4147-A177-3AD203B41FA5}">
+                      <a16:colId xmlns:a16="http://schemas.microsoft.com/office/drawing/2014/main" val="2381315393"/>
+                    </a:ext>
+                  </a:extLst>
+                </a:gridCol>
+              </a:tblGrid>
+              <a:tr h="370840">
+                <a:tc>
+                  <a:txBody>
+                    <a:bodyPr/>
+                    <a:lstStyle/>
+                    <a:p>
+                      <a:pPr algn="ctr"/>
+                      <a:r>
+                        <a:rPr lang="en-GB" sz="1800" b="1" kern="1200" dirty="0">
+                          <a:solidFill>
+                            <a:schemeClr val="lt1"/>
+                          </a:solidFill>
+                          <a:effectLst/>
+                          <a:latin typeface="+mn-lt"/>
+                          <a:ea typeface="+mn-ea"/>
+                          <a:cs typeface="+mn-cs"/>
+                        </a:rPr>
+                        <a:t>GitHub</a:t>
+                      </a:r>
+                      <a:endParaRPr lang="en-GB" b="1" dirty="0"/>
+                    </a:p>
+                  </a:txBody>
+                  <a:tcPr/>
+                </a:tc>
+                <a:tc>
+                  <a:txBody>
+                    <a:bodyPr/>
+                    <a:lstStyle/>
+                    <a:p>
+                      <a:endParaRPr lang="en-GB" dirty="0"/>
+                    </a:p>
+                  </a:txBody>
+                  <a:tcPr/>
+                </a:tc>
+                <a:extLst>
+                  <a:ext uri="{0D108BD9-81ED-4DB2-BD59-A6C34878D82A}">
+                    <a16:rowId xmlns:a16="http://schemas.microsoft.com/office/drawing/2014/main" val="4012133355"/>
+                  </a:ext>
+                </a:extLst>
+              </a:tr>
+              <a:tr h="370840">
+                <a:tc>
+                  <a:txBody>
+                    <a:bodyPr/>
+                    <a:lstStyle/>
+                    <a:p>
+                      <a:pPr algn="ctr"/>
+                      <a:r>
+                        <a:rPr lang="en-GB" b="1" dirty="0"/>
+                        <a:t>Actions script</a:t>
+                      </a:r>
+                    </a:p>
+                  </a:txBody>
+                  <a:tcPr/>
+                </a:tc>
+                <a:tc>
+                  <a:txBody>
+                    <a:bodyPr/>
+                    <a:lstStyle/>
+                    <a:p>
+                      <a:endParaRPr lang="en-GB" dirty="0"/>
+                    </a:p>
+                  </a:txBody>
+                  <a:tcPr/>
+                </a:tc>
+                <a:extLst>
+                  <a:ext uri="{0D108BD9-81ED-4DB2-BD59-A6C34878D82A}">
+                    <a16:rowId xmlns:a16="http://schemas.microsoft.com/office/drawing/2014/main" val="1848279034"/>
+                  </a:ext>
+                </a:extLst>
+              </a:tr>
+            </a:tbl>
+          </a:graphicData>
+        </a:graphic>
+      </p:graphicFrame>
+    </p:spTree>
+    <p:extLst>
+      <p:ext uri="{BB962C8B-B14F-4D97-AF65-F5344CB8AC3E}">
+        <p14:creationId xmlns:p14="http://schemas.microsoft.com/office/powerpoint/2010/main" val="1069542233"/>
+      </p:ext>
+    </p:extLst>
+  </p:cSld>
+  <p:clrMapOvr>
+    <a:masterClrMapping/>
+  </p:clrMapOvr>
+</p:sld>
+</file>
+
+<file path=ppt/slides/slide8.xml><?xml version="1.0" encoding="utf-8"?>
+<p:sld xmlns:a="http://schemas.openxmlformats.org/drawingml/2006/main" xmlns:r="http://schemas.openxmlformats.org/officeDocument/2006/relationships" xmlns:p="http://schemas.openxmlformats.org/presentationml/2006/main">
+  <p:cSld>
+    <p:bg>
+      <p:bgPr>
+        <a:solidFill>
+          <a:schemeClr val="bg1"/>
+        </a:solidFill>
+        <a:effectLst/>
+      </p:bgPr>
+    </p:bg>
+    <p:spTree>
+      <p:nvGrpSpPr>
+        <p:cNvPr id="1" name=""/>
+        <p:cNvGrpSpPr/>
+        <p:nvPr/>
+      </p:nvGrpSpPr>
+      <p:grpSpPr>
+        <a:xfrm>
+          <a:off x="0" y="0"/>
+          <a:ext cx="0" cy="0"/>
+          <a:chOff x="0" y="0"/>
+          <a:chExt cx="0" cy="0"/>
+        </a:xfrm>
+      </p:grpSpPr>
+      <p:sp useBgFill="1">
+        <p:nvSpPr>
+          <p:cNvPr id="17" name="Rectangle 9">
+            <a:extLst>
+              <a:ext uri="{FF2B5EF4-FFF2-40B4-BE49-F238E27FC236}">
+                <a16:creationId xmlns:a16="http://schemas.microsoft.com/office/drawing/2014/main" id="{7DC12D2C-21A1-44CF-BA29-D0EE453AB701}"/>
+              </a:ext>
+              <a:ext uri="{C183D7F6-B498-43B3-948B-1728B52AA6E4}">
+                <adec:decorative xmlns:adec="http://schemas.microsoft.com/office/drawing/2017/decorative" val="1"/>
+              </a:ext>
+            </a:extLst>
+          </p:cNvPr>
+          <p:cNvSpPr>
+            <a:spLocks noGrp="1" noRot="1" noChangeAspect="1" noMove="1" noResize="1" noEditPoints="1" noAdjustHandles="1" noChangeArrowheads="1" noChangeShapeType="1" noTextEdit="1"/>
+          </p:cNvSpPr>
+          <p:nvPr>
+            <p:extLst>
+              <p:ext uri="{386F3935-93C4-4BCD-93E2-E3B085C9AB24}">
+                <p16:designElem xmlns:p16="http://schemas.microsoft.com/office/powerpoint/2015/main" val="1"/>
+              </p:ext>
+            </p:extLst>
+          </p:nvPr>
+        </p:nvSpPr>
+        <p:spPr>
+          <a:xfrm>
+            <a:off x="0" y="0"/>
+            <a:ext cx="12192000" cy="6858000"/>
+          </a:xfrm>
+          <a:prstGeom prst="rect">
+            <a:avLst/>
+          </a:prstGeom>
+          <a:ln w="12700" cap="flat" cmpd="sng" algn="ctr">
+            <a:noFill/>
+            <a:prstDash val="solid"/>
+            <a:miter lim="800000"/>
+          </a:ln>
+          <a:effectLst/>
+          <a:extLst>
+            <a:ext uri="{91240B29-F687-4F45-9708-019B960494DF}">
+              <a14:hiddenLine xmlns:a14="http://schemas.microsoft.com/office/drawing/2010/main" w="12700" cap="flat" cmpd="sng" algn="ctr">
+                <a:solidFill>
+                  <a:schemeClr val="accent1">
+                    <a:shade val="50000"/>
+                  </a:schemeClr>
+                </a:solidFill>
+                <a:prstDash val="solid"/>
+                <a:miter lim="800000"/>
+              </a14:hiddenLine>
+            </a:ext>
+          </a:extLst>
+        </p:spPr>
+        <p:style>
+          <a:lnRef idx="2">
+            <a:schemeClr val="accent1">
+              <a:shade val="50000"/>
+            </a:schemeClr>
+          </a:lnRef>
+          <a:fillRef idx="1">
+            <a:schemeClr val="accent1"/>
+          </a:fillRef>
+          <a:effectRef idx="0">
+            <a:schemeClr val="accent1"/>
+          </a:effectRef>
+          <a:fontRef idx="minor">
+            <a:schemeClr val="lt1"/>
+          </a:fontRef>
+        </p:style>
+        <p:txBody>
+          <a:bodyPr rtlCol="0" anchor="ctr"/>
+          <a:lstStyle/>
+          <a:p>
+            <a:pPr algn="ctr"/>
+            <a:endParaRPr lang="en-US"/>
+          </a:p>
+        </p:txBody>
+      </p:sp>
+      <p:sp>
+        <p:nvSpPr>
+          <p:cNvPr id="2" name="Title 1">
+            <a:extLst>
+              <a:ext uri="{FF2B5EF4-FFF2-40B4-BE49-F238E27FC236}">
+                <a16:creationId xmlns:a16="http://schemas.microsoft.com/office/drawing/2014/main" id="{42E02457-1F6E-864B-BE92-1849C1385466}"/>
+              </a:ext>
+            </a:extLst>
+          </p:cNvPr>
+          <p:cNvSpPr>
+            <a:spLocks noGrp="1"/>
+          </p:cNvSpPr>
+          <p:nvPr>
+            <p:ph type="title"/>
+          </p:nvPr>
+        </p:nvSpPr>
+        <p:spPr>
+          <a:xfrm>
+            <a:off x="1077363" y="4084869"/>
+            <a:ext cx="3439876" cy="2005151"/>
+          </a:xfrm>
+        </p:spPr>
+        <p:txBody>
+          <a:bodyPr anchor="t">
+            <a:normAutofit/>
+          </a:bodyPr>
+          <a:lstStyle/>
+          <a:p>
+            <a:r>
+              <a:rPr lang="en-US" dirty="0"/>
+              <a:t>Deployment Flow &amp; requirements</a:t>
+            </a:r>
+          </a:p>
+        </p:txBody>
+      </p:sp>
+      <p:sp>
+        <p:nvSpPr>
+          <p:cNvPr id="18" name="Rectangle 11">
+            <a:extLst>
+              <a:ext uri="{FF2B5EF4-FFF2-40B4-BE49-F238E27FC236}">
+                <a16:creationId xmlns:a16="http://schemas.microsoft.com/office/drawing/2014/main" id="{95598DD8-827C-48DB-AD4F-AEBB72483D50}"/>
+              </a:ext>
+              <a:ext uri="{C183D7F6-B498-43B3-948B-1728B52AA6E4}">
+                <adec:decorative xmlns:adec="http://schemas.microsoft.com/office/drawing/2017/decorative" val="1"/>
+              </a:ext>
+            </a:extLst>
+          </p:cNvPr>
+          <p:cNvSpPr>
+            <a:spLocks noGrp="1" noRot="1" noChangeAspect="1" noMove="1" noResize="1" noEditPoints="1" noAdjustHandles="1" noChangeArrowheads="1" noChangeShapeType="1" noTextEdit="1"/>
+          </p:cNvSpPr>
+          <p:nvPr>
+            <p:extLst>
+              <p:ext uri="{386F3935-93C4-4BCD-93E2-E3B085C9AB24}">
+                <p16:designElem xmlns:p16="http://schemas.microsoft.com/office/powerpoint/2015/main" val="1"/>
+              </p:ext>
+            </p:extLst>
+          </p:nvPr>
+        </p:nvSpPr>
+        <p:spPr>
+          <a:xfrm rot="10800000">
+            <a:off x="-1" y="-1557"/>
+            <a:ext cx="5223349" cy="3420239"/>
+          </a:xfrm>
+          <a:prstGeom prst="rect">
+            <a:avLst/>
+          </a:prstGeom>
+          <a:solidFill>
+            <a:schemeClr val="accent1">
+              <a:lumMod val="60000"/>
+              <a:lumOff val="40000"/>
+            </a:schemeClr>
+          </a:solidFill>
+          <a:ln>
+            <a:noFill/>
+          </a:ln>
+        </p:spPr>
+        <p:style>
+          <a:lnRef idx="2">
+            <a:schemeClr val="accent1">
+              <a:shade val="50000"/>
+            </a:schemeClr>
+          </a:lnRef>
+          <a:fillRef idx="1">
+            <a:schemeClr val="accent1"/>
+          </a:fillRef>
+          <a:effectRef idx="0">
+            <a:schemeClr val="accent1"/>
+          </a:effectRef>
+          <a:fontRef idx="minor">
+            <a:schemeClr val="lt1"/>
+          </a:fontRef>
+        </p:style>
+        <p:txBody>
+          <a:bodyPr rtlCol="0" anchor="ctr"/>
+          <a:lstStyle/>
+          <a:p>
+            <a:pPr algn="ctr"/>
+            <a:endParaRPr lang="en-US"/>
+          </a:p>
+        </p:txBody>
+      </p:sp>
+      <p:sp>
+        <p:nvSpPr>
+          <p:cNvPr id="19" name="Rectangle 34">
+            <a:extLst>
+              <a:ext uri="{FF2B5EF4-FFF2-40B4-BE49-F238E27FC236}">
+                <a16:creationId xmlns:a16="http://schemas.microsoft.com/office/drawing/2014/main" id="{EB40E5E0-6677-497A-8E9D-E8575E276FA0}"/>
+              </a:ext>
+              <a:ext uri="{C183D7F6-B498-43B3-948B-1728B52AA6E4}">
+                <adec:decorative xmlns:adec="http://schemas.microsoft.com/office/drawing/2017/decorative" val="1"/>
+              </a:ext>
+            </a:extLst>
+          </p:cNvPr>
+          <p:cNvSpPr>
+            <a:spLocks noGrp="1" noRot="1" noChangeAspect="1" noMove="1" noResize="1" noEditPoints="1" noAdjustHandles="1" noChangeArrowheads="1" noChangeShapeType="1" noTextEdit="1"/>
+          </p:cNvSpPr>
+          <p:nvPr>
+            <p:extLst>
+              <p:ext uri="{386F3935-93C4-4BCD-93E2-E3B085C9AB24}">
+                <p16:designElem xmlns:p16="http://schemas.microsoft.com/office/powerpoint/2015/main" val="1"/>
+              </p:ext>
+            </p:extLst>
+          </p:nvPr>
+        </p:nvSpPr>
+        <p:spPr>
+          <a:xfrm rot="10800000">
+            <a:off x="1783473" y="3856"/>
+            <a:ext cx="3439876" cy="3414827"/>
+          </a:xfrm>
+          <a:custGeom>
+            <a:avLst/>
+            <a:gdLst>
+              <a:gd name="connsiteX0" fmla="*/ 0 w 3484819"/>
+              <a:gd name="connsiteY0" fmla="*/ 0 h 3430264"/>
+              <a:gd name="connsiteX1" fmla="*/ 3484819 w 3484819"/>
+              <a:gd name="connsiteY1" fmla="*/ 0 h 3430264"/>
+              <a:gd name="connsiteX2" fmla="*/ 3484819 w 3484819"/>
+              <a:gd name="connsiteY2" fmla="*/ 3430264 h 3430264"/>
+              <a:gd name="connsiteX3" fmla="*/ 0 w 3484819"/>
+              <a:gd name="connsiteY3" fmla="*/ 3430264 h 3430264"/>
+              <a:gd name="connsiteX4" fmla="*/ 0 w 3484819"/>
+              <a:gd name="connsiteY4" fmla="*/ 0 h 3430264"/>
+              <a:gd name="connsiteX0" fmla="*/ 0 w 3484819"/>
+              <a:gd name="connsiteY0" fmla="*/ 0 h 3430264"/>
+              <a:gd name="connsiteX1" fmla="*/ 3484819 w 3484819"/>
+              <a:gd name="connsiteY1" fmla="*/ 0 h 3430264"/>
+              <a:gd name="connsiteX2" fmla="*/ 0 w 3484819"/>
+              <a:gd name="connsiteY2" fmla="*/ 3430264 h 3430264"/>
+              <a:gd name="connsiteX3" fmla="*/ 0 w 3484819"/>
+              <a:gd name="connsiteY3" fmla="*/ 0 h 3430264"/>
+            </a:gdLst>
+            <a:ahLst/>
+            <a:cxnLst>
+              <a:cxn ang="0">
+                <a:pos x="connsiteX0" y="connsiteY0"/>
+              </a:cxn>
+              <a:cxn ang="0">
+                <a:pos x="connsiteX1" y="connsiteY1"/>
+              </a:cxn>
+              <a:cxn ang="0">
+                <a:pos x="connsiteX2" y="connsiteY2"/>
+              </a:cxn>
+              <a:cxn ang="0">
+                <a:pos x="connsiteX3" y="connsiteY3"/>
+              </a:cxn>
+            </a:cxnLst>
+            <a:rect l="l" t="t" r="r" b="b"/>
+            <a:pathLst>
+              <a:path w="3484819" h="3430264">
+                <a:moveTo>
+                  <a:pt x="0" y="0"/>
+                </a:moveTo>
+                <a:lnTo>
+                  <a:pt x="3484819" y="0"/>
+                </a:lnTo>
+                <a:lnTo>
+                  <a:pt x="0" y="3430264"/>
+                </a:lnTo>
+                <a:lnTo>
+                  <a:pt x="0" y="0"/>
+                </a:lnTo>
+                <a:close/>
+              </a:path>
+            </a:pathLst>
+          </a:custGeom>
+          <a:solidFill>
+            <a:schemeClr val="accent4">
+              <a:lumMod val="40000"/>
+              <a:lumOff val="60000"/>
+            </a:schemeClr>
+          </a:solidFill>
+          <a:ln>
+            <a:noFill/>
+          </a:ln>
+        </p:spPr>
+        <p:style>
+          <a:lnRef idx="2">
+            <a:schemeClr val="accent1">
+              <a:shade val="50000"/>
+            </a:schemeClr>
+          </a:lnRef>
+          <a:fillRef idx="1">
+            <a:schemeClr val="accent1"/>
+          </a:fillRef>
+          <a:effectRef idx="0">
+            <a:schemeClr val="accent1"/>
+          </a:effectRef>
+          <a:fontRef idx="minor">
+            <a:schemeClr val="lt1"/>
+          </a:fontRef>
+        </p:style>
+        <p:txBody>
+          <a:bodyPr rtlCol="0" anchor="ctr"/>
+          <a:lstStyle/>
+          <a:p>
+            <a:pPr algn="ctr"/>
+            <a:endParaRPr lang="en-US"/>
+          </a:p>
+        </p:txBody>
+      </p:sp>
+      <p:sp>
+        <p:nvSpPr>
+          <p:cNvPr id="16" name="Freeform: Shape 15">
+            <a:extLst>
+              <a:ext uri="{FF2B5EF4-FFF2-40B4-BE49-F238E27FC236}">
+                <a16:creationId xmlns:a16="http://schemas.microsoft.com/office/drawing/2014/main" id="{AC46E49D-1D37-455E-BDA2-28DAF3721470}"/>
+              </a:ext>
+              <a:ext uri="{C183D7F6-B498-43B3-948B-1728B52AA6E4}">
+                <adec:decorative xmlns:adec="http://schemas.microsoft.com/office/drawing/2017/decorative" val="1"/>
+              </a:ext>
+            </a:extLst>
+          </p:cNvPr>
+          <p:cNvSpPr>
+            <a:spLocks noGrp="1" noRot="1" noChangeAspect="1" noMove="1" noResize="1" noEditPoints="1" noAdjustHandles="1" noChangeArrowheads="1" noChangeShapeType="1" noTextEdit="1"/>
+          </p:cNvSpPr>
+          <p:nvPr>
+            <p:extLst>
+              <p:ext uri="{386F3935-93C4-4BCD-93E2-E3B085C9AB24}">
+                <p16:designElem xmlns:p16="http://schemas.microsoft.com/office/powerpoint/2015/main" val="1"/>
+              </p:ext>
+            </p:extLst>
+          </p:nvPr>
+        </p:nvSpPr>
+        <p:spPr>
+          <a:xfrm rot="10800000">
+            <a:off x="8755978" y="-1558"/>
+            <a:ext cx="3439878" cy="3420239"/>
+          </a:xfrm>
+          <a:custGeom>
+            <a:avLst/>
+            <a:gdLst>
+              <a:gd name="connsiteX0" fmla="*/ 3439878 w 3439878"/>
+              <a:gd name="connsiteY0" fmla="*/ 3420239 h 3420239"/>
+              <a:gd name="connsiteX1" fmla="*/ 0 w 3439878"/>
+              <a:gd name="connsiteY1" fmla="*/ 3420239 h 3420239"/>
+              <a:gd name="connsiteX2" fmla="*/ 0 w 3439878"/>
+              <a:gd name="connsiteY2" fmla="*/ 0 h 3420239"/>
+              <a:gd name="connsiteX3" fmla="*/ 3856 w 3439878"/>
+              <a:gd name="connsiteY3" fmla="*/ 0 h 3420239"/>
+              <a:gd name="connsiteX4" fmla="*/ 3856 w 3439878"/>
+              <a:gd name="connsiteY4" fmla="*/ 133338 h 3420239"/>
+              <a:gd name="connsiteX5" fmla="*/ 5641 w 3439878"/>
+              <a:gd name="connsiteY5" fmla="*/ 203263 h 3420239"/>
+              <a:gd name="connsiteX6" fmla="*/ 3347718 w 3439878"/>
+              <a:gd name="connsiteY6" fmla="*/ 3415186 h 3420239"/>
+              <a:gd name="connsiteX7" fmla="*/ 3427612 w 3439878"/>
+              <a:gd name="connsiteY7" fmla="*/ 3417124 h 3420239"/>
+              <a:gd name="connsiteX8" fmla="*/ 3856 w 3439878"/>
+              <a:gd name="connsiteY8" fmla="*/ 3417124 h 3420239"/>
+              <a:gd name="connsiteX9" fmla="*/ 3856 w 3439878"/>
+              <a:gd name="connsiteY9" fmla="*/ 3418681 h 3420239"/>
+              <a:gd name="connsiteX10" fmla="*/ 3439878 w 3439878"/>
+              <a:gd name="connsiteY10" fmla="*/ 3418681 h 3420239"/>
+            </a:gdLst>
+            <a:ahLst/>
+            <a:cxnLst>
+              <a:cxn ang="0">
+                <a:pos x="connsiteX0" y="connsiteY0"/>
+              </a:cxn>
+              <a:cxn ang="0">
+                <a:pos x="connsiteX1" y="connsiteY1"/>
+              </a:cxn>
+              <a:cxn ang="0">
+                <a:pos x="connsiteX2" y="connsiteY2"/>
+              </a:cxn>
+              <a:cxn ang="0">
+                <a:pos x="connsiteX3" y="connsiteY3"/>
+              </a:cxn>
+              <a:cxn ang="0">
+                <a:pos x="connsiteX4" y="connsiteY4"/>
+              </a:cxn>
+              <a:cxn ang="0">
+                <a:pos x="connsiteX5" y="connsiteY5"/>
+              </a:cxn>
+              <a:cxn ang="0">
+                <a:pos x="connsiteX6" y="connsiteY6"/>
+              </a:cxn>
+              <a:cxn ang="0">
+                <a:pos x="connsiteX7" y="connsiteY7"/>
+              </a:cxn>
+              <a:cxn ang="0">
+                <a:pos x="connsiteX8" y="connsiteY8"/>
+              </a:cxn>
+              <a:cxn ang="0">
+                <a:pos x="connsiteX9" y="connsiteY9"/>
+              </a:cxn>
+              <a:cxn ang="0">
+                <a:pos x="connsiteX10" y="connsiteY10"/>
+              </a:cxn>
+            </a:cxnLst>
+            <a:rect l="l" t="t" r="r" b="b"/>
+            <a:pathLst>
+              <a:path w="3439878" h="3420239">
+                <a:moveTo>
+                  <a:pt x="3439878" y="3420239"/>
+                </a:moveTo>
+                <a:lnTo>
+                  <a:pt x="0" y="3420239"/>
+                </a:lnTo>
+                <a:lnTo>
+                  <a:pt x="0" y="0"/>
+                </a:lnTo>
+                <a:lnTo>
+                  <a:pt x="3856" y="0"/>
+                </a:lnTo>
+                <a:lnTo>
+                  <a:pt x="3856" y="133338"/>
+                </a:lnTo>
+                <a:lnTo>
+                  <a:pt x="5641" y="203263"/>
+                </a:lnTo>
+                <a:cubicBezTo>
+                  <a:pt x="94351" y="1936677"/>
+                  <a:pt x="1541917" y="3327355"/>
+                  <a:pt x="3347718" y="3415186"/>
+                </a:cubicBezTo>
+                <a:lnTo>
+                  <a:pt x="3427612" y="3417124"/>
+                </a:lnTo>
+                <a:lnTo>
+                  <a:pt x="3856" y="3417124"/>
+                </a:lnTo>
+                <a:lnTo>
+                  <a:pt x="3856" y="3418681"/>
+                </a:lnTo>
+                <a:lnTo>
+                  <a:pt x="3439878" y="3418681"/>
+                </a:lnTo>
+                <a:close/>
+              </a:path>
+            </a:pathLst>
+          </a:custGeom>
+          <a:solidFill>
+            <a:schemeClr val="accent1"/>
+          </a:solidFill>
+          <a:ln>
+            <a:noFill/>
+          </a:ln>
+        </p:spPr>
+        <p:style>
+          <a:lnRef idx="2">
+            <a:schemeClr val="accent1">
+              <a:shade val="50000"/>
+            </a:schemeClr>
+          </a:lnRef>
+          <a:fillRef idx="1">
+            <a:schemeClr val="accent1"/>
+          </a:fillRef>
+          <a:effectRef idx="0">
+            <a:schemeClr val="accent1"/>
+          </a:effectRef>
+          <a:fontRef idx="minor">
+            <a:schemeClr val="lt1"/>
+          </a:fontRef>
+        </p:style>
+        <p:txBody>
+          <a:bodyPr wrap="square" rtlCol="0" anchor="ctr">
+            <a:noAutofit/>
+          </a:bodyPr>
+          <a:lstStyle/>
+          <a:p>
+            <a:pPr algn="ctr"/>
+            <a:endParaRPr lang="en-US"/>
+          </a:p>
+        </p:txBody>
+      </p:sp>
+      <p:pic>
+        <p:nvPicPr>
+          <p:cNvPr id="5" name="Picture 4" descr="Graphical user interface, application&#10;&#10;Description automatically generated">
+            <a:extLst>
+              <a:ext uri="{FF2B5EF4-FFF2-40B4-BE49-F238E27FC236}">
+                <a16:creationId xmlns:a16="http://schemas.microsoft.com/office/drawing/2014/main" id="{770FA3D7-EEB8-2A41-A3C6-D128910799DF}"/>
+              </a:ext>
+            </a:extLst>
+          </p:cNvPr>
+          <p:cNvPicPr>
+            <a:picLocks noChangeAspect="1"/>
+          </p:cNvPicPr>
+          <p:nvPr/>
+        </p:nvPicPr>
+        <p:blipFill rotWithShape="1">
+          <a:blip r:embed="rId2"/>
+          <a:srcRect r="27552" b="-1"/>
+          <a:stretch/>
+        </p:blipFill>
+        <p:spPr>
+          <a:xfrm>
+            <a:off x="5216651" y="-1558"/>
+            <a:ext cx="6979975" cy="3420240"/>
+          </a:xfrm>
+          <a:custGeom>
+            <a:avLst/>
+            <a:gdLst/>
+            <a:ahLst/>
+            <a:cxnLst/>
+            <a:rect l="l" t="t" r="r" b="b"/>
+            <a:pathLst>
+              <a:path w="6979975" h="3420240">
+                <a:moveTo>
+                  <a:pt x="13648" y="0"/>
+                </a:moveTo>
+                <a:lnTo>
+                  <a:pt x="6979975" y="0"/>
+                </a:lnTo>
+                <a:lnTo>
+                  <a:pt x="6979975" y="1557"/>
+                </a:lnTo>
+                <a:lnTo>
+                  <a:pt x="3556219" y="1557"/>
+                </a:lnTo>
+                <a:lnTo>
+                  <a:pt x="3636113" y="3495"/>
+                </a:lnTo>
+                <a:cubicBezTo>
+                  <a:pt x="5441914" y="91326"/>
+                  <a:pt x="6889480" y="1482004"/>
+                  <a:pt x="6978190" y="3215418"/>
+                </a:cubicBezTo>
+                <a:lnTo>
+                  <a:pt x="6979975" y="3285343"/>
+                </a:lnTo>
+                <a:lnTo>
+                  <a:pt x="6979975" y="3420240"/>
+                </a:lnTo>
+                <a:lnTo>
+                  <a:pt x="13648" y="3420240"/>
+                </a:lnTo>
+                <a:lnTo>
+                  <a:pt x="13648" y="3420238"/>
+                </a:lnTo>
+                <a:lnTo>
+                  <a:pt x="0" y="3420238"/>
+                </a:lnTo>
+                <a:lnTo>
+                  <a:pt x="0" y="1557"/>
+                </a:lnTo>
+                <a:lnTo>
+                  <a:pt x="13648" y="1557"/>
+                </a:lnTo>
+                <a:close/>
+              </a:path>
+            </a:pathLst>
+          </a:custGeom>
+        </p:spPr>
+      </p:pic>
+      <p:sp>
+        <p:nvSpPr>
+          <p:cNvPr id="3" name="Content Placeholder 2">
+            <a:extLst>
+              <a:ext uri="{FF2B5EF4-FFF2-40B4-BE49-F238E27FC236}">
+                <a16:creationId xmlns:a16="http://schemas.microsoft.com/office/drawing/2014/main" id="{5D1E8BAC-12C6-1C45-81E1-FB1DE0F2F3E8}"/>
+              </a:ext>
+            </a:extLst>
+          </p:cNvPr>
+          <p:cNvSpPr>
+            <a:spLocks noGrp="1"/>
+          </p:cNvSpPr>
+          <p:nvPr>
+            <p:ph idx="1"/>
+          </p:nvPr>
+        </p:nvSpPr>
+        <p:spPr>
+          <a:xfrm>
+            <a:off x="5228651" y="4084869"/>
+            <a:ext cx="5885987" cy="2005151"/>
+          </a:xfrm>
+        </p:spPr>
+        <p:txBody>
+          <a:bodyPr>
+            <a:normAutofit/>
+          </a:bodyPr>
+          <a:lstStyle/>
+          <a:p>
+            <a:pPr marL="342900" indent="-342900">
+              <a:buFont typeface="+mj-lt"/>
+              <a:buAutoNum type="arabicPeriod"/>
+            </a:pPr>
+            <a:r>
+              <a:rPr lang="en-US" dirty="0"/>
+              <a:t>The development team creates a new release that triggers the deployment action</a:t>
+            </a:r>
+          </a:p>
+          <a:p>
+            <a:pPr marL="342900" indent="-342900">
+              <a:buFont typeface="+mj-lt"/>
+              <a:buAutoNum type="arabicPeriod"/>
+            </a:pPr>
+            <a:r>
+              <a:rPr lang="en-US" dirty="0"/>
+              <a:t>The deployment action initiates </a:t>
+            </a:r>
+          </a:p>
+          <a:p>
+            <a:pPr marL="342900" indent="-342900">
+              <a:buFont typeface="+mj-lt"/>
+              <a:buAutoNum type="arabicPeriod"/>
+            </a:pPr>
+            <a:r>
+              <a:rPr lang="en-US" dirty="0"/>
+              <a:t>The pre-defined test command expects to succeed </a:t>
+            </a:r>
+          </a:p>
+        </p:txBody>
+      </p:sp>
+    </p:spTree>
+    <p:extLst>
+      <p:ext uri="{BB962C8B-B14F-4D97-AF65-F5344CB8AC3E}">
+        <p14:creationId xmlns:p14="http://schemas.microsoft.com/office/powerpoint/2010/main" val="2658619610"/>
+      </p:ext>
+    </p:extLst>
+  </p:cSld>
+  <p:clrMapOvr>
+    <a:masterClrMapping/>
+  </p:clrMapOvr>
+</p:sld>
+</file>
+
+<file path=ppt/slides/slide9.xml><?xml version="1.0" encoding="utf-8"?>
 <p:sld xmlns:a="http://schemas.openxmlformats.org/drawingml/2006/main" xmlns:r="http://schemas.openxmlformats.org/officeDocument/2006/relationships" xmlns:p="http://schemas.openxmlformats.org/presentationml/2006/main">
   <p:cSld>
     <p:bg>

--- a/documentation/Sprint2_PAA.pptx
+++ b/documentation/Sprint2_PAA.pptx
@@ -5,7 +5,7 @@
     <p:sldMasterId id="2147483738" r:id="rId1"/>
   </p:sldMasterIdLst>
   <p:notesMasterIdLst>
-    <p:notesMasterId r:id="rId11"/>
+    <p:notesMasterId r:id="rId13"/>
   </p:notesMasterIdLst>
   <p:sldIdLst>
     <p:sldId id="256" r:id="rId2"/>
@@ -15,8 +15,10 @@
     <p:sldId id="266" r:id="rId6"/>
     <p:sldId id="264" r:id="rId7"/>
     <p:sldId id="267" r:id="rId8"/>
-    <p:sldId id="268" r:id="rId9"/>
-    <p:sldId id="262" r:id="rId10"/>
+    <p:sldId id="270" r:id="rId9"/>
+    <p:sldId id="260" r:id="rId10"/>
+    <p:sldId id="268" r:id="rId11"/>
+    <p:sldId id="262" r:id="rId12"/>
   </p:sldIdLst>
   <p:sldSz cx="12192000" cy="6858000"/>
   <p:notesSz cx="6858000" cy="9144000"/>
@@ -2912,7 +2914,7 @@
           <a:p>
             <a:fld id="{5D219B12-85DE-474F-82A6-F2BBEFB2572A}" type="datetimeFigureOut">
               <a:rPr lang="en-GB" smtClean="0"/>
-              <a:t>31/10/2021</a:t>
+              <a:t>06/11/2021</a:t>
             </a:fld>
             <a:endParaRPr lang="en-GB"/>
           </a:p>
@@ -3499,7 +3501,7 @@
           <a:p>
             <a:fld id="{8C28A28C-4C6A-46EA-90C0-4EE0B89CC5C7}" type="datetimeFigureOut">
               <a:rPr lang="en-US" smtClean="0"/>
-              <a:t>10/31/21</a:t>
+              <a:t>11/6/21</a:t>
             </a:fld>
             <a:endParaRPr lang="en-US" dirty="0"/>
           </a:p>
@@ -3697,7 +3699,7 @@
           <a:p>
             <a:fld id="{8C28A28C-4C6A-46EA-90C0-4EE0B89CC5C7}" type="datetimeFigureOut">
               <a:rPr lang="en-US" smtClean="0"/>
-              <a:t>10/31/21</a:t>
+              <a:t>11/6/21</a:t>
             </a:fld>
             <a:endParaRPr lang="en-US"/>
           </a:p>
@@ -3905,7 +3907,7 @@
           <a:p>
             <a:fld id="{8C28A28C-4C6A-46EA-90C0-4EE0B89CC5C7}" type="datetimeFigureOut">
               <a:rPr lang="en-US" smtClean="0"/>
-              <a:t>10/31/21</a:t>
+              <a:t>11/6/21</a:t>
             </a:fld>
             <a:endParaRPr lang="en-US"/>
           </a:p>
@@ -4103,7 +4105,7 @@
           <a:p>
             <a:fld id="{8C28A28C-4C6A-46EA-90C0-4EE0B89CC5C7}" type="datetimeFigureOut">
               <a:rPr lang="en-US" smtClean="0"/>
-              <a:t>10/31/21</a:t>
+              <a:t>11/6/21</a:t>
             </a:fld>
             <a:endParaRPr lang="en-US"/>
           </a:p>
@@ -4380,7 +4382,7 @@
           <a:p>
             <a:fld id="{8C28A28C-4C6A-46EA-90C0-4EE0B89CC5C7}" type="datetimeFigureOut">
               <a:rPr lang="en-US" smtClean="0"/>
-              <a:t>10/31/21</a:t>
+              <a:t>11/6/21</a:t>
             </a:fld>
             <a:endParaRPr lang="en-US"/>
           </a:p>
@@ -4645,7 +4647,7 @@
           <a:p>
             <a:fld id="{8C28A28C-4C6A-46EA-90C0-4EE0B89CC5C7}" type="datetimeFigureOut">
               <a:rPr lang="en-US" smtClean="0"/>
-              <a:t>10/31/21</a:t>
+              <a:t>11/6/21</a:t>
             </a:fld>
             <a:endParaRPr lang="en-US"/>
           </a:p>
@@ -5057,7 +5059,7 @@
           <a:p>
             <a:fld id="{8C28A28C-4C6A-46EA-90C0-4EE0B89CC5C7}" type="datetimeFigureOut">
               <a:rPr lang="en-US" smtClean="0"/>
-              <a:t>10/31/21</a:t>
+              <a:t>11/6/21</a:t>
             </a:fld>
             <a:endParaRPr lang="en-US"/>
           </a:p>
@@ -5198,7 +5200,7 @@
           <a:p>
             <a:fld id="{8C28A28C-4C6A-46EA-90C0-4EE0B89CC5C7}" type="datetimeFigureOut">
               <a:rPr lang="en-US" smtClean="0"/>
-              <a:t>10/31/21</a:t>
+              <a:t>11/6/21</a:t>
             </a:fld>
             <a:endParaRPr lang="en-US"/>
           </a:p>
@@ -5311,7 +5313,7 @@
           <a:p>
             <a:fld id="{8C28A28C-4C6A-46EA-90C0-4EE0B89CC5C7}" type="datetimeFigureOut">
               <a:rPr lang="en-US" smtClean="0"/>
-              <a:t>10/31/21</a:t>
+              <a:t>11/6/21</a:t>
             </a:fld>
             <a:endParaRPr lang="en-US"/>
           </a:p>
@@ -5624,7 +5626,7 @@
           <a:p>
             <a:fld id="{8C28A28C-4C6A-46EA-90C0-4EE0B89CC5C7}" type="datetimeFigureOut">
               <a:rPr lang="en-US" smtClean="0"/>
-              <a:t>10/31/21</a:t>
+              <a:t>11/6/21</a:t>
             </a:fld>
             <a:endParaRPr lang="en-US"/>
           </a:p>
@@ -5912,7 +5914,7 @@
           <a:p>
             <a:fld id="{8C28A28C-4C6A-46EA-90C0-4EE0B89CC5C7}" type="datetimeFigureOut">
               <a:rPr lang="en-US" smtClean="0"/>
-              <a:t>10/31/21</a:t>
+              <a:t>11/6/21</a:t>
             </a:fld>
             <a:endParaRPr lang="en-US"/>
           </a:p>
@@ -6267,7 +6269,7 @@
             <a:fld id="{8C28A28C-4C6A-46EA-90C0-4EE0B89CC5C7}" type="datetimeFigureOut">
               <a:rPr lang="en-US" smtClean="0"/>
               <a:pPr/>
-              <a:t>10/31/21</a:t>
+              <a:t>11/6/21</a:t>
             </a:fld>
             <a:endParaRPr lang="en-US" dirty="0"/>
           </a:p>
@@ -7309,6 +7311,1449 @@
 </p:sld>
 </file>
 
+<file path=ppt/slides/slide10.xml><?xml version="1.0" encoding="utf-8"?>
+<p:sld xmlns:a="http://schemas.openxmlformats.org/drawingml/2006/main" xmlns:r="http://schemas.openxmlformats.org/officeDocument/2006/relationships" xmlns:p="http://schemas.openxmlformats.org/presentationml/2006/main">
+  <p:cSld>
+    <p:bg>
+      <p:bgPr>
+        <a:solidFill>
+          <a:schemeClr val="bg1"/>
+        </a:solidFill>
+        <a:effectLst/>
+      </p:bgPr>
+    </p:bg>
+    <p:spTree>
+      <p:nvGrpSpPr>
+        <p:cNvPr id="1" name=""/>
+        <p:cNvGrpSpPr/>
+        <p:nvPr/>
+      </p:nvGrpSpPr>
+      <p:grpSpPr>
+        <a:xfrm>
+          <a:off x="0" y="0"/>
+          <a:ext cx="0" cy="0"/>
+          <a:chOff x="0" y="0"/>
+          <a:chExt cx="0" cy="0"/>
+        </a:xfrm>
+      </p:grpSpPr>
+      <p:sp useBgFill="1">
+        <p:nvSpPr>
+          <p:cNvPr id="17" name="Rectangle 9">
+            <a:extLst>
+              <a:ext uri="{FF2B5EF4-FFF2-40B4-BE49-F238E27FC236}">
+                <a16:creationId xmlns:a16="http://schemas.microsoft.com/office/drawing/2014/main" id="{7DC12D2C-21A1-44CF-BA29-D0EE453AB701}"/>
+              </a:ext>
+              <a:ext uri="{C183D7F6-B498-43B3-948B-1728B52AA6E4}">
+                <adec:decorative xmlns:adec="http://schemas.microsoft.com/office/drawing/2017/decorative" val="1"/>
+              </a:ext>
+            </a:extLst>
+          </p:cNvPr>
+          <p:cNvSpPr>
+            <a:spLocks noGrp="1" noRot="1" noChangeAspect="1" noMove="1" noResize="1" noEditPoints="1" noAdjustHandles="1" noChangeArrowheads="1" noChangeShapeType="1" noTextEdit="1"/>
+          </p:cNvSpPr>
+          <p:nvPr>
+            <p:extLst>
+              <p:ext uri="{386F3935-93C4-4BCD-93E2-E3B085C9AB24}">
+                <p16:designElem xmlns:p16="http://schemas.microsoft.com/office/powerpoint/2015/main" val="1"/>
+              </p:ext>
+            </p:extLst>
+          </p:nvPr>
+        </p:nvSpPr>
+        <p:spPr>
+          <a:xfrm>
+            <a:off x="0" y="0"/>
+            <a:ext cx="12192000" cy="6858000"/>
+          </a:xfrm>
+          <a:prstGeom prst="rect">
+            <a:avLst/>
+          </a:prstGeom>
+          <a:ln w="12700" cap="flat" cmpd="sng" algn="ctr">
+            <a:noFill/>
+            <a:prstDash val="solid"/>
+            <a:miter lim="800000"/>
+          </a:ln>
+          <a:effectLst/>
+          <a:extLst>
+            <a:ext uri="{91240B29-F687-4F45-9708-019B960494DF}">
+              <a14:hiddenLine xmlns:a14="http://schemas.microsoft.com/office/drawing/2010/main" w="12700" cap="flat" cmpd="sng" algn="ctr">
+                <a:solidFill>
+                  <a:schemeClr val="accent1">
+                    <a:shade val="50000"/>
+                  </a:schemeClr>
+                </a:solidFill>
+                <a:prstDash val="solid"/>
+                <a:miter lim="800000"/>
+              </a14:hiddenLine>
+            </a:ext>
+          </a:extLst>
+        </p:spPr>
+        <p:style>
+          <a:lnRef idx="2">
+            <a:schemeClr val="accent1">
+              <a:shade val="50000"/>
+            </a:schemeClr>
+          </a:lnRef>
+          <a:fillRef idx="1">
+            <a:schemeClr val="accent1"/>
+          </a:fillRef>
+          <a:effectRef idx="0">
+            <a:schemeClr val="accent1"/>
+          </a:effectRef>
+          <a:fontRef idx="minor">
+            <a:schemeClr val="lt1"/>
+          </a:fontRef>
+        </p:style>
+        <p:txBody>
+          <a:bodyPr rtlCol="0" anchor="ctr"/>
+          <a:lstStyle/>
+          <a:p>
+            <a:pPr algn="ctr"/>
+            <a:endParaRPr lang="en-US"/>
+          </a:p>
+        </p:txBody>
+      </p:sp>
+      <p:sp>
+        <p:nvSpPr>
+          <p:cNvPr id="2" name="Title 1">
+            <a:extLst>
+              <a:ext uri="{FF2B5EF4-FFF2-40B4-BE49-F238E27FC236}">
+                <a16:creationId xmlns:a16="http://schemas.microsoft.com/office/drawing/2014/main" id="{42E02457-1F6E-864B-BE92-1849C1385466}"/>
+              </a:ext>
+            </a:extLst>
+          </p:cNvPr>
+          <p:cNvSpPr>
+            <a:spLocks noGrp="1"/>
+          </p:cNvSpPr>
+          <p:nvPr>
+            <p:ph type="title"/>
+          </p:nvPr>
+        </p:nvSpPr>
+        <p:spPr>
+          <a:xfrm>
+            <a:off x="1077363" y="4084869"/>
+            <a:ext cx="3439876" cy="2005151"/>
+          </a:xfrm>
+        </p:spPr>
+        <p:txBody>
+          <a:bodyPr anchor="t">
+            <a:normAutofit/>
+          </a:bodyPr>
+          <a:lstStyle/>
+          <a:p>
+            <a:r>
+              <a:rPr lang="en-US" dirty="0"/>
+              <a:t>Deployment Flow &amp; requirements</a:t>
+            </a:r>
+          </a:p>
+        </p:txBody>
+      </p:sp>
+      <p:sp>
+        <p:nvSpPr>
+          <p:cNvPr id="18" name="Rectangle 11">
+            <a:extLst>
+              <a:ext uri="{FF2B5EF4-FFF2-40B4-BE49-F238E27FC236}">
+                <a16:creationId xmlns:a16="http://schemas.microsoft.com/office/drawing/2014/main" id="{95598DD8-827C-48DB-AD4F-AEBB72483D50}"/>
+              </a:ext>
+              <a:ext uri="{C183D7F6-B498-43B3-948B-1728B52AA6E4}">
+                <adec:decorative xmlns:adec="http://schemas.microsoft.com/office/drawing/2017/decorative" val="1"/>
+              </a:ext>
+            </a:extLst>
+          </p:cNvPr>
+          <p:cNvSpPr>
+            <a:spLocks noGrp="1" noRot="1" noChangeAspect="1" noMove="1" noResize="1" noEditPoints="1" noAdjustHandles="1" noChangeArrowheads="1" noChangeShapeType="1" noTextEdit="1"/>
+          </p:cNvSpPr>
+          <p:nvPr>
+            <p:extLst>
+              <p:ext uri="{386F3935-93C4-4BCD-93E2-E3B085C9AB24}">
+                <p16:designElem xmlns:p16="http://schemas.microsoft.com/office/powerpoint/2015/main" val="1"/>
+              </p:ext>
+            </p:extLst>
+          </p:nvPr>
+        </p:nvSpPr>
+        <p:spPr>
+          <a:xfrm rot="10800000">
+            <a:off x="-1" y="-1557"/>
+            <a:ext cx="5223349" cy="3420239"/>
+          </a:xfrm>
+          <a:prstGeom prst="rect">
+            <a:avLst/>
+          </a:prstGeom>
+          <a:solidFill>
+            <a:schemeClr val="accent1">
+              <a:lumMod val="60000"/>
+              <a:lumOff val="40000"/>
+            </a:schemeClr>
+          </a:solidFill>
+          <a:ln>
+            <a:noFill/>
+          </a:ln>
+        </p:spPr>
+        <p:style>
+          <a:lnRef idx="2">
+            <a:schemeClr val="accent1">
+              <a:shade val="50000"/>
+            </a:schemeClr>
+          </a:lnRef>
+          <a:fillRef idx="1">
+            <a:schemeClr val="accent1"/>
+          </a:fillRef>
+          <a:effectRef idx="0">
+            <a:schemeClr val="accent1"/>
+          </a:effectRef>
+          <a:fontRef idx="minor">
+            <a:schemeClr val="lt1"/>
+          </a:fontRef>
+        </p:style>
+        <p:txBody>
+          <a:bodyPr rtlCol="0" anchor="ctr"/>
+          <a:lstStyle/>
+          <a:p>
+            <a:pPr algn="ctr"/>
+            <a:endParaRPr lang="en-US"/>
+          </a:p>
+        </p:txBody>
+      </p:sp>
+      <p:sp>
+        <p:nvSpPr>
+          <p:cNvPr id="19" name="Rectangle 34">
+            <a:extLst>
+              <a:ext uri="{FF2B5EF4-FFF2-40B4-BE49-F238E27FC236}">
+                <a16:creationId xmlns:a16="http://schemas.microsoft.com/office/drawing/2014/main" id="{EB40E5E0-6677-497A-8E9D-E8575E276FA0}"/>
+              </a:ext>
+              <a:ext uri="{C183D7F6-B498-43B3-948B-1728B52AA6E4}">
+                <adec:decorative xmlns:adec="http://schemas.microsoft.com/office/drawing/2017/decorative" val="1"/>
+              </a:ext>
+            </a:extLst>
+          </p:cNvPr>
+          <p:cNvSpPr>
+            <a:spLocks noGrp="1" noRot="1" noChangeAspect="1" noMove="1" noResize="1" noEditPoints="1" noAdjustHandles="1" noChangeArrowheads="1" noChangeShapeType="1" noTextEdit="1"/>
+          </p:cNvSpPr>
+          <p:nvPr>
+            <p:extLst>
+              <p:ext uri="{386F3935-93C4-4BCD-93E2-E3B085C9AB24}">
+                <p16:designElem xmlns:p16="http://schemas.microsoft.com/office/powerpoint/2015/main" val="1"/>
+              </p:ext>
+            </p:extLst>
+          </p:nvPr>
+        </p:nvSpPr>
+        <p:spPr>
+          <a:xfrm rot="10800000">
+            <a:off x="1783473" y="3856"/>
+            <a:ext cx="3439876" cy="3414827"/>
+          </a:xfrm>
+          <a:custGeom>
+            <a:avLst/>
+            <a:gdLst>
+              <a:gd name="connsiteX0" fmla="*/ 0 w 3484819"/>
+              <a:gd name="connsiteY0" fmla="*/ 0 h 3430264"/>
+              <a:gd name="connsiteX1" fmla="*/ 3484819 w 3484819"/>
+              <a:gd name="connsiteY1" fmla="*/ 0 h 3430264"/>
+              <a:gd name="connsiteX2" fmla="*/ 3484819 w 3484819"/>
+              <a:gd name="connsiteY2" fmla="*/ 3430264 h 3430264"/>
+              <a:gd name="connsiteX3" fmla="*/ 0 w 3484819"/>
+              <a:gd name="connsiteY3" fmla="*/ 3430264 h 3430264"/>
+              <a:gd name="connsiteX4" fmla="*/ 0 w 3484819"/>
+              <a:gd name="connsiteY4" fmla="*/ 0 h 3430264"/>
+              <a:gd name="connsiteX0" fmla="*/ 0 w 3484819"/>
+              <a:gd name="connsiteY0" fmla="*/ 0 h 3430264"/>
+              <a:gd name="connsiteX1" fmla="*/ 3484819 w 3484819"/>
+              <a:gd name="connsiteY1" fmla="*/ 0 h 3430264"/>
+              <a:gd name="connsiteX2" fmla="*/ 0 w 3484819"/>
+              <a:gd name="connsiteY2" fmla="*/ 3430264 h 3430264"/>
+              <a:gd name="connsiteX3" fmla="*/ 0 w 3484819"/>
+              <a:gd name="connsiteY3" fmla="*/ 0 h 3430264"/>
+            </a:gdLst>
+            <a:ahLst/>
+            <a:cxnLst>
+              <a:cxn ang="0">
+                <a:pos x="connsiteX0" y="connsiteY0"/>
+              </a:cxn>
+              <a:cxn ang="0">
+                <a:pos x="connsiteX1" y="connsiteY1"/>
+              </a:cxn>
+              <a:cxn ang="0">
+                <a:pos x="connsiteX2" y="connsiteY2"/>
+              </a:cxn>
+              <a:cxn ang="0">
+                <a:pos x="connsiteX3" y="connsiteY3"/>
+              </a:cxn>
+            </a:cxnLst>
+            <a:rect l="l" t="t" r="r" b="b"/>
+            <a:pathLst>
+              <a:path w="3484819" h="3430264">
+                <a:moveTo>
+                  <a:pt x="0" y="0"/>
+                </a:moveTo>
+                <a:lnTo>
+                  <a:pt x="3484819" y="0"/>
+                </a:lnTo>
+                <a:lnTo>
+                  <a:pt x="0" y="3430264"/>
+                </a:lnTo>
+                <a:lnTo>
+                  <a:pt x="0" y="0"/>
+                </a:lnTo>
+                <a:close/>
+              </a:path>
+            </a:pathLst>
+          </a:custGeom>
+          <a:solidFill>
+            <a:schemeClr val="accent4">
+              <a:lumMod val="40000"/>
+              <a:lumOff val="60000"/>
+            </a:schemeClr>
+          </a:solidFill>
+          <a:ln>
+            <a:noFill/>
+          </a:ln>
+        </p:spPr>
+        <p:style>
+          <a:lnRef idx="2">
+            <a:schemeClr val="accent1">
+              <a:shade val="50000"/>
+            </a:schemeClr>
+          </a:lnRef>
+          <a:fillRef idx="1">
+            <a:schemeClr val="accent1"/>
+          </a:fillRef>
+          <a:effectRef idx="0">
+            <a:schemeClr val="accent1"/>
+          </a:effectRef>
+          <a:fontRef idx="minor">
+            <a:schemeClr val="lt1"/>
+          </a:fontRef>
+        </p:style>
+        <p:txBody>
+          <a:bodyPr rtlCol="0" anchor="ctr"/>
+          <a:lstStyle/>
+          <a:p>
+            <a:pPr algn="ctr"/>
+            <a:endParaRPr lang="en-US"/>
+          </a:p>
+        </p:txBody>
+      </p:sp>
+      <p:sp>
+        <p:nvSpPr>
+          <p:cNvPr id="16" name="Freeform: Shape 15">
+            <a:extLst>
+              <a:ext uri="{FF2B5EF4-FFF2-40B4-BE49-F238E27FC236}">
+                <a16:creationId xmlns:a16="http://schemas.microsoft.com/office/drawing/2014/main" id="{AC46E49D-1D37-455E-BDA2-28DAF3721470}"/>
+              </a:ext>
+              <a:ext uri="{C183D7F6-B498-43B3-948B-1728B52AA6E4}">
+                <adec:decorative xmlns:adec="http://schemas.microsoft.com/office/drawing/2017/decorative" val="1"/>
+              </a:ext>
+            </a:extLst>
+          </p:cNvPr>
+          <p:cNvSpPr>
+            <a:spLocks noGrp="1" noRot="1" noChangeAspect="1" noMove="1" noResize="1" noEditPoints="1" noAdjustHandles="1" noChangeArrowheads="1" noChangeShapeType="1" noTextEdit="1"/>
+          </p:cNvSpPr>
+          <p:nvPr>
+            <p:extLst>
+              <p:ext uri="{386F3935-93C4-4BCD-93E2-E3B085C9AB24}">
+                <p16:designElem xmlns:p16="http://schemas.microsoft.com/office/powerpoint/2015/main" val="1"/>
+              </p:ext>
+            </p:extLst>
+          </p:nvPr>
+        </p:nvSpPr>
+        <p:spPr>
+          <a:xfrm rot="10800000">
+            <a:off x="8755978" y="-1558"/>
+            <a:ext cx="3439878" cy="3420239"/>
+          </a:xfrm>
+          <a:custGeom>
+            <a:avLst/>
+            <a:gdLst>
+              <a:gd name="connsiteX0" fmla="*/ 3439878 w 3439878"/>
+              <a:gd name="connsiteY0" fmla="*/ 3420239 h 3420239"/>
+              <a:gd name="connsiteX1" fmla="*/ 0 w 3439878"/>
+              <a:gd name="connsiteY1" fmla="*/ 3420239 h 3420239"/>
+              <a:gd name="connsiteX2" fmla="*/ 0 w 3439878"/>
+              <a:gd name="connsiteY2" fmla="*/ 0 h 3420239"/>
+              <a:gd name="connsiteX3" fmla="*/ 3856 w 3439878"/>
+              <a:gd name="connsiteY3" fmla="*/ 0 h 3420239"/>
+              <a:gd name="connsiteX4" fmla="*/ 3856 w 3439878"/>
+              <a:gd name="connsiteY4" fmla="*/ 133338 h 3420239"/>
+              <a:gd name="connsiteX5" fmla="*/ 5641 w 3439878"/>
+              <a:gd name="connsiteY5" fmla="*/ 203263 h 3420239"/>
+              <a:gd name="connsiteX6" fmla="*/ 3347718 w 3439878"/>
+              <a:gd name="connsiteY6" fmla="*/ 3415186 h 3420239"/>
+              <a:gd name="connsiteX7" fmla="*/ 3427612 w 3439878"/>
+              <a:gd name="connsiteY7" fmla="*/ 3417124 h 3420239"/>
+              <a:gd name="connsiteX8" fmla="*/ 3856 w 3439878"/>
+              <a:gd name="connsiteY8" fmla="*/ 3417124 h 3420239"/>
+              <a:gd name="connsiteX9" fmla="*/ 3856 w 3439878"/>
+              <a:gd name="connsiteY9" fmla="*/ 3418681 h 3420239"/>
+              <a:gd name="connsiteX10" fmla="*/ 3439878 w 3439878"/>
+              <a:gd name="connsiteY10" fmla="*/ 3418681 h 3420239"/>
+            </a:gdLst>
+            <a:ahLst/>
+            <a:cxnLst>
+              <a:cxn ang="0">
+                <a:pos x="connsiteX0" y="connsiteY0"/>
+              </a:cxn>
+              <a:cxn ang="0">
+                <a:pos x="connsiteX1" y="connsiteY1"/>
+              </a:cxn>
+              <a:cxn ang="0">
+                <a:pos x="connsiteX2" y="connsiteY2"/>
+              </a:cxn>
+              <a:cxn ang="0">
+                <a:pos x="connsiteX3" y="connsiteY3"/>
+              </a:cxn>
+              <a:cxn ang="0">
+                <a:pos x="connsiteX4" y="connsiteY4"/>
+              </a:cxn>
+              <a:cxn ang="0">
+                <a:pos x="connsiteX5" y="connsiteY5"/>
+              </a:cxn>
+              <a:cxn ang="0">
+                <a:pos x="connsiteX6" y="connsiteY6"/>
+              </a:cxn>
+              <a:cxn ang="0">
+                <a:pos x="connsiteX7" y="connsiteY7"/>
+              </a:cxn>
+              <a:cxn ang="0">
+                <a:pos x="connsiteX8" y="connsiteY8"/>
+              </a:cxn>
+              <a:cxn ang="0">
+                <a:pos x="connsiteX9" y="connsiteY9"/>
+              </a:cxn>
+              <a:cxn ang="0">
+                <a:pos x="connsiteX10" y="connsiteY10"/>
+              </a:cxn>
+            </a:cxnLst>
+            <a:rect l="l" t="t" r="r" b="b"/>
+            <a:pathLst>
+              <a:path w="3439878" h="3420239">
+                <a:moveTo>
+                  <a:pt x="3439878" y="3420239"/>
+                </a:moveTo>
+                <a:lnTo>
+                  <a:pt x="0" y="3420239"/>
+                </a:lnTo>
+                <a:lnTo>
+                  <a:pt x="0" y="0"/>
+                </a:lnTo>
+                <a:lnTo>
+                  <a:pt x="3856" y="0"/>
+                </a:lnTo>
+                <a:lnTo>
+                  <a:pt x="3856" y="133338"/>
+                </a:lnTo>
+                <a:lnTo>
+                  <a:pt x="5641" y="203263"/>
+                </a:lnTo>
+                <a:cubicBezTo>
+                  <a:pt x="94351" y="1936677"/>
+                  <a:pt x="1541917" y="3327355"/>
+                  <a:pt x="3347718" y="3415186"/>
+                </a:cubicBezTo>
+                <a:lnTo>
+                  <a:pt x="3427612" y="3417124"/>
+                </a:lnTo>
+                <a:lnTo>
+                  <a:pt x="3856" y="3417124"/>
+                </a:lnTo>
+                <a:lnTo>
+                  <a:pt x="3856" y="3418681"/>
+                </a:lnTo>
+                <a:lnTo>
+                  <a:pt x="3439878" y="3418681"/>
+                </a:lnTo>
+                <a:close/>
+              </a:path>
+            </a:pathLst>
+          </a:custGeom>
+          <a:solidFill>
+            <a:schemeClr val="accent1"/>
+          </a:solidFill>
+          <a:ln>
+            <a:noFill/>
+          </a:ln>
+        </p:spPr>
+        <p:style>
+          <a:lnRef idx="2">
+            <a:schemeClr val="accent1">
+              <a:shade val="50000"/>
+            </a:schemeClr>
+          </a:lnRef>
+          <a:fillRef idx="1">
+            <a:schemeClr val="accent1"/>
+          </a:fillRef>
+          <a:effectRef idx="0">
+            <a:schemeClr val="accent1"/>
+          </a:effectRef>
+          <a:fontRef idx="minor">
+            <a:schemeClr val="lt1"/>
+          </a:fontRef>
+        </p:style>
+        <p:txBody>
+          <a:bodyPr wrap="square" rtlCol="0" anchor="ctr">
+            <a:noAutofit/>
+          </a:bodyPr>
+          <a:lstStyle/>
+          <a:p>
+            <a:pPr algn="ctr"/>
+            <a:endParaRPr lang="en-US"/>
+          </a:p>
+        </p:txBody>
+      </p:sp>
+      <p:pic>
+        <p:nvPicPr>
+          <p:cNvPr id="5" name="Picture 4" descr="Graphical user interface, application&#10;&#10;Description automatically generated">
+            <a:extLst>
+              <a:ext uri="{FF2B5EF4-FFF2-40B4-BE49-F238E27FC236}">
+                <a16:creationId xmlns:a16="http://schemas.microsoft.com/office/drawing/2014/main" id="{770FA3D7-EEB8-2A41-A3C6-D128910799DF}"/>
+              </a:ext>
+            </a:extLst>
+          </p:cNvPr>
+          <p:cNvPicPr>
+            <a:picLocks noChangeAspect="1"/>
+          </p:cNvPicPr>
+          <p:nvPr/>
+        </p:nvPicPr>
+        <p:blipFill rotWithShape="1">
+          <a:blip r:embed="rId2"/>
+          <a:srcRect r="27552" b="-1"/>
+          <a:stretch/>
+        </p:blipFill>
+        <p:spPr>
+          <a:xfrm>
+            <a:off x="5216651" y="-1558"/>
+            <a:ext cx="6979975" cy="3420240"/>
+          </a:xfrm>
+          <a:custGeom>
+            <a:avLst/>
+            <a:gdLst/>
+            <a:ahLst/>
+            <a:cxnLst/>
+            <a:rect l="l" t="t" r="r" b="b"/>
+            <a:pathLst>
+              <a:path w="6979975" h="3420240">
+                <a:moveTo>
+                  <a:pt x="13648" y="0"/>
+                </a:moveTo>
+                <a:lnTo>
+                  <a:pt x="6979975" y="0"/>
+                </a:lnTo>
+                <a:lnTo>
+                  <a:pt x="6979975" y="1557"/>
+                </a:lnTo>
+                <a:lnTo>
+                  <a:pt x="3556219" y="1557"/>
+                </a:lnTo>
+                <a:lnTo>
+                  <a:pt x="3636113" y="3495"/>
+                </a:lnTo>
+                <a:cubicBezTo>
+                  <a:pt x="5441914" y="91326"/>
+                  <a:pt x="6889480" y="1482004"/>
+                  <a:pt x="6978190" y="3215418"/>
+                </a:cubicBezTo>
+                <a:lnTo>
+                  <a:pt x="6979975" y="3285343"/>
+                </a:lnTo>
+                <a:lnTo>
+                  <a:pt x="6979975" y="3420240"/>
+                </a:lnTo>
+                <a:lnTo>
+                  <a:pt x="13648" y="3420240"/>
+                </a:lnTo>
+                <a:lnTo>
+                  <a:pt x="13648" y="3420238"/>
+                </a:lnTo>
+                <a:lnTo>
+                  <a:pt x="0" y="3420238"/>
+                </a:lnTo>
+                <a:lnTo>
+                  <a:pt x="0" y="1557"/>
+                </a:lnTo>
+                <a:lnTo>
+                  <a:pt x="13648" y="1557"/>
+                </a:lnTo>
+                <a:close/>
+              </a:path>
+            </a:pathLst>
+          </a:custGeom>
+        </p:spPr>
+      </p:pic>
+      <p:sp>
+        <p:nvSpPr>
+          <p:cNvPr id="3" name="Content Placeholder 2">
+            <a:extLst>
+              <a:ext uri="{FF2B5EF4-FFF2-40B4-BE49-F238E27FC236}">
+                <a16:creationId xmlns:a16="http://schemas.microsoft.com/office/drawing/2014/main" id="{5D1E8BAC-12C6-1C45-81E1-FB1DE0F2F3E8}"/>
+              </a:ext>
+            </a:extLst>
+          </p:cNvPr>
+          <p:cNvSpPr>
+            <a:spLocks noGrp="1"/>
+          </p:cNvSpPr>
+          <p:nvPr>
+            <p:ph idx="1"/>
+          </p:nvPr>
+        </p:nvSpPr>
+        <p:spPr>
+          <a:xfrm>
+            <a:off x="5228651" y="4084869"/>
+            <a:ext cx="5885987" cy="2005151"/>
+          </a:xfrm>
+        </p:spPr>
+        <p:txBody>
+          <a:bodyPr>
+            <a:normAutofit fontScale="85000" lnSpcReduction="20000"/>
+          </a:bodyPr>
+          <a:lstStyle/>
+          <a:p>
+            <a:pPr marL="342900" indent="-342900">
+              <a:buFont typeface="+mj-lt"/>
+              <a:buAutoNum type="arabicPeriod"/>
+            </a:pPr>
+            <a:r>
+              <a:rPr lang="en-US" dirty="0"/>
+              <a:t>The dev team creates a new release that triggers the deployment action 🚀</a:t>
+            </a:r>
+          </a:p>
+          <a:p>
+            <a:pPr marL="342900" indent="-342900">
+              <a:buFont typeface="+mj-lt"/>
+              <a:buAutoNum type="arabicPeriod"/>
+            </a:pPr>
+            <a:r>
+              <a:rPr lang="en-US" dirty="0"/>
+              <a:t>The deployment action initiates ⏳</a:t>
+            </a:r>
+          </a:p>
+          <a:p>
+            <a:pPr marL="342900" indent="-342900">
+              <a:buFont typeface="+mj-lt"/>
+              <a:buAutoNum type="arabicPeriod"/>
+            </a:pPr>
+            <a:r>
+              <a:rPr lang="en-US" dirty="0"/>
+              <a:t>The pre-defined test command is expected to succeed 🧪</a:t>
+            </a:r>
+          </a:p>
+          <a:p>
+            <a:pPr marL="342900" indent="-342900">
+              <a:buFont typeface="+mj-lt"/>
+              <a:buAutoNum type="arabicPeriod"/>
+            </a:pPr>
+            <a:r>
+              <a:rPr lang="en-US" dirty="0"/>
+              <a:t>Starting the delivery (sync files with the remote store) 🚢</a:t>
+            </a:r>
+          </a:p>
+          <a:p>
+            <a:pPr marL="342900" indent="-342900">
+              <a:buFont typeface="+mj-lt"/>
+              <a:buAutoNum type="arabicPeriod"/>
+            </a:pPr>
+            <a:r>
+              <a:rPr lang="en-US" dirty="0"/>
+              <a:t>Celebrate! </a:t>
+            </a:r>
+          </a:p>
+        </p:txBody>
+      </p:sp>
+    </p:spTree>
+    <p:extLst>
+      <p:ext uri="{BB962C8B-B14F-4D97-AF65-F5344CB8AC3E}">
+        <p14:creationId xmlns:p14="http://schemas.microsoft.com/office/powerpoint/2010/main" val="2658619610"/>
+      </p:ext>
+    </p:extLst>
+  </p:cSld>
+  <p:clrMapOvr>
+    <a:masterClrMapping/>
+  </p:clrMapOvr>
+</p:sld>
+</file>
+
+<file path=ppt/slides/slide11.xml><?xml version="1.0" encoding="utf-8"?>
+<p:sld xmlns:a="http://schemas.openxmlformats.org/drawingml/2006/main" xmlns:r="http://schemas.openxmlformats.org/officeDocument/2006/relationships" xmlns:p="http://schemas.openxmlformats.org/presentationml/2006/main">
+  <p:cSld>
+    <p:bg>
+      <p:bgPr>
+        <a:solidFill>
+          <a:schemeClr val="bg1"/>
+        </a:solidFill>
+        <a:effectLst/>
+      </p:bgPr>
+    </p:bg>
+    <p:spTree>
+      <p:nvGrpSpPr>
+        <p:cNvPr id="1" name=""/>
+        <p:cNvGrpSpPr/>
+        <p:nvPr/>
+      </p:nvGrpSpPr>
+      <p:grpSpPr>
+        <a:xfrm>
+          <a:off x="0" y="0"/>
+          <a:ext cx="0" cy="0"/>
+          <a:chOff x="0" y="0"/>
+          <a:chExt cx="0" cy="0"/>
+        </a:xfrm>
+      </p:grpSpPr>
+      <p:sp useBgFill="1">
+        <p:nvSpPr>
+          <p:cNvPr id="48" name="Rectangle 20">
+            <a:extLst>
+              <a:ext uri="{FF2B5EF4-FFF2-40B4-BE49-F238E27FC236}">
+                <a16:creationId xmlns:a16="http://schemas.microsoft.com/office/drawing/2014/main" id="{4F1948C2-E4DD-4B0F-BD79-CB28ED230B53}"/>
+              </a:ext>
+              <a:ext uri="{C183D7F6-B498-43B3-948B-1728B52AA6E4}">
+                <adec:decorative xmlns:adec="http://schemas.microsoft.com/office/drawing/2017/decorative" val="1"/>
+              </a:ext>
+            </a:extLst>
+          </p:cNvPr>
+          <p:cNvSpPr>
+            <a:spLocks noGrp="1" noRot="1" noChangeAspect="1" noMove="1" noResize="1" noEditPoints="1" noAdjustHandles="1" noChangeArrowheads="1" noChangeShapeType="1" noTextEdit="1"/>
+          </p:cNvSpPr>
+          <p:nvPr>
+            <p:extLst>
+              <p:ext uri="{386F3935-93C4-4BCD-93E2-E3B085C9AB24}">
+                <p16:designElem xmlns:p16="http://schemas.microsoft.com/office/powerpoint/2015/main" val="1"/>
+              </p:ext>
+            </p:extLst>
+          </p:nvPr>
+        </p:nvSpPr>
+        <p:spPr>
+          <a:xfrm>
+            <a:off x="0" y="0"/>
+            <a:ext cx="12192000" cy="6858000"/>
+          </a:xfrm>
+          <a:prstGeom prst="rect">
+            <a:avLst/>
+          </a:prstGeom>
+          <a:ln w="12700" cap="flat" cmpd="sng" algn="ctr">
+            <a:noFill/>
+            <a:prstDash val="solid"/>
+            <a:miter lim="800000"/>
+          </a:ln>
+          <a:effectLst/>
+          <a:extLst>
+            <a:ext uri="{91240B29-F687-4F45-9708-019B960494DF}">
+              <a14:hiddenLine xmlns:a14="http://schemas.microsoft.com/office/drawing/2010/main" w="12700" cap="flat" cmpd="sng" algn="ctr">
+                <a:solidFill>
+                  <a:schemeClr val="accent1">
+                    <a:shade val="50000"/>
+                  </a:schemeClr>
+                </a:solidFill>
+                <a:prstDash val="solid"/>
+                <a:miter lim="800000"/>
+              </a14:hiddenLine>
+            </a:ext>
+          </a:extLst>
+        </p:spPr>
+        <p:style>
+          <a:lnRef idx="2">
+            <a:schemeClr val="accent1">
+              <a:shade val="50000"/>
+            </a:schemeClr>
+          </a:lnRef>
+          <a:fillRef idx="1">
+            <a:schemeClr val="accent1"/>
+          </a:fillRef>
+          <a:effectRef idx="0">
+            <a:schemeClr val="accent1"/>
+          </a:effectRef>
+          <a:fontRef idx="minor">
+            <a:schemeClr val="lt1"/>
+          </a:fontRef>
+        </p:style>
+        <p:txBody>
+          <a:bodyPr rtlCol="0" anchor="ctr"/>
+          <a:lstStyle/>
+          <a:p>
+            <a:pPr algn="ctr"/>
+            <a:endParaRPr lang="en-US"/>
+          </a:p>
+        </p:txBody>
+      </p:sp>
+      <p:sp>
+        <p:nvSpPr>
+          <p:cNvPr id="2" name="Title 1">
+            <a:extLst>
+              <a:ext uri="{FF2B5EF4-FFF2-40B4-BE49-F238E27FC236}">
+                <a16:creationId xmlns:a16="http://schemas.microsoft.com/office/drawing/2014/main" id="{42E02457-1F6E-864B-BE92-1849C1385466}"/>
+              </a:ext>
+            </a:extLst>
+          </p:cNvPr>
+          <p:cNvSpPr>
+            <a:spLocks noGrp="1"/>
+          </p:cNvSpPr>
+          <p:nvPr>
+            <p:ph type="title"/>
+          </p:nvPr>
+        </p:nvSpPr>
+        <p:spPr>
+          <a:xfrm>
+            <a:off x="1077362" y="720435"/>
+            <a:ext cx="6484670" cy="1507375"/>
+          </a:xfrm>
+        </p:spPr>
+        <p:txBody>
+          <a:bodyPr>
+            <a:normAutofit/>
+          </a:bodyPr>
+          <a:lstStyle/>
+          <a:p>
+            <a:r>
+              <a:rPr lang="en-US" dirty="0"/>
+              <a:t>Thank you!</a:t>
+            </a:r>
+          </a:p>
+        </p:txBody>
+      </p:sp>
+      <p:graphicFrame>
+        <p:nvGraphicFramePr>
+          <p:cNvPr id="33" name="Content Placeholder 2">
+            <a:extLst>
+              <a:ext uri="{FF2B5EF4-FFF2-40B4-BE49-F238E27FC236}">
+                <a16:creationId xmlns:a16="http://schemas.microsoft.com/office/drawing/2014/main" id="{F736D038-65B4-440F-9628-71E960A6CD0A}"/>
+              </a:ext>
+            </a:extLst>
+          </p:cNvPr>
+          <p:cNvGraphicFramePr>
+            <a:graphicFrameLocks noGrp="1"/>
+          </p:cNvGraphicFramePr>
+          <p:nvPr>
+            <p:ph idx="1"/>
+            <p:extLst>
+              <p:ext uri="{D42A27DB-BD31-4B8C-83A1-F6EECF244321}">
+                <p14:modId xmlns:p14="http://schemas.microsoft.com/office/powerpoint/2010/main" val="3009229895"/>
+              </p:ext>
+            </p:extLst>
+          </p:nvPr>
+        </p:nvGraphicFramePr>
+        <p:xfrm>
+          <a:off x="1077362" y="2434974"/>
+          <a:ext cx="6484670" cy="3505855"/>
+        </p:xfrm>
+        <a:graphic>
+          <a:graphicData uri="http://schemas.openxmlformats.org/drawingml/2006/diagram">
+            <dgm:relIds xmlns:dgm="http://schemas.openxmlformats.org/drawingml/2006/diagram" xmlns:r="http://schemas.openxmlformats.org/officeDocument/2006/relationships" r:dm="rId2" r:lo="rId3" r:qs="rId4" r:cs="rId5"/>
+          </a:graphicData>
+        </a:graphic>
+      </p:graphicFrame>
+      <p:sp>
+        <p:nvSpPr>
+          <p:cNvPr id="49" name="Rectangle 22">
+            <a:extLst>
+              <a:ext uri="{FF2B5EF4-FFF2-40B4-BE49-F238E27FC236}">
+                <a16:creationId xmlns:a16="http://schemas.microsoft.com/office/drawing/2014/main" id="{53F28E32-1DC4-476E-A298-6C2066882C0A}"/>
+              </a:ext>
+              <a:ext uri="{C183D7F6-B498-43B3-948B-1728B52AA6E4}">
+                <adec:decorative xmlns:adec="http://schemas.microsoft.com/office/drawing/2017/decorative" val="1"/>
+              </a:ext>
+            </a:extLst>
+          </p:cNvPr>
+          <p:cNvSpPr>
+            <a:spLocks noGrp="1" noRot="1" noChangeAspect="1" noMove="1" noResize="1" noEditPoints="1" noAdjustHandles="1" noChangeArrowheads="1" noChangeShapeType="1" noTextEdit="1"/>
+          </p:cNvSpPr>
+          <p:nvPr>
+            <p:extLst>
+              <p:ext uri="{386F3935-93C4-4BCD-93E2-E3B085C9AB24}">
+                <p16:designElem xmlns:p16="http://schemas.microsoft.com/office/powerpoint/2015/main" val="1"/>
+              </p:ext>
+            </p:extLst>
+          </p:nvPr>
+        </p:nvSpPr>
+        <p:spPr>
+          <a:xfrm>
+            <a:off x="8724696" y="0"/>
+            <a:ext cx="3456507" cy="3436188"/>
+          </a:xfrm>
+          <a:prstGeom prst="rect">
+            <a:avLst/>
+          </a:prstGeom>
+          <a:solidFill>
+            <a:schemeClr val="accent1">
+              <a:lumMod val="60000"/>
+              <a:lumOff val="40000"/>
+            </a:schemeClr>
+          </a:solidFill>
+          <a:ln>
+            <a:noFill/>
+          </a:ln>
+        </p:spPr>
+        <p:style>
+          <a:lnRef idx="2">
+            <a:schemeClr val="accent1">
+              <a:shade val="50000"/>
+            </a:schemeClr>
+          </a:lnRef>
+          <a:fillRef idx="1">
+            <a:schemeClr val="accent1"/>
+          </a:fillRef>
+          <a:effectRef idx="0">
+            <a:schemeClr val="accent1"/>
+          </a:effectRef>
+          <a:fontRef idx="minor">
+            <a:schemeClr val="lt1"/>
+          </a:fontRef>
+        </p:style>
+        <p:txBody>
+          <a:bodyPr rtlCol="0" anchor="ctr"/>
+          <a:lstStyle/>
+          <a:p>
+            <a:pPr algn="ctr"/>
+            <a:endParaRPr lang="en-US"/>
+          </a:p>
+        </p:txBody>
+      </p:sp>
+      <p:sp>
+        <p:nvSpPr>
+          <p:cNvPr id="50" name="Rectangle 34">
+            <a:extLst>
+              <a:ext uri="{FF2B5EF4-FFF2-40B4-BE49-F238E27FC236}">
+                <a16:creationId xmlns:a16="http://schemas.microsoft.com/office/drawing/2014/main" id="{59AD7FA5-98A4-4D87-9F03-9F3E6B19B188}"/>
+              </a:ext>
+              <a:ext uri="{C183D7F6-B498-43B3-948B-1728B52AA6E4}">
+                <adec:decorative xmlns:adec="http://schemas.microsoft.com/office/drawing/2017/decorative" val="1"/>
+              </a:ext>
+            </a:extLst>
+          </p:cNvPr>
+          <p:cNvSpPr>
+            <a:spLocks noGrp="1" noRot="1" noChangeAspect="1" noMove="1" noResize="1" noEditPoints="1" noAdjustHandles="1" noChangeArrowheads="1" noChangeShapeType="1" noTextEdit="1"/>
+          </p:cNvSpPr>
+          <p:nvPr>
+            <p:extLst>
+              <p:ext uri="{386F3935-93C4-4BCD-93E2-E3B085C9AB24}">
+                <p16:designElem xmlns:p16="http://schemas.microsoft.com/office/powerpoint/2015/main" val="1"/>
+              </p:ext>
+            </p:extLst>
+          </p:nvPr>
+        </p:nvSpPr>
+        <p:spPr>
+          <a:xfrm rot="5400000" flipH="1">
+            <a:off x="8743880" y="-11926"/>
+            <a:ext cx="3428987" cy="3467355"/>
+          </a:xfrm>
+          <a:custGeom>
+            <a:avLst/>
+            <a:gdLst>
+              <a:gd name="connsiteX0" fmla="*/ 0 w 3484819"/>
+              <a:gd name="connsiteY0" fmla="*/ 0 h 3430264"/>
+              <a:gd name="connsiteX1" fmla="*/ 3484819 w 3484819"/>
+              <a:gd name="connsiteY1" fmla="*/ 0 h 3430264"/>
+              <a:gd name="connsiteX2" fmla="*/ 3484819 w 3484819"/>
+              <a:gd name="connsiteY2" fmla="*/ 3430264 h 3430264"/>
+              <a:gd name="connsiteX3" fmla="*/ 0 w 3484819"/>
+              <a:gd name="connsiteY3" fmla="*/ 3430264 h 3430264"/>
+              <a:gd name="connsiteX4" fmla="*/ 0 w 3484819"/>
+              <a:gd name="connsiteY4" fmla="*/ 0 h 3430264"/>
+              <a:gd name="connsiteX0" fmla="*/ 0 w 3484819"/>
+              <a:gd name="connsiteY0" fmla="*/ 0 h 3430264"/>
+              <a:gd name="connsiteX1" fmla="*/ 3484819 w 3484819"/>
+              <a:gd name="connsiteY1" fmla="*/ 0 h 3430264"/>
+              <a:gd name="connsiteX2" fmla="*/ 0 w 3484819"/>
+              <a:gd name="connsiteY2" fmla="*/ 3430264 h 3430264"/>
+              <a:gd name="connsiteX3" fmla="*/ 0 w 3484819"/>
+              <a:gd name="connsiteY3" fmla="*/ 0 h 3430264"/>
+            </a:gdLst>
+            <a:ahLst/>
+            <a:cxnLst>
+              <a:cxn ang="0">
+                <a:pos x="connsiteX0" y="connsiteY0"/>
+              </a:cxn>
+              <a:cxn ang="0">
+                <a:pos x="connsiteX1" y="connsiteY1"/>
+              </a:cxn>
+              <a:cxn ang="0">
+                <a:pos x="connsiteX2" y="connsiteY2"/>
+              </a:cxn>
+              <a:cxn ang="0">
+                <a:pos x="connsiteX3" y="connsiteY3"/>
+              </a:cxn>
+            </a:cxnLst>
+            <a:rect l="l" t="t" r="r" b="b"/>
+            <a:pathLst>
+              <a:path w="3484819" h="3430264">
+                <a:moveTo>
+                  <a:pt x="0" y="0"/>
+                </a:moveTo>
+                <a:lnTo>
+                  <a:pt x="3484819" y="0"/>
+                </a:lnTo>
+                <a:lnTo>
+                  <a:pt x="0" y="3430264"/>
+                </a:lnTo>
+                <a:lnTo>
+                  <a:pt x="0" y="0"/>
+                </a:lnTo>
+                <a:close/>
+              </a:path>
+            </a:pathLst>
+          </a:custGeom>
+          <a:solidFill>
+            <a:schemeClr val="accent2"/>
+          </a:solidFill>
+          <a:ln>
+            <a:noFill/>
+          </a:ln>
+        </p:spPr>
+        <p:style>
+          <a:lnRef idx="2">
+            <a:schemeClr val="accent1">
+              <a:shade val="50000"/>
+            </a:schemeClr>
+          </a:lnRef>
+          <a:fillRef idx="1">
+            <a:schemeClr val="accent1"/>
+          </a:fillRef>
+          <a:effectRef idx="0">
+            <a:schemeClr val="accent1"/>
+          </a:effectRef>
+          <a:fontRef idx="minor">
+            <a:schemeClr val="lt1"/>
+          </a:fontRef>
+        </p:style>
+        <p:txBody>
+          <a:bodyPr rtlCol="0" anchor="ctr"/>
+          <a:lstStyle/>
+          <a:p>
+            <a:pPr algn="ctr"/>
+            <a:endParaRPr lang="en-US"/>
+          </a:p>
+        </p:txBody>
+      </p:sp>
+      <p:sp>
+        <p:nvSpPr>
+          <p:cNvPr id="51" name="Rectangle 26">
+            <a:extLst>
+              <a:ext uri="{FF2B5EF4-FFF2-40B4-BE49-F238E27FC236}">
+                <a16:creationId xmlns:a16="http://schemas.microsoft.com/office/drawing/2014/main" id="{67B624B2-894D-4F7A-B2F3-393D6564D751}"/>
+              </a:ext>
+              <a:ext uri="{C183D7F6-B498-43B3-948B-1728B52AA6E4}">
+                <adec:decorative xmlns:adec="http://schemas.microsoft.com/office/drawing/2017/decorative" val="1"/>
+              </a:ext>
+            </a:extLst>
+          </p:cNvPr>
+          <p:cNvSpPr>
+            <a:spLocks noGrp="1" noRot="1" noChangeAspect="1" noMove="1" noResize="1" noEditPoints="1" noAdjustHandles="1" noChangeArrowheads="1" noChangeShapeType="1" noTextEdit="1"/>
+          </p:cNvSpPr>
+          <p:nvPr>
+            <p:extLst>
+              <p:ext uri="{386F3935-93C4-4BCD-93E2-E3B085C9AB24}">
+                <p16:designElem xmlns:p16="http://schemas.microsoft.com/office/powerpoint/2015/main" val="1"/>
+              </p:ext>
+            </p:extLst>
+          </p:nvPr>
+        </p:nvSpPr>
+        <p:spPr>
+          <a:xfrm>
+            <a:off x="8724696" y="3434976"/>
+            <a:ext cx="3467300" cy="3428987"/>
+          </a:xfrm>
+          <a:prstGeom prst="rect">
+            <a:avLst/>
+          </a:prstGeom>
+          <a:solidFill>
+            <a:schemeClr val="tx2"/>
+          </a:solidFill>
+          <a:ln>
+            <a:noFill/>
+          </a:ln>
+        </p:spPr>
+        <p:style>
+          <a:lnRef idx="2">
+            <a:schemeClr val="accent1">
+              <a:shade val="50000"/>
+            </a:schemeClr>
+          </a:lnRef>
+          <a:fillRef idx="1">
+            <a:schemeClr val="accent1"/>
+          </a:fillRef>
+          <a:effectRef idx="0">
+            <a:schemeClr val="accent1"/>
+          </a:effectRef>
+          <a:fontRef idx="minor">
+            <a:schemeClr val="lt1"/>
+          </a:fontRef>
+        </p:style>
+        <p:txBody>
+          <a:bodyPr rtlCol="0" anchor="ctr"/>
+          <a:lstStyle/>
+          <a:p>
+            <a:pPr algn="ctr"/>
+            <a:endParaRPr lang="en-US"/>
+          </a:p>
+        </p:txBody>
+      </p:sp>
+      <p:sp>
+        <p:nvSpPr>
+          <p:cNvPr id="52" name="Freeform: Shape 28">
+            <a:extLst>
+              <a:ext uri="{FF2B5EF4-FFF2-40B4-BE49-F238E27FC236}">
+                <a16:creationId xmlns:a16="http://schemas.microsoft.com/office/drawing/2014/main" id="{22735368-17CD-48E3-B886-DF9A79AF5DE8}"/>
+              </a:ext>
+              <a:ext uri="{C183D7F6-B498-43B3-948B-1728B52AA6E4}">
+                <adec:decorative xmlns:adec="http://schemas.microsoft.com/office/drawing/2017/decorative" val="1"/>
+              </a:ext>
+            </a:extLst>
+          </p:cNvPr>
+          <p:cNvSpPr>
+            <a:spLocks noGrp="1" noRot="1" noChangeAspect="1" noMove="1" noResize="1" noEditPoints="1" noAdjustHandles="1" noChangeArrowheads="1" noChangeShapeType="1" noTextEdit="1"/>
+          </p:cNvSpPr>
+          <p:nvPr>
+            <p:extLst>
+              <p:ext uri="{386F3935-93C4-4BCD-93E2-E3B085C9AB24}">
+                <p16:designElem xmlns:p16="http://schemas.microsoft.com/office/powerpoint/2015/main" val="1"/>
+              </p:ext>
+            </p:extLst>
+          </p:nvPr>
+        </p:nvSpPr>
+        <p:spPr>
+          <a:xfrm rot="10800000" flipV="1">
+            <a:off x="8724696" y="3434976"/>
+            <a:ext cx="3467303" cy="1725519"/>
+          </a:xfrm>
+          <a:custGeom>
+            <a:avLst/>
+            <a:gdLst>
+              <a:gd name="connsiteX0" fmla="*/ 3423466 w 3423466"/>
+              <a:gd name="connsiteY0" fmla="*/ 0 h 1718483"/>
+              <a:gd name="connsiteX1" fmla="*/ 1710280 w 3423466"/>
+              <a:gd name="connsiteY1" fmla="*/ 0 h 1718483"/>
+              <a:gd name="connsiteX2" fmla="*/ 1710280 w 3423466"/>
+              <a:gd name="connsiteY2" fmla="*/ 1 h 1718483"/>
+              <a:gd name="connsiteX3" fmla="*/ 0 w 3423466"/>
+              <a:gd name="connsiteY3" fmla="*/ 1 h 1718483"/>
+              <a:gd name="connsiteX4" fmla="*/ 1538022 w 3423466"/>
+              <a:gd name="connsiteY4" fmla="*/ 1709611 h 1718483"/>
+              <a:gd name="connsiteX5" fmla="*/ 1710280 w 3423466"/>
+              <a:gd name="connsiteY5" fmla="*/ 1718336 h 1718483"/>
+              <a:gd name="connsiteX6" fmla="*/ 1710280 w 3423466"/>
+              <a:gd name="connsiteY6" fmla="*/ 1718482 h 1718483"/>
+              <a:gd name="connsiteX7" fmla="*/ 1711723 w 3423466"/>
+              <a:gd name="connsiteY7" fmla="*/ 1718409 h 1718483"/>
+              <a:gd name="connsiteX8" fmla="*/ 1713186 w 3423466"/>
+              <a:gd name="connsiteY8" fmla="*/ 1718483 h 1718483"/>
+              <a:gd name="connsiteX9" fmla="*/ 1713186 w 3423466"/>
+              <a:gd name="connsiteY9" fmla="*/ 1718335 h 1718483"/>
+              <a:gd name="connsiteX10" fmla="*/ 1885444 w 3423466"/>
+              <a:gd name="connsiteY10" fmla="*/ 1709610 h 1718483"/>
+              <a:gd name="connsiteX11" fmla="*/ 3423466 w 3423466"/>
+              <a:gd name="connsiteY11" fmla="*/ 0 h 1718483"/>
+            </a:gdLst>
+            <a:ahLst/>
+            <a:cxnLst>
+              <a:cxn ang="0">
+                <a:pos x="connsiteX0" y="connsiteY0"/>
+              </a:cxn>
+              <a:cxn ang="0">
+                <a:pos x="connsiteX1" y="connsiteY1"/>
+              </a:cxn>
+              <a:cxn ang="0">
+                <a:pos x="connsiteX2" y="connsiteY2"/>
+              </a:cxn>
+              <a:cxn ang="0">
+                <a:pos x="connsiteX3" y="connsiteY3"/>
+              </a:cxn>
+              <a:cxn ang="0">
+                <a:pos x="connsiteX4" y="connsiteY4"/>
+              </a:cxn>
+              <a:cxn ang="0">
+                <a:pos x="connsiteX5" y="connsiteY5"/>
+              </a:cxn>
+              <a:cxn ang="0">
+                <a:pos x="connsiteX6" y="connsiteY6"/>
+              </a:cxn>
+              <a:cxn ang="0">
+                <a:pos x="connsiteX7" y="connsiteY7"/>
+              </a:cxn>
+              <a:cxn ang="0">
+                <a:pos x="connsiteX8" y="connsiteY8"/>
+              </a:cxn>
+              <a:cxn ang="0">
+                <a:pos x="connsiteX9" y="connsiteY9"/>
+              </a:cxn>
+              <a:cxn ang="0">
+                <a:pos x="connsiteX10" y="connsiteY10"/>
+              </a:cxn>
+              <a:cxn ang="0">
+                <a:pos x="connsiteX11" y="connsiteY11"/>
+              </a:cxn>
+            </a:cxnLst>
+            <a:rect l="l" t="t" r="r" b="b"/>
+            <a:pathLst>
+              <a:path w="3423466" h="1718483">
+                <a:moveTo>
+                  <a:pt x="3423466" y="0"/>
+                </a:moveTo>
+                <a:lnTo>
+                  <a:pt x="1710280" y="0"/>
+                </a:lnTo>
+                <a:lnTo>
+                  <a:pt x="1710280" y="1"/>
+                </a:lnTo>
+                <a:lnTo>
+                  <a:pt x="0" y="1"/>
+                </a:lnTo>
+                <a:cubicBezTo>
+                  <a:pt x="0" y="889774"/>
+                  <a:pt x="674138" y="1621607"/>
+                  <a:pt x="1538022" y="1709611"/>
+                </a:cubicBezTo>
+                <a:lnTo>
+                  <a:pt x="1710280" y="1718336"/>
+                </a:lnTo>
+                <a:lnTo>
+                  <a:pt x="1710280" y="1718482"/>
+                </a:lnTo>
+                <a:lnTo>
+                  <a:pt x="1711723" y="1718409"/>
+                </a:lnTo>
+                <a:lnTo>
+                  <a:pt x="1713186" y="1718483"/>
+                </a:lnTo>
+                <a:lnTo>
+                  <a:pt x="1713186" y="1718335"/>
+                </a:lnTo>
+                <a:lnTo>
+                  <a:pt x="1885444" y="1709610"/>
+                </a:lnTo>
+                <a:cubicBezTo>
+                  <a:pt x="2749328" y="1621606"/>
+                  <a:pt x="3423466" y="889773"/>
+                  <a:pt x="3423466" y="0"/>
+                </a:cubicBezTo>
+                <a:close/>
+              </a:path>
+            </a:pathLst>
+          </a:custGeom>
+          <a:solidFill>
+            <a:schemeClr val="accent5"/>
+          </a:solidFill>
+          <a:ln>
+            <a:noFill/>
+          </a:ln>
+        </p:spPr>
+        <p:style>
+          <a:lnRef idx="2">
+            <a:schemeClr val="accent1">
+              <a:shade val="50000"/>
+            </a:schemeClr>
+          </a:lnRef>
+          <a:fillRef idx="1">
+            <a:schemeClr val="accent1"/>
+          </a:fillRef>
+          <a:effectRef idx="0">
+            <a:schemeClr val="accent1"/>
+          </a:effectRef>
+          <a:fontRef idx="minor">
+            <a:schemeClr val="lt1"/>
+          </a:fontRef>
+        </p:style>
+        <p:txBody>
+          <a:bodyPr wrap="square" rtlCol="0" anchor="ctr">
+            <a:noAutofit/>
+          </a:bodyPr>
+          <a:lstStyle/>
+          <a:p>
+            <a:pPr algn="ctr"/>
+            <a:endParaRPr lang="en-US">
+              <a:solidFill>
+                <a:schemeClr val="tx1"/>
+              </a:solidFill>
+            </a:endParaRPr>
+          </a:p>
+        </p:txBody>
+      </p:sp>
+      <p:sp>
+        <p:nvSpPr>
+          <p:cNvPr id="53" name="Freeform: Shape 30">
+            <a:extLst>
+              <a:ext uri="{FF2B5EF4-FFF2-40B4-BE49-F238E27FC236}">
+                <a16:creationId xmlns:a16="http://schemas.microsoft.com/office/drawing/2014/main" id="{B131CD95-4390-46E7-8713-223CE3CADE35}"/>
+              </a:ext>
+              <a:ext uri="{C183D7F6-B498-43B3-948B-1728B52AA6E4}">
+                <adec:decorative xmlns:adec="http://schemas.microsoft.com/office/drawing/2017/decorative" val="1"/>
+              </a:ext>
+            </a:extLst>
+          </p:cNvPr>
+          <p:cNvSpPr>
+            <a:spLocks noGrp="1" noRot="1" noChangeAspect="1" noMove="1" noResize="1" noEditPoints="1" noAdjustHandles="1" noChangeArrowheads="1" noChangeShapeType="1" noTextEdit="1"/>
+          </p:cNvSpPr>
+          <p:nvPr>
+            <p:extLst>
+              <p:ext uri="{386F3935-93C4-4BCD-93E2-E3B085C9AB24}">
+                <p16:designElem xmlns:p16="http://schemas.microsoft.com/office/powerpoint/2015/main" val="1"/>
+              </p:ext>
+            </p:extLst>
+          </p:nvPr>
+        </p:nvSpPr>
+        <p:spPr>
+          <a:xfrm rot="10800000" flipV="1">
+            <a:off x="8724696" y="5160552"/>
+            <a:ext cx="3467303" cy="1690189"/>
+          </a:xfrm>
+          <a:custGeom>
+            <a:avLst/>
+            <a:gdLst>
+              <a:gd name="connsiteX0" fmla="*/ 3423466 w 3423466"/>
+              <a:gd name="connsiteY0" fmla="*/ 0 h 1718483"/>
+              <a:gd name="connsiteX1" fmla="*/ 1710280 w 3423466"/>
+              <a:gd name="connsiteY1" fmla="*/ 0 h 1718483"/>
+              <a:gd name="connsiteX2" fmla="*/ 1710280 w 3423466"/>
+              <a:gd name="connsiteY2" fmla="*/ 1 h 1718483"/>
+              <a:gd name="connsiteX3" fmla="*/ 0 w 3423466"/>
+              <a:gd name="connsiteY3" fmla="*/ 1 h 1718483"/>
+              <a:gd name="connsiteX4" fmla="*/ 1538022 w 3423466"/>
+              <a:gd name="connsiteY4" fmla="*/ 1709611 h 1718483"/>
+              <a:gd name="connsiteX5" fmla="*/ 1710280 w 3423466"/>
+              <a:gd name="connsiteY5" fmla="*/ 1718336 h 1718483"/>
+              <a:gd name="connsiteX6" fmla="*/ 1710280 w 3423466"/>
+              <a:gd name="connsiteY6" fmla="*/ 1718482 h 1718483"/>
+              <a:gd name="connsiteX7" fmla="*/ 1711723 w 3423466"/>
+              <a:gd name="connsiteY7" fmla="*/ 1718409 h 1718483"/>
+              <a:gd name="connsiteX8" fmla="*/ 1713186 w 3423466"/>
+              <a:gd name="connsiteY8" fmla="*/ 1718483 h 1718483"/>
+              <a:gd name="connsiteX9" fmla="*/ 1713186 w 3423466"/>
+              <a:gd name="connsiteY9" fmla="*/ 1718335 h 1718483"/>
+              <a:gd name="connsiteX10" fmla="*/ 1885444 w 3423466"/>
+              <a:gd name="connsiteY10" fmla="*/ 1709610 h 1718483"/>
+              <a:gd name="connsiteX11" fmla="*/ 3423466 w 3423466"/>
+              <a:gd name="connsiteY11" fmla="*/ 0 h 1718483"/>
+            </a:gdLst>
+            <a:ahLst/>
+            <a:cxnLst>
+              <a:cxn ang="0">
+                <a:pos x="connsiteX0" y="connsiteY0"/>
+              </a:cxn>
+              <a:cxn ang="0">
+                <a:pos x="connsiteX1" y="connsiteY1"/>
+              </a:cxn>
+              <a:cxn ang="0">
+                <a:pos x="connsiteX2" y="connsiteY2"/>
+              </a:cxn>
+              <a:cxn ang="0">
+                <a:pos x="connsiteX3" y="connsiteY3"/>
+              </a:cxn>
+              <a:cxn ang="0">
+                <a:pos x="connsiteX4" y="connsiteY4"/>
+              </a:cxn>
+              <a:cxn ang="0">
+                <a:pos x="connsiteX5" y="connsiteY5"/>
+              </a:cxn>
+              <a:cxn ang="0">
+                <a:pos x="connsiteX6" y="connsiteY6"/>
+              </a:cxn>
+              <a:cxn ang="0">
+                <a:pos x="connsiteX7" y="connsiteY7"/>
+              </a:cxn>
+              <a:cxn ang="0">
+                <a:pos x="connsiteX8" y="connsiteY8"/>
+              </a:cxn>
+              <a:cxn ang="0">
+                <a:pos x="connsiteX9" y="connsiteY9"/>
+              </a:cxn>
+              <a:cxn ang="0">
+                <a:pos x="connsiteX10" y="connsiteY10"/>
+              </a:cxn>
+              <a:cxn ang="0">
+                <a:pos x="connsiteX11" y="connsiteY11"/>
+              </a:cxn>
+            </a:cxnLst>
+            <a:rect l="l" t="t" r="r" b="b"/>
+            <a:pathLst>
+              <a:path w="3423466" h="1718483">
+                <a:moveTo>
+                  <a:pt x="3423466" y="0"/>
+                </a:moveTo>
+                <a:lnTo>
+                  <a:pt x="1710280" y="0"/>
+                </a:lnTo>
+                <a:lnTo>
+                  <a:pt x="1710280" y="1"/>
+                </a:lnTo>
+                <a:lnTo>
+                  <a:pt x="0" y="1"/>
+                </a:lnTo>
+                <a:cubicBezTo>
+                  <a:pt x="0" y="889774"/>
+                  <a:pt x="674138" y="1621607"/>
+                  <a:pt x="1538022" y="1709611"/>
+                </a:cubicBezTo>
+                <a:lnTo>
+                  <a:pt x="1710280" y="1718336"/>
+                </a:lnTo>
+                <a:lnTo>
+                  <a:pt x="1710280" y="1718482"/>
+                </a:lnTo>
+                <a:lnTo>
+                  <a:pt x="1711723" y="1718409"/>
+                </a:lnTo>
+                <a:lnTo>
+                  <a:pt x="1713186" y="1718483"/>
+                </a:lnTo>
+                <a:lnTo>
+                  <a:pt x="1713186" y="1718335"/>
+                </a:lnTo>
+                <a:lnTo>
+                  <a:pt x="1885444" y="1709610"/>
+                </a:lnTo>
+                <a:cubicBezTo>
+                  <a:pt x="2749328" y="1621606"/>
+                  <a:pt x="3423466" y="889773"/>
+                  <a:pt x="3423466" y="0"/>
+                </a:cubicBezTo>
+                <a:close/>
+              </a:path>
+            </a:pathLst>
+          </a:custGeom>
+          <a:solidFill>
+            <a:schemeClr val="accent5"/>
+          </a:solidFill>
+          <a:ln>
+            <a:noFill/>
+          </a:ln>
+        </p:spPr>
+        <p:style>
+          <a:lnRef idx="2">
+            <a:schemeClr val="accent1">
+              <a:shade val="50000"/>
+            </a:schemeClr>
+          </a:lnRef>
+          <a:fillRef idx="1">
+            <a:schemeClr val="accent1"/>
+          </a:fillRef>
+          <a:effectRef idx="0">
+            <a:schemeClr val="accent1"/>
+          </a:effectRef>
+          <a:fontRef idx="minor">
+            <a:schemeClr val="lt1"/>
+          </a:fontRef>
+        </p:style>
+        <p:txBody>
+          <a:bodyPr wrap="square" rtlCol="0" anchor="ctr">
+            <a:noAutofit/>
+          </a:bodyPr>
+          <a:lstStyle/>
+          <a:p>
+            <a:pPr algn="ctr"/>
+            <a:endParaRPr lang="en-US">
+              <a:solidFill>
+                <a:schemeClr val="tx1"/>
+              </a:solidFill>
+            </a:endParaRPr>
+          </a:p>
+        </p:txBody>
+      </p:sp>
+    </p:spTree>
+    <p:extLst>
+      <p:ext uri="{BB962C8B-B14F-4D97-AF65-F5344CB8AC3E}">
+        <p14:creationId xmlns:p14="http://schemas.microsoft.com/office/powerpoint/2010/main" val="1823647777"/>
+      </p:ext>
+    </p:extLst>
+  </p:cSld>
+  <p:clrMapOvr>
+    <a:masterClrMapping/>
+  </p:clrMapOvr>
+</p:sld>
+</file>
+
 <file path=ppt/slides/slide2.xml><?xml version="1.0" encoding="utf-8"?>
 <p:sld xmlns:a="http://schemas.openxmlformats.org/drawingml/2006/main" xmlns:r="http://schemas.openxmlformats.org/officeDocument/2006/relationships" xmlns:p="http://schemas.openxmlformats.org/presentationml/2006/main">
   <p:cSld>
@@ -7536,14 +8981,14 @@
             <p:ph idx="1"/>
             <p:extLst>
               <p:ext uri="{D42A27DB-BD31-4B8C-83A1-F6EECF244321}">
-                <p14:modId xmlns:p14="http://schemas.microsoft.com/office/powerpoint/2010/main" val="1446209424"/>
+                <p14:modId xmlns:p14="http://schemas.microsoft.com/office/powerpoint/2010/main" val="3863037210"/>
               </p:ext>
             </p:extLst>
           </p:nvPr>
         </p:nvGraphicFramePr>
         <p:xfrm>
           <a:off x="1077913" y="2427288"/>
-          <a:ext cx="9778254" cy="2021840"/>
+          <a:ext cx="9778254" cy="2936240"/>
         </p:xfrm>
         <a:graphic>
           <a:graphicData uri="http://schemas.openxmlformats.org/drawingml/2006/table">
@@ -7718,6 +9163,40 @@
                 <a:extLst>
                   <a:ext uri="{0D108BD9-81ED-4DB2-BD59-A6C34878D82A}">
                     <a16:rowId xmlns:a16="http://schemas.microsoft.com/office/drawing/2014/main" val="2088855550"/>
+                  </a:ext>
+                </a:extLst>
+              </a:tr>
+              <a:tr h="370840">
+                <a:tc>
+                  <a:txBody>
+                    <a:bodyPr/>
+                    <a:lstStyle/>
+                    <a:p>
+                      <a:pPr algn="ctr"/>
+                      <a:r>
+                        <a:rPr lang="en-GB" b="1" dirty="0"/>
+                        <a:t>cPanel / AWS</a:t>
+                      </a:r>
+                    </a:p>
+                  </a:txBody>
+                  <a:tcPr/>
+                </a:tc>
+                <a:tc>
+                  <a:txBody>
+                    <a:bodyPr/>
+                    <a:lstStyle/>
+                    <a:p>
+                      <a:r>
+                        <a:rPr lang="en-GB" dirty="0"/>
+                        <a:t>Used as the deployment environment to test application in the real-world production and predict / reflect on the integration behaviour</a:t>
+                      </a:r>
+                    </a:p>
+                  </a:txBody>
+                  <a:tcPr/>
+                </a:tc>
+                <a:extLst>
+                  <a:ext uri="{0D108BD9-81ED-4DB2-BD59-A6C34878D82A}">
+                    <a16:rowId xmlns:a16="http://schemas.microsoft.com/office/drawing/2014/main" val="669438262"/>
                   </a:ext>
                 </a:extLst>
               </a:tr>
@@ -8180,7 +9659,7 @@
           <a:p>
             <a:r>
               <a:rPr lang="en-US" dirty="0"/>
-              <a:t>Test plan</a:t>
+              <a:t>Test plan (abstract)</a:t>
             </a:r>
           </a:p>
         </p:txBody>
@@ -8206,7 +9685,44 @@
           <a:bodyPr/>
           <a:lstStyle/>
           <a:p>
+            <a:pPr marL="0" indent="0">
+              <a:buNone/>
+            </a:pPr>
+            <a:r>
+              <a:rPr lang="en-GB" dirty="0"/>
+              <a:t>Each major group of features or feature combinations should be tested using the JUnit library with the pre-defined careful identification of the expected result and the input data:</a:t>
+            </a:r>
             <a:endParaRPr lang="en-US" dirty="0"/>
+          </a:p>
+          <a:p>
+            <a:r>
+              <a:rPr lang="en-US" dirty="0"/>
+              <a:t>Each function, feature or factory</a:t>
+            </a:r>
+          </a:p>
+          <a:p>
+            <a:r>
+              <a:rPr lang="en-US" dirty="0"/>
+              <a:t>The Port Application interface as the overall system</a:t>
+            </a:r>
+          </a:p>
+          <a:p>
+            <a:r>
+              <a:rPr lang="en-US" dirty="0"/>
+              <a:t>REST related features and how do they interact with other services</a:t>
+            </a:r>
+          </a:p>
+          <a:p>
+            <a:r>
+              <a:rPr lang="en-US" dirty="0"/>
+              <a:t>DB connection and is healthy status check</a:t>
+            </a:r>
+          </a:p>
+          <a:p>
+            <a:r>
+              <a:rPr lang="en-US" dirty="0"/>
+              <a:t>Does the application build successfully and does not contain any broken code or packages</a:t>
+            </a:r>
           </a:p>
         </p:txBody>
       </p:sp>
@@ -8284,14 +9800,14 @@
             <p:ph idx="1"/>
             <p:extLst>
               <p:ext uri="{D42A27DB-BD31-4B8C-83A1-F6EECF244321}">
-                <p14:modId xmlns:p14="http://schemas.microsoft.com/office/powerpoint/2010/main" val="1144143710"/>
+                <p14:modId xmlns:p14="http://schemas.microsoft.com/office/powerpoint/2010/main" val="2269257103"/>
               </p:ext>
             </p:extLst>
           </p:nvPr>
         </p:nvGraphicFramePr>
         <p:xfrm>
-          <a:off x="1077913" y="2427288"/>
-          <a:ext cx="9778254" cy="741680"/>
+          <a:off x="1077913" y="2477729"/>
+          <a:ext cx="9778254" cy="1849120"/>
         </p:xfrm>
         <a:graphic>
           <a:graphicData uri="http://schemas.openxmlformats.org/drawingml/2006/table">
@@ -8315,7 +9831,7 @@
                   </a:extLst>
                 </a:gridCol>
               </a:tblGrid>
-              <a:tr h="370840">
+              <a:tr h="320399">
                 <a:tc>
                   <a:txBody>
                     <a:bodyPr/>
@@ -8344,7 +9860,10 @@
                     <a:bodyPr/>
                     <a:lstStyle/>
                     <a:p>
-                      <a:endParaRPr lang="en-GB" dirty="0"/>
+                      <a:r>
+                        <a:rPr lang="en-GB" dirty="0"/>
+                        <a:t>Stores the application files and configuration</a:t>
+                      </a:r>
                     </a:p>
                   </a:txBody>
                   <a:tcPr/>
@@ -8375,7 +9894,27 @@
                     <a:bodyPr/>
                     <a:lstStyle/>
                     <a:p>
-                      <a:endParaRPr lang="en-GB" dirty="0"/>
+                      <a:pPr marL="0" marR="0" lvl="0" indent="0" algn="l" defTabSz="914400" rtl="0" eaLnBrk="1" fontAlgn="auto" latinLnBrk="0" hangingPunct="1">
+                        <a:lnSpc>
+                          <a:spcPct val="100000"/>
+                        </a:lnSpc>
+                        <a:spcBef>
+                          <a:spcPts val="0"/>
+                        </a:spcBef>
+                        <a:spcAft>
+                          <a:spcPts val="0"/>
+                        </a:spcAft>
+                        <a:buClrTx/>
+                        <a:buSzTx/>
+                        <a:buFontTx/>
+                        <a:buNone/>
+                        <a:tabLst/>
+                        <a:defRPr/>
+                      </a:pPr>
+                      <a:r>
+                        <a:rPr lang="en-GB" dirty="0"/>
+                        <a:t>CD script for build, test and deploy</a:t>
+                      </a:r>
                     </a:p>
                   </a:txBody>
                   <a:tcPr/>
@@ -8383,6 +9922,108 @@
                 <a:extLst>
                   <a:ext uri="{0D108BD9-81ED-4DB2-BD59-A6C34878D82A}">
                     <a16:rowId xmlns:a16="http://schemas.microsoft.com/office/drawing/2014/main" val="1848279034"/>
+                  </a:ext>
+                </a:extLst>
+              </a:tr>
+              <a:tr h="370840">
+                <a:tc>
+                  <a:txBody>
+                    <a:bodyPr/>
+                    <a:lstStyle/>
+                    <a:p>
+                      <a:pPr algn="ctr"/>
+                      <a:r>
+                        <a:rPr lang="en-GB" b="1" dirty="0"/>
+                        <a:t>Test Pass</a:t>
+                      </a:r>
+                    </a:p>
+                  </a:txBody>
+                  <a:tcPr/>
+                </a:tc>
+                <a:tc>
+                  <a:txBody>
+                    <a:bodyPr/>
+                    <a:lstStyle/>
+                    <a:p>
+                      <a:r>
+                        <a:rPr lang="en-GB" dirty="0"/>
+                        <a:t>The CD pipeline must pass to deploy the application</a:t>
+                      </a:r>
+                    </a:p>
+                  </a:txBody>
+                  <a:tcPr/>
+                </a:tc>
+                <a:extLst>
+                  <a:ext uri="{0D108BD9-81ED-4DB2-BD59-A6C34878D82A}">
+                    <a16:rowId xmlns:a16="http://schemas.microsoft.com/office/drawing/2014/main" val="4050618035"/>
+                  </a:ext>
+                </a:extLst>
+              </a:tr>
+              <a:tr h="370840">
+                <a:tc>
+                  <a:txBody>
+                    <a:bodyPr/>
+                    <a:lstStyle/>
+                    <a:p>
+                      <a:pPr algn="ctr"/>
+                      <a:r>
+                        <a:rPr lang="en-GB" b="1" dirty="0"/>
+                        <a:t>Production environment</a:t>
+                      </a:r>
+                    </a:p>
+                  </a:txBody>
+                  <a:tcPr/>
+                </a:tc>
+                <a:tc>
+                  <a:txBody>
+                    <a:bodyPr/>
+                    <a:lstStyle/>
+                    <a:p>
+                      <a:r>
+                        <a:rPr lang="en-GB" dirty="0"/>
+                        <a:t>Hosting that receives the build files (AWS, cPanel, etc.)</a:t>
+                      </a:r>
+                    </a:p>
+                  </a:txBody>
+                  <a:tcPr/>
+                </a:tc>
+                <a:extLst>
+                  <a:ext uri="{0D108BD9-81ED-4DB2-BD59-A6C34878D82A}">
+                    <a16:rowId xmlns:a16="http://schemas.microsoft.com/office/drawing/2014/main" val="506099880"/>
+                  </a:ext>
+                </a:extLst>
+              </a:tr>
+              <a:tr h="370840">
+                <a:tc>
+                  <a:txBody>
+                    <a:bodyPr/>
+                    <a:lstStyle/>
+                    <a:p>
+                      <a:pPr algn="ctr"/>
+                      <a:r>
+                        <a:rPr lang="en-GB" b="1" dirty="0"/>
+                        <a:t>Deployment script</a:t>
+                      </a:r>
+                    </a:p>
+                  </a:txBody>
+                  <a:tcPr/>
+                </a:tc>
+                <a:tc>
+                  <a:txBody>
+                    <a:bodyPr/>
+                    <a:lstStyle/>
+                    <a:p>
+                      <a:r>
+                        <a:rPr lang="en-GB" dirty="0"/>
+                        <a:t>A custom script, or the ARM template</a:t>
+                      </a:r>
+                    </a:p>
+                  </a:txBody>
+                  <a:tcPr/>
+                </a:tc>
+                <a:extLst>
+                  <a:ext uri="{0D108BD9-81ED-4DB2-BD59-A6C34878D82A}">
+                    <a16:rowId xmlns:a16="http://schemas.microsoft.com/office/drawing/2014/main" val="2788064769"/>
                   </a:ext>
                 </a:extLst>
               </a:tr>
@@ -8428,12 +10069,138 @@
           <a:chExt cx="0" cy="0"/>
         </a:xfrm>
       </p:grpSpPr>
+      <p:sp>
+        <p:nvSpPr>
+          <p:cNvPr id="22" name="Freeform: Shape 21">
+            <a:extLst>
+              <a:ext uri="{FF2B5EF4-FFF2-40B4-BE49-F238E27FC236}">
+                <a16:creationId xmlns:a16="http://schemas.microsoft.com/office/drawing/2014/main" id="{AE192E3E-68A9-4F36-936C-1C8D0B9EF132}"/>
+              </a:ext>
+              <a:ext uri="{C183D7F6-B498-43B3-948B-1728B52AA6E4}">
+                <adec:decorative xmlns:adec="http://schemas.microsoft.com/office/drawing/2017/decorative" val="1"/>
+              </a:ext>
+            </a:extLst>
+          </p:cNvPr>
+          <p:cNvSpPr>
+            <a:spLocks noGrp="1" noRot="1" noChangeAspect="1" noMove="1" noResize="1" noEditPoints="1" noAdjustHandles="1" noChangeArrowheads="1" noChangeShapeType="1" noTextEdit="1"/>
+          </p:cNvSpPr>
+          <p:nvPr>
+            <p:extLst>
+              <p:ext uri="{386F3935-93C4-4BCD-93E2-E3B085C9AB24}">
+                <p16:designElem xmlns:p16="http://schemas.microsoft.com/office/powerpoint/2015/main" val="1"/>
+              </p:ext>
+            </p:extLst>
+          </p:nvPr>
+        </p:nvSpPr>
+        <p:spPr>
+          <a:xfrm>
+            <a:off x="8803792" y="3455896"/>
+            <a:ext cx="3388208" cy="3406341"/>
+          </a:xfrm>
+          <a:custGeom>
+            <a:avLst/>
+            <a:gdLst>
+              <a:gd name="connsiteX0" fmla="*/ 3388058 w 3388208"/>
+              <a:gd name="connsiteY0" fmla="*/ 0 h 3406341"/>
+              <a:gd name="connsiteX1" fmla="*/ 3388208 w 3388208"/>
+              <a:gd name="connsiteY1" fmla="*/ 0 h 3406341"/>
+              <a:gd name="connsiteX2" fmla="*/ 3388208 w 3388208"/>
+              <a:gd name="connsiteY2" fmla="*/ 3406341 h 3406341"/>
+              <a:gd name="connsiteX3" fmla="*/ 0 w 3388208"/>
+              <a:gd name="connsiteY3" fmla="*/ 3406341 h 3406341"/>
+              <a:gd name="connsiteX4" fmla="*/ 79006 w 3388208"/>
+              <a:gd name="connsiteY4" fmla="*/ 3404386 h 3406341"/>
+              <a:gd name="connsiteX5" fmla="*/ 3383947 w 3388208"/>
+              <a:gd name="connsiteY5" fmla="*/ 164274 h 3406341"/>
+            </a:gdLst>
+            <a:ahLst/>
+            <a:cxnLst>
+              <a:cxn ang="0">
+                <a:pos x="connsiteX0" y="connsiteY0"/>
+              </a:cxn>
+              <a:cxn ang="0">
+                <a:pos x="connsiteX1" y="connsiteY1"/>
+              </a:cxn>
+              <a:cxn ang="0">
+                <a:pos x="connsiteX2" y="connsiteY2"/>
+              </a:cxn>
+              <a:cxn ang="0">
+                <a:pos x="connsiteX3" y="connsiteY3"/>
+              </a:cxn>
+              <a:cxn ang="0">
+                <a:pos x="connsiteX4" y="connsiteY4"/>
+              </a:cxn>
+              <a:cxn ang="0">
+                <a:pos x="connsiteX5" y="connsiteY5"/>
+              </a:cxn>
+            </a:cxnLst>
+            <a:rect l="l" t="t" r="r" b="b"/>
+            <a:pathLst>
+              <a:path w="3388208" h="3406341">
+                <a:moveTo>
+                  <a:pt x="3388058" y="0"/>
+                </a:moveTo>
+                <a:lnTo>
+                  <a:pt x="3388208" y="0"/>
+                </a:lnTo>
+                <a:lnTo>
+                  <a:pt x="3388208" y="3406341"/>
+                </a:lnTo>
+                <a:lnTo>
+                  <a:pt x="0" y="3406341"/>
+                </a:lnTo>
+                <a:lnTo>
+                  <a:pt x="79006" y="3404386"/>
+                </a:lnTo>
+                <a:cubicBezTo>
+                  <a:pt x="1864742" y="3315784"/>
+                  <a:pt x="3296223" y="1912901"/>
+                  <a:pt x="3383947" y="164274"/>
+                </a:cubicBezTo>
+                <a:close/>
+              </a:path>
+            </a:pathLst>
+          </a:custGeom>
+          <a:solidFill>
+            <a:schemeClr val="accent5"/>
+          </a:solidFill>
+          <a:ln>
+            <a:noFill/>
+          </a:ln>
+        </p:spPr>
+        <p:style>
+          <a:lnRef idx="2">
+            <a:schemeClr val="accent1">
+              <a:shade val="50000"/>
+            </a:schemeClr>
+          </a:lnRef>
+          <a:fillRef idx="1">
+            <a:schemeClr val="accent1"/>
+          </a:fillRef>
+          <a:effectRef idx="0">
+            <a:schemeClr val="accent1"/>
+          </a:effectRef>
+          <a:fontRef idx="minor">
+            <a:schemeClr val="lt1"/>
+          </a:fontRef>
+        </p:style>
+        <p:txBody>
+          <a:bodyPr wrap="square" rtlCol="0" anchor="ctr">
+            <a:noAutofit/>
+          </a:bodyPr>
+          <a:lstStyle/>
+          <a:p>
+            <a:pPr algn="ctr"/>
+            <a:endParaRPr lang="en-US"/>
+          </a:p>
+        </p:txBody>
+      </p:sp>
       <p:sp useBgFill="1">
         <p:nvSpPr>
-          <p:cNvPr id="17" name="Rectangle 9">
-            <a:extLst>
-              <a:ext uri="{FF2B5EF4-FFF2-40B4-BE49-F238E27FC236}">
-                <a16:creationId xmlns:a16="http://schemas.microsoft.com/office/drawing/2014/main" id="{7DC12D2C-21A1-44CF-BA29-D0EE453AB701}"/>
+          <p:cNvPr id="24" name="Rectangle 23">
+            <a:extLst>
+              <a:ext uri="{FF2B5EF4-FFF2-40B4-BE49-F238E27FC236}">
+                <a16:creationId xmlns:a16="http://schemas.microsoft.com/office/drawing/2014/main" id="{845648E2-B946-43A1-80DE-C50CBBDF92FA}"/>
               </a:ext>
               <a:ext uri="{C183D7F6-B498-43B3-948B-1728B52AA6E4}">
                 <adec:decorative xmlns:adec="http://schemas.microsoft.com/office/drawing/2017/decorative" val="1"/>
@@ -8506,10 +10273,10 @@
       </p:sp>
       <p:sp>
         <p:nvSpPr>
-          <p:cNvPr id="2" name="Title 1">
-            <a:extLst>
-              <a:ext uri="{FF2B5EF4-FFF2-40B4-BE49-F238E27FC236}">
-                <a16:creationId xmlns:a16="http://schemas.microsoft.com/office/drawing/2014/main" id="{42E02457-1F6E-864B-BE92-1849C1385466}"/>
+          <p:cNvPr id="6" name="Title 5">
+            <a:extLst>
+              <a:ext uri="{FF2B5EF4-FFF2-40B4-BE49-F238E27FC236}">
+                <a16:creationId xmlns:a16="http://schemas.microsoft.com/office/drawing/2014/main" id="{70F41AF6-F0D5-C64E-9AA9-68831B741996}"/>
               </a:ext>
             </a:extLst>
           </p:cNvPr>
@@ -8522,29 +10289,36 @@
         </p:nvSpPr>
         <p:spPr>
           <a:xfrm>
-            <a:off x="1077363" y="4084869"/>
-            <a:ext cx="3439876" cy="2005151"/>
+            <a:off x="1084728" y="1597961"/>
+            <a:ext cx="3795812" cy="3162300"/>
           </a:xfrm>
         </p:spPr>
         <p:txBody>
-          <a:bodyPr anchor="t">
+          <a:bodyPr vert="horz" lIns="91440" tIns="45720" rIns="91440" bIns="45720" rtlCol="0" anchor="b">
             <a:normAutofit/>
           </a:bodyPr>
           <a:lstStyle/>
           <a:p>
             <a:r>
-              <a:rPr lang="en-US" dirty="0"/>
-              <a:t>Deployment Flow &amp; requirements</a:t>
+              <a:rPr lang="en-US"/>
+              <a:t>SamKirkland</a:t>
             </a:r>
-          </a:p>
-        </p:txBody>
-      </p:sp>
-      <p:sp>
-        <p:nvSpPr>
-          <p:cNvPr id="18" name="Rectangle 11">
-            <a:extLst>
-              <a:ext uri="{FF2B5EF4-FFF2-40B4-BE49-F238E27FC236}">
-                <a16:creationId xmlns:a16="http://schemas.microsoft.com/office/drawing/2014/main" id="{95598DD8-827C-48DB-AD4F-AEBB72483D50}"/>
+            <a:br>
+              <a:rPr lang="en-US"/>
+            </a:br>
+            <a:r>
+              <a:rPr lang="en-US"/>
+              <a:t>/ftp-deploy-action</a:t>
+            </a:r>
+          </a:p>
+        </p:txBody>
+      </p:sp>
+      <p:sp>
+        <p:nvSpPr>
+          <p:cNvPr id="26" name="Freeform: Shape 25">
+            <a:extLst>
+              <a:ext uri="{FF2B5EF4-FFF2-40B4-BE49-F238E27FC236}">
+                <a16:creationId xmlns:a16="http://schemas.microsoft.com/office/drawing/2014/main" id="{EA06546B-3E90-4E24-BD32-C6BFD1CD8D20}"/>
               </a:ext>
               <a:ext uri="{C183D7F6-B498-43B3-948B-1728B52AA6E4}">
                 <adec:decorative xmlns:adec="http://schemas.microsoft.com/office/drawing/2017/decorative" val="1"/>
@@ -8563,220 +10337,25 @@
           </p:nvPr>
         </p:nvSpPr>
         <p:spPr>
-          <a:xfrm rot="10800000">
-            <a:off x="-1" y="-1557"/>
-            <a:ext cx="5223349" cy="3420239"/>
-          </a:xfrm>
-          <a:prstGeom prst="rect">
-            <a:avLst/>
-          </a:prstGeom>
-          <a:solidFill>
-            <a:schemeClr val="accent1">
-              <a:lumMod val="60000"/>
-              <a:lumOff val="40000"/>
-            </a:schemeClr>
-          </a:solidFill>
-          <a:ln>
-            <a:noFill/>
-          </a:ln>
-        </p:spPr>
-        <p:style>
-          <a:lnRef idx="2">
-            <a:schemeClr val="accent1">
-              <a:shade val="50000"/>
-            </a:schemeClr>
-          </a:lnRef>
-          <a:fillRef idx="1">
-            <a:schemeClr val="accent1"/>
-          </a:fillRef>
-          <a:effectRef idx="0">
-            <a:schemeClr val="accent1"/>
-          </a:effectRef>
-          <a:fontRef idx="minor">
-            <a:schemeClr val="lt1"/>
-          </a:fontRef>
-        </p:style>
-        <p:txBody>
-          <a:bodyPr rtlCol="0" anchor="ctr"/>
-          <a:lstStyle/>
-          <a:p>
-            <a:pPr algn="ctr"/>
-            <a:endParaRPr lang="en-US"/>
-          </a:p>
-        </p:txBody>
-      </p:sp>
-      <p:sp>
-        <p:nvSpPr>
-          <p:cNvPr id="19" name="Rectangle 34">
-            <a:extLst>
-              <a:ext uri="{FF2B5EF4-FFF2-40B4-BE49-F238E27FC236}">
-                <a16:creationId xmlns:a16="http://schemas.microsoft.com/office/drawing/2014/main" id="{EB40E5E0-6677-497A-8E9D-E8575E276FA0}"/>
-              </a:ext>
-              <a:ext uri="{C183D7F6-B498-43B3-948B-1728B52AA6E4}">
-                <adec:decorative xmlns:adec="http://schemas.microsoft.com/office/drawing/2017/decorative" val="1"/>
-              </a:ext>
-            </a:extLst>
-          </p:cNvPr>
-          <p:cNvSpPr>
-            <a:spLocks noGrp="1" noRot="1" noChangeAspect="1" noMove="1" noResize="1" noEditPoints="1" noAdjustHandles="1" noChangeArrowheads="1" noChangeShapeType="1" noTextEdit="1"/>
-          </p:cNvSpPr>
-          <p:nvPr>
-            <p:extLst>
-              <p:ext uri="{386F3935-93C4-4BCD-93E2-E3B085C9AB24}">
-                <p16:designElem xmlns:p16="http://schemas.microsoft.com/office/powerpoint/2015/main" val="1"/>
-              </p:ext>
-            </p:extLst>
-          </p:nvPr>
-        </p:nvSpPr>
-        <p:spPr>
-          <a:xfrm rot="10800000">
-            <a:off x="1783473" y="3856"/>
-            <a:ext cx="3439876" cy="3414827"/>
+          <a:xfrm rot="16200000">
+            <a:off x="8794726" y="-9066"/>
+            <a:ext cx="3388208" cy="3406341"/>
           </a:xfrm>
           <a:custGeom>
             <a:avLst/>
             <a:gdLst>
-              <a:gd name="connsiteX0" fmla="*/ 0 w 3484819"/>
-              <a:gd name="connsiteY0" fmla="*/ 0 h 3430264"/>
-              <a:gd name="connsiteX1" fmla="*/ 3484819 w 3484819"/>
-              <a:gd name="connsiteY1" fmla="*/ 0 h 3430264"/>
-              <a:gd name="connsiteX2" fmla="*/ 3484819 w 3484819"/>
-              <a:gd name="connsiteY2" fmla="*/ 3430264 h 3430264"/>
-              <a:gd name="connsiteX3" fmla="*/ 0 w 3484819"/>
-              <a:gd name="connsiteY3" fmla="*/ 3430264 h 3430264"/>
-              <a:gd name="connsiteX4" fmla="*/ 0 w 3484819"/>
-              <a:gd name="connsiteY4" fmla="*/ 0 h 3430264"/>
-              <a:gd name="connsiteX0" fmla="*/ 0 w 3484819"/>
-              <a:gd name="connsiteY0" fmla="*/ 0 h 3430264"/>
-              <a:gd name="connsiteX1" fmla="*/ 3484819 w 3484819"/>
-              <a:gd name="connsiteY1" fmla="*/ 0 h 3430264"/>
-              <a:gd name="connsiteX2" fmla="*/ 0 w 3484819"/>
-              <a:gd name="connsiteY2" fmla="*/ 3430264 h 3430264"/>
-              <a:gd name="connsiteX3" fmla="*/ 0 w 3484819"/>
-              <a:gd name="connsiteY3" fmla="*/ 0 h 3430264"/>
-            </a:gdLst>
-            <a:ahLst/>
-            <a:cxnLst>
-              <a:cxn ang="0">
-                <a:pos x="connsiteX0" y="connsiteY0"/>
-              </a:cxn>
-              <a:cxn ang="0">
-                <a:pos x="connsiteX1" y="connsiteY1"/>
-              </a:cxn>
-              <a:cxn ang="0">
-                <a:pos x="connsiteX2" y="connsiteY2"/>
-              </a:cxn>
-              <a:cxn ang="0">
-                <a:pos x="connsiteX3" y="connsiteY3"/>
-              </a:cxn>
-            </a:cxnLst>
-            <a:rect l="l" t="t" r="r" b="b"/>
-            <a:pathLst>
-              <a:path w="3484819" h="3430264">
-                <a:moveTo>
-                  <a:pt x="0" y="0"/>
-                </a:moveTo>
-                <a:lnTo>
-                  <a:pt x="3484819" y="0"/>
-                </a:lnTo>
-                <a:lnTo>
-                  <a:pt x="0" y="3430264"/>
-                </a:lnTo>
-                <a:lnTo>
-                  <a:pt x="0" y="0"/>
-                </a:lnTo>
-                <a:close/>
-              </a:path>
-            </a:pathLst>
-          </a:custGeom>
-          <a:solidFill>
-            <a:schemeClr val="accent4">
-              <a:lumMod val="40000"/>
-              <a:lumOff val="60000"/>
-            </a:schemeClr>
-          </a:solidFill>
-          <a:ln>
-            <a:noFill/>
-          </a:ln>
-        </p:spPr>
-        <p:style>
-          <a:lnRef idx="2">
-            <a:schemeClr val="accent1">
-              <a:shade val="50000"/>
-            </a:schemeClr>
-          </a:lnRef>
-          <a:fillRef idx="1">
-            <a:schemeClr val="accent1"/>
-          </a:fillRef>
-          <a:effectRef idx="0">
-            <a:schemeClr val="accent1"/>
-          </a:effectRef>
-          <a:fontRef idx="minor">
-            <a:schemeClr val="lt1"/>
-          </a:fontRef>
-        </p:style>
-        <p:txBody>
-          <a:bodyPr rtlCol="0" anchor="ctr"/>
-          <a:lstStyle/>
-          <a:p>
-            <a:pPr algn="ctr"/>
-            <a:endParaRPr lang="en-US"/>
-          </a:p>
-        </p:txBody>
-      </p:sp>
-      <p:sp>
-        <p:nvSpPr>
-          <p:cNvPr id="16" name="Freeform: Shape 15">
-            <a:extLst>
-              <a:ext uri="{FF2B5EF4-FFF2-40B4-BE49-F238E27FC236}">
-                <a16:creationId xmlns:a16="http://schemas.microsoft.com/office/drawing/2014/main" id="{AC46E49D-1D37-455E-BDA2-28DAF3721470}"/>
-              </a:ext>
-              <a:ext uri="{C183D7F6-B498-43B3-948B-1728B52AA6E4}">
-                <adec:decorative xmlns:adec="http://schemas.microsoft.com/office/drawing/2017/decorative" val="1"/>
-              </a:ext>
-            </a:extLst>
-          </p:cNvPr>
-          <p:cNvSpPr>
-            <a:spLocks noGrp="1" noRot="1" noChangeAspect="1" noMove="1" noResize="1" noEditPoints="1" noAdjustHandles="1" noChangeArrowheads="1" noChangeShapeType="1" noTextEdit="1"/>
-          </p:cNvSpPr>
-          <p:nvPr>
-            <p:extLst>
-              <p:ext uri="{386F3935-93C4-4BCD-93E2-E3B085C9AB24}">
-                <p16:designElem xmlns:p16="http://schemas.microsoft.com/office/powerpoint/2015/main" val="1"/>
-              </p:ext>
-            </p:extLst>
-          </p:nvPr>
-        </p:nvSpPr>
-        <p:spPr>
-          <a:xfrm rot="10800000">
-            <a:off x="8755978" y="-1558"/>
-            <a:ext cx="3439878" cy="3420239"/>
-          </a:xfrm>
-          <a:custGeom>
-            <a:avLst/>
-            <a:gdLst>
-              <a:gd name="connsiteX0" fmla="*/ 3439878 w 3439878"/>
-              <a:gd name="connsiteY0" fmla="*/ 3420239 h 3420239"/>
-              <a:gd name="connsiteX1" fmla="*/ 0 w 3439878"/>
-              <a:gd name="connsiteY1" fmla="*/ 3420239 h 3420239"/>
-              <a:gd name="connsiteX2" fmla="*/ 0 w 3439878"/>
-              <a:gd name="connsiteY2" fmla="*/ 0 h 3420239"/>
-              <a:gd name="connsiteX3" fmla="*/ 3856 w 3439878"/>
-              <a:gd name="connsiteY3" fmla="*/ 0 h 3420239"/>
-              <a:gd name="connsiteX4" fmla="*/ 3856 w 3439878"/>
-              <a:gd name="connsiteY4" fmla="*/ 133338 h 3420239"/>
-              <a:gd name="connsiteX5" fmla="*/ 5641 w 3439878"/>
-              <a:gd name="connsiteY5" fmla="*/ 203263 h 3420239"/>
-              <a:gd name="connsiteX6" fmla="*/ 3347718 w 3439878"/>
-              <a:gd name="connsiteY6" fmla="*/ 3415186 h 3420239"/>
-              <a:gd name="connsiteX7" fmla="*/ 3427612 w 3439878"/>
-              <a:gd name="connsiteY7" fmla="*/ 3417124 h 3420239"/>
-              <a:gd name="connsiteX8" fmla="*/ 3856 w 3439878"/>
-              <a:gd name="connsiteY8" fmla="*/ 3417124 h 3420239"/>
-              <a:gd name="connsiteX9" fmla="*/ 3856 w 3439878"/>
-              <a:gd name="connsiteY9" fmla="*/ 3418681 h 3420239"/>
-              <a:gd name="connsiteX10" fmla="*/ 3439878 w 3439878"/>
-              <a:gd name="connsiteY10" fmla="*/ 3418681 h 3420239"/>
+              <a:gd name="connsiteX0" fmla="*/ 3388058 w 3388208"/>
+              <a:gd name="connsiteY0" fmla="*/ 0 h 3406341"/>
+              <a:gd name="connsiteX1" fmla="*/ 3388208 w 3388208"/>
+              <a:gd name="connsiteY1" fmla="*/ 0 h 3406341"/>
+              <a:gd name="connsiteX2" fmla="*/ 3388208 w 3388208"/>
+              <a:gd name="connsiteY2" fmla="*/ 3406341 h 3406341"/>
+              <a:gd name="connsiteX3" fmla="*/ 0 w 3388208"/>
+              <a:gd name="connsiteY3" fmla="*/ 3406341 h 3406341"/>
+              <a:gd name="connsiteX4" fmla="*/ 79006 w 3388208"/>
+              <a:gd name="connsiteY4" fmla="*/ 3404386 h 3406341"/>
+              <a:gd name="connsiteX5" fmla="*/ 3383947 w 3388208"/>
+              <a:gd name="connsiteY5" fmla="*/ 164274 h 3406341"/>
             </a:gdLst>
             <a:ahLst/>
             <a:cxnLst>
@@ -8798,798 +10377,29 @@
               <a:cxn ang="0">
                 <a:pos x="connsiteX5" y="connsiteY5"/>
               </a:cxn>
-              <a:cxn ang="0">
-                <a:pos x="connsiteX6" y="connsiteY6"/>
-              </a:cxn>
-              <a:cxn ang="0">
-                <a:pos x="connsiteX7" y="connsiteY7"/>
-              </a:cxn>
-              <a:cxn ang="0">
-                <a:pos x="connsiteX8" y="connsiteY8"/>
-              </a:cxn>
-              <a:cxn ang="0">
-                <a:pos x="connsiteX9" y="connsiteY9"/>
-              </a:cxn>
-              <a:cxn ang="0">
-                <a:pos x="connsiteX10" y="connsiteY10"/>
-              </a:cxn>
             </a:cxnLst>
             <a:rect l="l" t="t" r="r" b="b"/>
             <a:pathLst>
-              <a:path w="3439878" h="3420239">
+              <a:path w="3388208" h="3406341">
                 <a:moveTo>
-                  <a:pt x="3439878" y="3420239"/>
+                  <a:pt x="3388058" y="0"/>
                 </a:moveTo>
                 <a:lnTo>
-                  <a:pt x="0" y="3420239"/>
+                  <a:pt x="3388208" y="0"/>
                 </a:lnTo>
                 <a:lnTo>
-                  <a:pt x="0" y="0"/>
+                  <a:pt x="3388208" y="3406341"/>
                 </a:lnTo>
                 <a:lnTo>
-                  <a:pt x="3856" y="0"/>
+                  <a:pt x="0" y="3406341"/>
                 </a:lnTo>
                 <a:lnTo>
-                  <a:pt x="3856" y="133338"/>
-                </a:lnTo>
-                <a:lnTo>
-                  <a:pt x="5641" y="203263"/>
+                  <a:pt x="79006" y="3404386"/>
                 </a:lnTo>
                 <a:cubicBezTo>
-                  <a:pt x="94351" y="1936677"/>
-                  <a:pt x="1541917" y="3327355"/>
-                  <a:pt x="3347718" y="3415186"/>
-                </a:cubicBezTo>
-                <a:lnTo>
-                  <a:pt x="3427612" y="3417124"/>
-                </a:lnTo>
-                <a:lnTo>
-                  <a:pt x="3856" y="3417124"/>
-                </a:lnTo>
-                <a:lnTo>
-                  <a:pt x="3856" y="3418681"/>
-                </a:lnTo>
-                <a:lnTo>
-                  <a:pt x="3439878" y="3418681"/>
-                </a:lnTo>
-                <a:close/>
-              </a:path>
-            </a:pathLst>
-          </a:custGeom>
-          <a:solidFill>
-            <a:schemeClr val="accent1"/>
-          </a:solidFill>
-          <a:ln>
-            <a:noFill/>
-          </a:ln>
-        </p:spPr>
-        <p:style>
-          <a:lnRef idx="2">
-            <a:schemeClr val="accent1">
-              <a:shade val="50000"/>
-            </a:schemeClr>
-          </a:lnRef>
-          <a:fillRef idx="1">
-            <a:schemeClr val="accent1"/>
-          </a:fillRef>
-          <a:effectRef idx="0">
-            <a:schemeClr val="accent1"/>
-          </a:effectRef>
-          <a:fontRef idx="minor">
-            <a:schemeClr val="lt1"/>
-          </a:fontRef>
-        </p:style>
-        <p:txBody>
-          <a:bodyPr wrap="square" rtlCol="0" anchor="ctr">
-            <a:noAutofit/>
-          </a:bodyPr>
-          <a:lstStyle/>
-          <a:p>
-            <a:pPr algn="ctr"/>
-            <a:endParaRPr lang="en-US"/>
-          </a:p>
-        </p:txBody>
-      </p:sp>
-      <p:pic>
-        <p:nvPicPr>
-          <p:cNvPr id="5" name="Picture 4" descr="Graphical user interface, application&#10;&#10;Description automatically generated">
-            <a:extLst>
-              <a:ext uri="{FF2B5EF4-FFF2-40B4-BE49-F238E27FC236}">
-                <a16:creationId xmlns:a16="http://schemas.microsoft.com/office/drawing/2014/main" id="{770FA3D7-EEB8-2A41-A3C6-D128910799DF}"/>
-              </a:ext>
-            </a:extLst>
-          </p:cNvPr>
-          <p:cNvPicPr>
-            <a:picLocks noChangeAspect="1"/>
-          </p:cNvPicPr>
-          <p:nvPr/>
-        </p:nvPicPr>
-        <p:blipFill rotWithShape="1">
-          <a:blip r:embed="rId2"/>
-          <a:srcRect r="27552" b="-1"/>
-          <a:stretch/>
-        </p:blipFill>
-        <p:spPr>
-          <a:xfrm>
-            <a:off x="5216651" y="-1558"/>
-            <a:ext cx="6979975" cy="3420240"/>
-          </a:xfrm>
-          <a:custGeom>
-            <a:avLst/>
-            <a:gdLst/>
-            <a:ahLst/>
-            <a:cxnLst/>
-            <a:rect l="l" t="t" r="r" b="b"/>
-            <a:pathLst>
-              <a:path w="6979975" h="3420240">
-                <a:moveTo>
-                  <a:pt x="13648" y="0"/>
-                </a:moveTo>
-                <a:lnTo>
-                  <a:pt x="6979975" y="0"/>
-                </a:lnTo>
-                <a:lnTo>
-                  <a:pt x="6979975" y="1557"/>
-                </a:lnTo>
-                <a:lnTo>
-                  <a:pt x="3556219" y="1557"/>
-                </a:lnTo>
-                <a:lnTo>
-                  <a:pt x="3636113" y="3495"/>
-                </a:lnTo>
-                <a:cubicBezTo>
-                  <a:pt x="5441914" y="91326"/>
-                  <a:pt x="6889480" y="1482004"/>
-                  <a:pt x="6978190" y="3215418"/>
-                </a:cubicBezTo>
-                <a:lnTo>
-                  <a:pt x="6979975" y="3285343"/>
-                </a:lnTo>
-                <a:lnTo>
-                  <a:pt x="6979975" y="3420240"/>
-                </a:lnTo>
-                <a:lnTo>
-                  <a:pt x="13648" y="3420240"/>
-                </a:lnTo>
-                <a:lnTo>
-                  <a:pt x="13648" y="3420238"/>
-                </a:lnTo>
-                <a:lnTo>
-                  <a:pt x="0" y="3420238"/>
-                </a:lnTo>
-                <a:lnTo>
-                  <a:pt x="0" y="1557"/>
-                </a:lnTo>
-                <a:lnTo>
-                  <a:pt x="13648" y="1557"/>
-                </a:lnTo>
-                <a:close/>
-              </a:path>
-            </a:pathLst>
-          </a:custGeom>
-        </p:spPr>
-      </p:pic>
-      <p:sp>
-        <p:nvSpPr>
-          <p:cNvPr id="3" name="Content Placeholder 2">
-            <a:extLst>
-              <a:ext uri="{FF2B5EF4-FFF2-40B4-BE49-F238E27FC236}">
-                <a16:creationId xmlns:a16="http://schemas.microsoft.com/office/drawing/2014/main" id="{5D1E8BAC-12C6-1C45-81E1-FB1DE0F2F3E8}"/>
-              </a:ext>
-            </a:extLst>
-          </p:cNvPr>
-          <p:cNvSpPr>
-            <a:spLocks noGrp="1"/>
-          </p:cNvSpPr>
-          <p:nvPr>
-            <p:ph idx="1"/>
-          </p:nvPr>
-        </p:nvSpPr>
-        <p:spPr>
-          <a:xfrm>
-            <a:off x="5228651" y="4084869"/>
-            <a:ext cx="5885987" cy="2005151"/>
-          </a:xfrm>
-        </p:spPr>
-        <p:txBody>
-          <a:bodyPr>
-            <a:normAutofit/>
-          </a:bodyPr>
-          <a:lstStyle/>
-          <a:p>
-            <a:pPr marL="342900" indent="-342900">
-              <a:buFont typeface="+mj-lt"/>
-              <a:buAutoNum type="arabicPeriod"/>
-            </a:pPr>
-            <a:r>
-              <a:rPr lang="en-US" dirty="0"/>
-              <a:t>The development team creates a new release that triggers the deployment action</a:t>
-            </a:r>
-          </a:p>
-          <a:p>
-            <a:pPr marL="342900" indent="-342900">
-              <a:buFont typeface="+mj-lt"/>
-              <a:buAutoNum type="arabicPeriod"/>
-            </a:pPr>
-            <a:r>
-              <a:rPr lang="en-US" dirty="0"/>
-              <a:t>The deployment action initiates </a:t>
-            </a:r>
-          </a:p>
-          <a:p>
-            <a:pPr marL="342900" indent="-342900">
-              <a:buFont typeface="+mj-lt"/>
-              <a:buAutoNum type="arabicPeriod"/>
-            </a:pPr>
-            <a:r>
-              <a:rPr lang="en-US" dirty="0"/>
-              <a:t>The pre-defined test command expects to succeed </a:t>
-            </a:r>
-          </a:p>
-        </p:txBody>
-      </p:sp>
-    </p:spTree>
-    <p:extLst>
-      <p:ext uri="{BB962C8B-B14F-4D97-AF65-F5344CB8AC3E}">
-        <p14:creationId xmlns:p14="http://schemas.microsoft.com/office/powerpoint/2010/main" val="2658619610"/>
-      </p:ext>
-    </p:extLst>
-  </p:cSld>
-  <p:clrMapOvr>
-    <a:masterClrMapping/>
-  </p:clrMapOvr>
-</p:sld>
-</file>
-
-<file path=ppt/slides/slide9.xml><?xml version="1.0" encoding="utf-8"?>
-<p:sld xmlns:a="http://schemas.openxmlformats.org/drawingml/2006/main" xmlns:r="http://schemas.openxmlformats.org/officeDocument/2006/relationships" xmlns:p="http://schemas.openxmlformats.org/presentationml/2006/main">
-  <p:cSld>
-    <p:bg>
-      <p:bgPr>
-        <a:solidFill>
-          <a:schemeClr val="bg1"/>
-        </a:solidFill>
-        <a:effectLst/>
-      </p:bgPr>
-    </p:bg>
-    <p:spTree>
-      <p:nvGrpSpPr>
-        <p:cNvPr id="1" name=""/>
-        <p:cNvGrpSpPr/>
-        <p:nvPr/>
-      </p:nvGrpSpPr>
-      <p:grpSpPr>
-        <a:xfrm>
-          <a:off x="0" y="0"/>
-          <a:ext cx="0" cy="0"/>
-          <a:chOff x="0" y="0"/>
-          <a:chExt cx="0" cy="0"/>
-        </a:xfrm>
-      </p:grpSpPr>
-      <p:sp useBgFill="1">
-        <p:nvSpPr>
-          <p:cNvPr id="48" name="Rectangle 20">
-            <a:extLst>
-              <a:ext uri="{FF2B5EF4-FFF2-40B4-BE49-F238E27FC236}">
-                <a16:creationId xmlns:a16="http://schemas.microsoft.com/office/drawing/2014/main" id="{4F1948C2-E4DD-4B0F-BD79-CB28ED230B53}"/>
-              </a:ext>
-              <a:ext uri="{C183D7F6-B498-43B3-948B-1728B52AA6E4}">
-                <adec:decorative xmlns:adec="http://schemas.microsoft.com/office/drawing/2017/decorative" val="1"/>
-              </a:ext>
-            </a:extLst>
-          </p:cNvPr>
-          <p:cNvSpPr>
-            <a:spLocks noGrp="1" noRot="1" noChangeAspect="1" noMove="1" noResize="1" noEditPoints="1" noAdjustHandles="1" noChangeArrowheads="1" noChangeShapeType="1" noTextEdit="1"/>
-          </p:cNvSpPr>
-          <p:nvPr>
-            <p:extLst>
-              <p:ext uri="{386F3935-93C4-4BCD-93E2-E3B085C9AB24}">
-                <p16:designElem xmlns:p16="http://schemas.microsoft.com/office/powerpoint/2015/main" val="1"/>
-              </p:ext>
-            </p:extLst>
-          </p:nvPr>
-        </p:nvSpPr>
-        <p:spPr>
-          <a:xfrm>
-            <a:off x="0" y="0"/>
-            <a:ext cx="12192000" cy="6858000"/>
-          </a:xfrm>
-          <a:prstGeom prst="rect">
-            <a:avLst/>
-          </a:prstGeom>
-          <a:ln w="12700" cap="flat" cmpd="sng" algn="ctr">
-            <a:noFill/>
-            <a:prstDash val="solid"/>
-            <a:miter lim="800000"/>
-          </a:ln>
-          <a:effectLst/>
-          <a:extLst>
-            <a:ext uri="{91240B29-F687-4F45-9708-019B960494DF}">
-              <a14:hiddenLine xmlns:a14="http://schemas.microsoft.com/office/drawing/2010/main" w="12700" cap="flat" cmpd="sng" algn="ctr">
-                <a:solidFill>
-                  <a:schemeClr val="accent1">
-                    <a:shade val="50000"/>
-                  </a:schemeClr>
-                </a:solidFill>
-                <a:prstDash val="solid"/>
-                <a:miter lim="800000"/>
-              </a14:hiddenLine>
-            </a:ext>
-          </a:extLst>
-        </p:spPr>
-        <p:style>
-          <a:lnRef idx="2">
-            <a:schemeClr val="accent1">
-              <a:shade val="50000"/>
-            </a:schemeClr>
-          </a:lnRef>
-          <a:fillRef idx="1">
-            <a:schemeClr val="accent1"/>
-          </a:fillRef>
-          <a:effectRef idx="0">
-            <a:schemeClr val="accent1"/>
-          </a:effectRef>
-          <a:fontRef idx="minor">
-            <a:schemeClr val="lt1"/>
-          </a:fontRef>
-        </p:style>
-        <p:txBody>
-          <a:bodyPr rtlCol="0" anchor="ctr"/>
-          <a:lstStyle/>
-          <a:p>
-            <a:pPr algn="ctr"/>
-            <a:endParaRPr lang="en-US"/>
-          </a:p>
-        </p:txBody>
-      </p:sp>
-      <p:sp>
-        <p:nvSpPr>
-          <p:cNvPr id="2" name="Title 1">
-            <a:extLst>
-              <a:ext uri="{FF2B5EF4-FFF2-40B4-BE49-F238E27FC236}">
-                <a16:creationId xmlns:a16="http://schemas.microsoft.com/office/drawing/2014/main" id="{42E02457-1F6E-864B-BE92-1849C1385466}"/>
-              </a:ext>
-            </a:extLst>
-          </p:cNvPr>
-          <p:cNvSpPr>
-            <a:spLocks noGrp="1"/>
-          </p:cNvSpPr>
-          <p:nvPr>
-            <p:ph type="title"/>
-          </p:nvPr>
-        </p:nvSpPr>
-        <p:spPr>
-          <a:xfrm>
-            <a:off x="1077362" y="720435"/>
-            <a:ext cx="6484670" cy="1507375"/>
-          </a:xfrm>
-        </p:spPr>
-        <p:txBody>
-          <a:bodyPr>
-            <a:normAutofit/>
-          </a:bodyPr>
-          <a:lstStyle/>
-          <a:p>
-            <a:r>
-              <a:rPr lang="en-US" dirty="0"/>
-              <a:t>Thank you!</a:t>
-            </a:r>
-          </a:p>
-        </p:txBody>
-      </p:sp>
-      <p:graphicFrame>
-        <p:nvGraphicFramePr>
-          <p:cNvPr id="33" name="Content Placeholder 2">
-            <a:extLst>
-              <a:ext uri="{FF2B5EF4-FFF2-40B4-BE49-F238E27FC236}">
-                <a16:creationId xmlns:a16="http://schemas.microsoft.com/office/drawing/2014/main" id="{F736D038-65B4-440F-9628-71E960A6CD0A}"/>
-              </a:ext>
-            </a:extLst>
-          </p:cNvPr>
-          <p:cNvGraphicFramePr>
-            <a:graphicFrameLocks noGrp="1"/>
-          </p:cNvGraphicFramePr>
-          <p:nvPr>
-            <p:ph idx="1"/>
-            <p:extLst>
-              <p:ext uri="{D42A27DB-BD31-4B8C-83A1-F6EECF244321}">
-                <p14:modId xmlns:p14="http://schemas.microsoft.com/office/powerpoint/2010/main" val="3009229895"/>
-              </p:ext>
-            </p:extLst>
-          </p:nvPr>
-        </p:nvGraphicFramePr>
-        <p:xfrm>
-          <a:off x="1077362" y="2434974"/>
-          <a:ext cx="6484670" cy="3505855"/>
-        </p:xfrm>
-        <a:graphic>
-          <a:graphicData uri="http://schemas.openxmlformats.org/drawingml/2006/diagram">
-            <dgm:relIds xmlns:dgm="http://schemas.openxmlformats.org/drawingml/2006/diagram" xmlns:r="http://schemas.openxmlformats.org/officeDocument/2006/relationships" r:dm="rId2" r:lo="rId3" r:qs="rId4" r:cs="rId5"/>
-          </a:graphicData>
-        </a:graphic>
-      </p:graphicFrame>
-      <p:sp>
-        <p:nvSpPr>
-          <p:cNvPr id="49" name="Rectangle 22">
-            <a:extLst>
-              <a:ext uri="{FF2B5EF4-FFF2-40B4-BE49-F238E27FC236}">
-                <a16:creationId xmlns:a16="http://schemas.microsoft.com/office/drawing/2014/main" id="{53F28E32-1DC4-476E-A298-6C2066882C0A}"/>
-              </a:ext>
-              <a:ext uri="{C183D7F6-B498-43B3-948B-1728B52AA6E4}">
-                <adec:decorative xmlns:adec="http://schemas.microsoft.com/office/drawing/2017/decorative" val="1"/>
-              </a:ext>
-            </a:extLst>
-          </p:cNvPr>
-          <p:cNvSpPr>
-            <a:spLocks noGrp="1" noRot="1" noChangeAspect="1" noMove="1" noResize="1" noEditPoints="1" noAdjustHandles="1" noChangeArrowheads="1" noChangeShapeType="1" noTextEdit="1"/>
-          </p:cNvSpPr>
-          <p:nvPr>
-            <p:extLst>
-              <p:ext uri="{386F3935-93C4-4BCD-93E2-E3B085C9AB24}">
-                <p16:designElem xmlns:p16="http://schemas.microsoft.com/office/powerpoint/2015/main" val="1"/>
-              </p:ext>
-            </p:extLst>
-          </p:nvPr>
-        </p:nvSpPr>
-        <p:spPr>
-          <a:xfrm>
-            <a:off x="8724696" y="0"/>
-            <a:ext cx="3456507" cy="3436188"/>
-          </a:xfrm>
-          <a:prstGeom prst="rect">
-            <a:avLst/>
-          </a:prstGeom>
-          <a:solidFill>
-            <a:schemeClr val="accent1">
-              <a:lumMod val="60000"/>
-              <a:lumOff val="40000"/>
-            </a:schemeClr>
-          </a:solidFill>
-          <a:ln>
-            <a:noFill/>
-          </a:ln>
-        </p:spPr>
-        <p:style>
-          <a:lnRef idx="2">
-            <a:schemeClr val="accent1">
-              <a:shade val="50000"/>
-            </a:schemeClr>
-          </a:lnRef>
-          <a:fillRef idx="1">
-            <a:schemeClr val="accent1"/>
-          </a:fillRef>
-          <a:effectRef idx="0">
-            <a:schemeClr val="accent1"/>
-          </a:effectRef>
-          <a:fontRef idx="minor">
-            <a:schemeClr val="lt1"/>
-          </a:fontRef>
-        </p:style>
-        <p:txBody>
-          <a:bodyPr rtlCol="0" anchor="ctr"/>
-          <a:lstStyle/>
-          <a:p>
-            <a:pPr algn="ctr"/>
-            <a:endParaRPr lang="en-US"/>
-          </a:p>
-        </p:txBody>
-      </p:sp>
-      <p:sp>
-        <p:nvSpPr>
-          <p:cNvPr id="50" name="Rectangle 34">
-            <a:extLst>
-              <a:ext uri="{FF2B5EF4-FFF2-40B4-BE49-F238E27FC236}">
-                <a16:creationId xmlns:a16="http://schemas.microsoft.com/office/drawing/2014/main" id="{59AD7FA5-98A4-4D87-9F03-9F3E6B19B188}"/>
-              </a:ext>
-              <a:ext uri="{C183D7F6-B498-43B3-948B-1728B52AA6E4}">
-                <adec:decorative xmlns:adec="http://schemas.microsoft.com/office/drawing/2017/decorative" val="1"/>
-              </a:ext>
-            </a:extLst>
-          </p:cNvPr>
-          <p:cNvSpPr>
-            <a:spLocks noGrp="1" noRot="1" noChangeAspect="1" noMove="1" noResize="1" noEditPoints="1" noAdjustHandles="1" noChangeArrowheads="1" noChangeShapeType="1" noTextEdit="1"/>
-          </p:cNvSpPr>
-          <p:nvPr>
-            <p:extLst>
-              <p:ext uri="{386F3935-93C4-4BCD-93E2-E3B085C9AB24}">
-                <p16:designElem xmlns:p16="http://schemas.microsoft.com/office/powerpoint/2015/main" val="1"/>
-              </p:ext>
-            </p:extLst>
-          </p:nvPr>
-        </p:nvSpPr>
-        <p:spPr>
-          <a:xfrm rot="5400000" flipH="1">
-            <a:off x="8743880" y="-11926"/>
-            <a:ext cx="3428987" cy="3467355"/>
-          </a:xfrm>
-          <a:custGeom>
-            <a:avLst/>
-            <a:gdLst>
-              <a:gd name="connsiteX0" fmla="*/ 0 w 3484819"/>
-              <a:gd name="connsiteY0" fmla="*/ 0 h 3430264"/>
-              <a:gd name="connsiteX1" fmla="*/ 3484819 w 3484819"/>
-              <a:gd name="connsiteY1" fmla="*/ 0 h 3430264"/>
-              <a:gd name="connsiteX2" fmla="*/ 3484819 w 3484819"/>
-              <a:gd name="connsiteY2" fmla="*/ 3430264 h 3430264"/>
-              <a:gd name="connsiteX3" fmla="*/ 0 w 3484819"/>
-              <a:gd name="connsiteY3" fmla="*/ 3430264 h 3430264"/>
-              <a:gd name="connsiteX4" fmla="*/ 0 w 3484819"/>
-              <a:gd name="connsiteY4" fmla="*/ 0 h 3430264"/>
-              <a:gd name="connsiteX0" fmla="*/ 0 w 3484819"/>
-              <a:gd name="connsiteY0" fmla="*/ 0 h 3430264"/>
-              <a:gd name="connsiteX1" fmla="*/ 3484819 w 3484819"/>
-              <a:gd name="connsiteY1" fmla="*/ 0 h 3430264"/>
-              <a:gd name="connsiteX2" fmla="*/ 0 w 3484819"/>
-              <a:gd name="connsiteY2" fmla="*/ 3430264 h 3430264"/>
-              <a:gd name="connsiteX3" fmla="*/ 0 w 3484819"/>
-              <a:gd name="connsiteY3" fmla="*/ 0 h 3430264"/>
-            </a:gdLst>
-            <a:ahLst/>
-            <a:cxnLst>
-              <a:cxn ang="0">
-                <a:pos x="connsiteX0" y="connsiteY0"/>
-              </a:cxn>
-              <a:cxn ang="0">
-                <a:pos x="connsiteX1" y="connsiteY1"/>
-              </a:cxn>
-              <a:cxn ang="0">
-                <a:pos x="connsiteX2" y="connsiteY2"/>
-              </a:cxn>
-              <a:cxn ang="0">
-                <a:pos x="connsiteX3" y="connsiteY3"/>
-              </a:cxn>
-            </a:cxnLst>
-            <a:rect l="l" t="t" r="r" b="b"/>
-            <a:pathLst>
-              <a:path w="3484819" h="3430264">
-                <a:moveTo>
-                  <a:pt x="0" y="0"/>
-                </a:moveTo>
-                <a:lnTo>
-                  <a:pt x="3484819" y="0"/>
-                </a:lnTo>
-                <a:lnTo>
-                  <a:pt x="0" y="3430264"/>
-                </a:lnTo>
-                <a:lnTo>
-                  <a:pt x="0" y="0"/>
-                </a:lnTo>
-                <a:close/>
-              </a:path>
-            </a:pathLst>
-          </a:custGeom>
-          <a:solidFill>
-            <a:schemeClr val="accent2"/>
-          </a:solidFill>
-          <a:ln>
-            <a:noFill/>
-          </a:ln>
-        </p:spPr>
-        <p:style>
-          <a:lnRef idx="2">
-            <a:schemeClr val="accent1">
-              <a:shade val="50000"/>
-            </a:schemeClr>
-          </a:lnRef>
-          <a:fillRef idx="1">
-            <a:schemeClr val="accent1"/>
-          </a:fillRef>
-          <a:effectRef idx="0">
-            <a:schemeClr val="accent1"/>
-          </a:effectRef>
-          <a:fontRef idx="minor">
-            <a:schemeClr val="lt1"/>
-          </a:fontRef>
-        </p:style>
-        <p:txBody>
-          <a:bodyPr rtlCol="0" anchor="ctr"/>
-          <a:lstStyle/>
-          <a:p>
-            <a:pPr algn="ctr"/>
-            <a:endParaRPr lang="en-US"/>
-          </a:p>
-        </p:txBody>
-      </p:sp>
-      <p:sp>
-        <p:nvSpPr>
-          <p:cNvPr id="51" name="Rectangle 26">
-            <a:extLst>
-              <a:ext uri="{FF2B5EF4-FFF2-40B4-BE49-F238E27FC236}">
-                <a16:creationId xmlns:a16="http://schemas.microsoft.com/office/drawing/2014/main" id="{67B624B2-894D-4F7A-B2F3-393D6564D751}"/>
-              </a:ext>
-              <a:ext uri="{C183D7F6-B498-43B3-948B-1728B52AA6E4}">
-                <adec:decorative xmlns:adec="http://schemas.microsoft.com/office/drawing/2017/decorative" val="1"/>
-              </a:ext>
-            </a:extLst>
-          </p:cNvPr>
-          <p:cNvSpPr>
-            <a:spLocks noGrp="1" noRot="1" noChangeAspect="1" noMove="1" noResize="1" noEditPoints="1" noAdjustHandles="1" noChangeArrowheads="1" noChangeShapeType="1" noTextEdit="1"/>
-          </p:cNvSpPr>
-          <p:nvPr>
-            <p:extLst>
-              <p:ext uri="{386F3935-93C4-4BCD-93E2-E3B085C9AB24}">
-                <p16:designElem xmlns:p16="http://schemas.microsoft.com/office/powerpoint/2015/main" val="1"/>
-              </p:ext>
-            </p:extLst>
-          </p:nvPr>
-        </p:nvSpPr>
-        <p:spPr>
-          <a:xfrm>
-            <a:off x="8724696" y="3434976"/>
-            <a:ext cx="3467300" cy="3428987"/>
-          </a:xfrm>
-          <a:prstGeom prst="rect">
-            <a:avLst/>
-          </a:prstGeom>
-          <a:solidFill>
-            <a:schemeClr val="tx2"/>
-          </a:solidFill>
-          <a:ln>
-            <a:noFill/>
-          </a:ln>
-        </p:spPr>
-        <p:style>
-          <a:lnRef idx="2">
-            <a:schemeClr val="accent1">
-              <a:shade val="50000"/>
-            </a:schemeClr>
-          </a:lnRef>
-          <a:fillRef idx="1">
-            <a:schemeClr val="accent1"/>
-          </a:fillRef>
-          <a:effectRef idx="0">
-            <a:schemeClr val="accent1"/>
-          </a:effectRef>
-          <a:fontRef idx="minor">
-            <a:schemeClr val="lt1"/>
-          </a:fontRef>
-        </p:style>
-        <p:txBody>
-          <a:bodyPr rtlCol="0" anchor="ctr"/>
-          <a:lstStyle/>
-          <a:p>
-            <a:pPr algn="ctr"/>
-            <a:endParaRPr lang="en-US"/>
-          </a:p>
-        </p:txBody>
-      </p:sp>
-      <p:sp>
-        <p:nvSpPr>
-          <p:cNvPr id="52" name="Freeform: Shape 28">
-            <a:extLst>
-              <a:ext uri="{FF2B5EF4-FFF2-40B4-BE49-F238E27FC236}">
-                <a16:creationId xmlns:a16="http://schemas.microsoft.com/office/drawing/2014/main" id="{22735368-17CD-48E3-B886-DF9A79AF5DE8}"/>
-              </a:ext>
-              <a:ext uri="{C183D7F6-B498-43B3-948B-1728B52AA6E4}">
-                <adec:decorative xmlns:adec="http://schemas.microsoft.com/office/drawing/2017/decorative" val="1"/>
-              </a:ext>
-            </a:extLst>
-          </p:cNvPr>
-          <p:cNvSpPr>
-            <a:spLocks noGrp="1" noRot="1" noChangeAspect="1" noMove="1" noResize="1" noEditPoints="1" noAdjustHandles="1" noChangeArrowheads="1" noChangeShapeType="1" noTextEdit="1"/>
-          </p:cNvSpPr>
-          <p:nvPr>
-            <p:extLst>
-              <p:ext uri="{386F3935-93C4-4BCD-93E2-E3B085C9AB24}">
-                <p16:designElem xmlns:p16="http://schemas.microsoft.com/office/powerpoint/2015/main" val="1"/>
-              </p:ext>
-            </p:extLst>
-          </p:nvPr>
-        </p:nvSpPr>
-        <p:spPr>
-          <a:xfrm rot="10800000" flipV="1">
-            <a:off x="8724696" y="3434976"/>
-            <a:ext cx="3467303" cy="1725519"/>
-          </a:xfrm>
-          <a:custGeom>
-            <a:avLst/>
-            <a:gdLst>
-              <a:gd name="connsiteX0" fmla="*/ 3423466 w 3423466"/>
-              <a:gd name="connsiteY0" fmla="*/ 0 h 1718483"/>
-              <a:gd name="connsiteX1" fmla="*/ 1710280 w 3423466"/>
-              <a:gd name="connsiteY1" fmla="*/ 0 h 1718483"/>
-              <a:gd name="connsiteX2" fmla="*/ 1710280 w 3423466"/>
-              <a:gd name="connsiteY2" fmla="*/ 1 h 1718483"/>
-              <a:gd name="connsiteX3" fmla="*/ 0 w 3423466"/>
-              <a:gd name="connsiteY3" fmla="*/ 1 h 1718483"/>
-              <a:gd name="connsiteX4" fmla="*/ 1538022 w 3423466"/>
-              <a:gd name="connsiteY4" fmla="*/ 1709611 h 1718483"/>
-              <a:gd name="connsiteX5" fmla="*/ 1710280 w 3423466"/>
-              <a:gd name="connsiteY5" fmla="*/ 1718336 h 1718483"/>
-              <a:gd name="connsiteX6" fmla="*/ 1710280 w 3423466"/>
-              <a:gd name="connsiteY6" fmla="*/ 1718482 h 1718483"/>
-              <a:gd name="connsiteX7" fmla="*/ 1711723 w 3423466"/>
-              <a:gd name="connsiteY7" fmla="*/ 1718409 h 1718483"/>
-              <a:gd name="connsiteX8" fmla="*/ 1713186 w 3423466"/>
-              <a:gd name="connsiteY8" fmla="*/ 1718483 h 1718483"/>
-              <a:gd name="connsiteX9" fmla="*/ 1713186 w 3423466"/>
-              <a:gd name="connsiteY9" fmla="*/ 1718335 h 1718483"/>
-              <a:gd name="connsiteX10" fmla="*/ 1885444 w 3423466"/>
-              <a:gd name="connsiteY10" fmla="*/ 1709610 h 1718483"/>
-              <a:gd name="connsiteX11" fmla="*/ 3423466 w 3423466"/>
-              <a:gd name="connsiteY11" fmla="*/ 0 h 1718483"/>
-            </a:gdLst>
-            <a:ahLst/>
-            <a:cxnLst>
-              <a:cxn ang="0">
-                <a:pos x="connsiteX0" y="connsiteY0"/>
-              </a:cxn>
-              <a:cxn ang="0">
-                <a:pos x="connsiteX1" y="connsiteY1"/>
-              </a:cxn>
-              <a:cxn ang="0">
-                <a:pos x="connsiteX2" y="connsiteY2"/>
-              </a:cxn>
-              <a:cxn ang="0">
-                <a:pos x="connsiteX3" y="connsiteY3"/>
-              </a:cxn>
-              <a:cxn ang="0">
-                <a:pos x="connsiteX4" y="connsiteY4"/>
-              </a:cxn>
-              <a:cxn ang="0">
-                <a:pos x="connsiteX5" y="connsiteY5"/>
-              </a:cxn>
-              <a:cxn ang="0">
-                <a:pos x="connsiteX6" y="connsiteY6"/>
-              </a:cxn>
-              <a:cxn ang="0">
-                <a:pos x="connsiteX7" y="connsiteY7"/>
-              </a:cxn>
-              <a:cxn ang="0">
-                <a:pos x="connsiteX8" y="connsiteY8"/>
-              </a:cxn>
-              <a:cxn ang="0">
-                <a:pos x="connsiteX9" y="connsiteY9"/>
-              </a:cxn>
-              <a:cxn ang="0">
-                <a:pos x="connsiteX10" y="connsiteY10"/>
-              </a:cxn>
-              <a:cxn ang="0">
-                <a:pos x="connsiteX11" y="connsiteY11"/>
-              </a:cxn>
-            </a:cxnLst>
-            <a:rect l="l" t="t" r="r" b="b"/>
-            <a:pathLst>
-              <a:path w="3423466" h="1718483">
-                <a:moveTo>
-                  <a:pt x="3423466" y="0"/>
-                </a:moveTo>
-                <a:lnTo>
-                  <a:pt x="1710280" y="0"/>
-                </a:lnTo>
-                <a:lnTo>
-                  <a:pt x="1710280" y="1"/>
-                </a:lnTo>
-                <a:lnTo>
-                  <a:pt x="0" y="1"/>
-                </a:lnTo>
-                <a:cubicBezTo>
-                  <a:pt x="0" y="889774"/>
-                  <a:pt x="674138" y="1621607"/>
-                  <a:pt x="1538022" y="1709611"/>
-                </a:cubicBezTo>
-                <a:lnTo>
-                  <a:pt x="1710280" y="1718336"/>
-                </a:lnTo>
-                <a:lnTo>
-                  <a:pt x="1710280" y="1718482"/>
-                </a:lnTo>
-                <a:lnTo>
-                  <a:pt x="1711723" y="1718409"/>
-                </a:lnTo>
-                <a:lnTo>
-                  <a:pt x="1713186" y="1718483"/>
-                </a:lnTo>
-                <a:lnTo>
-                  <a:pt x="1713186" y="1718335"/>
-                </a:lnTo>
-                <a:lnTo>
-                  <a:pt x="1885444" y="1709610"/>
-                </a:lnTo>
-                <a:cubicBezTo>
-                  <a:pt x="2749328" y="1621606"/>
-                  <a:pt x="3423466" y="889773"/>
-                  <a:pt x="3423466" y="0"/>
+                  <a:pt x="1864742" y="3315784"/>
+                  <a:pt x="3296223" y="1912901"/>
+                  <a:pt x="3383947" y="164274"/>
                 </a:cubicBezTo>
                 <a:close/>
               </a:path>
@@ -9625,20 +10435,16 @@
           <a:lstStyle/>
           <a:p>
             <a:pPr algn="ctr"/>
-            <a:endParaRPr lang="en-US">
-              <a:solidFill>
-                <a:schemeClr val="tx1"/>
-              </a:solidFill>
-            </a:endParaRPr>
-          </a:p>
-        </p:txBody>
-      </p:sp>
-      <p:sp>
-        <p:nvSpPr>
-          <p:cNvPr id="53" name="Freeform: Shape 30">
-            <a:extLst>
-              <a:ext uri="{FF2B5EF4-FFF2-40B4-BE49-F238E27FC236}">
-                <a16:creationId xmlns:a16="http://schemas.microsoft.com/office/drawing/2014/main" id="{B131CD95-4390-46E7-8713-223CE3CADE35}"/>
+            <a:endParaRPr lang="en-US"/>
+          </a:p>
+        </p:txBody>
+      </p:sp>
+      <p:sp>
+        <p:nvSpPr>
+          <p:cNvPr id="28" name="Freeform: Shape 27">
+            <a:extLst>
+              <a:ext uri="{FF2B5EF4-FFF2-40B4-BE49-F238E27FC236}">
+                <a16:creationId xmlns:a16="http://schemas.microsoft.com/office/drawing/2014/main" id="{3FA95682-BEE6-4B33-BA34-7E7BE49782DA}"/>
               </a:ext>
               <a:ext uri="{C183D7F6-B498-43B3-948B-1728B52AA6E4}">
                 <adec:decorative xmlns:adec="http://schemas.microsoft.com/office/drawing/2017/decorative" val="1"/>
@@ -9657,37 +10463,25 @@
           </p:nvPr>
         </p:nvSpPr>
         <p:spPr>
-          <a:xfrm rot="10800000" flipV="1">
-            <a:off x="8724696" y="5160552"/>
-            <a:ext cx="3467303" cy="1690189"/>
+          <a:xfrm>
+            <a:off x="8803793" y="3455896"/>
+            <a:ext cx="3388208" cy="3406341"/>
           </a:xfrm>
           <a:custGeom>
             <a:avLst/>
             <a:gdLst>
-              <a:gd name="connsiteX0" fmla="*/ 3423466 w 3423466"/>
-              <a:gd name="connsiteY0" fmla="*/ 0 h 1718483"/>
-              <a:gd name="connsiteX1" fmla="*/ 1710280 w 3423466"/>
-              <a:gd name="connsiteY1" fmla="*/ 0 h 1718483"/>
-              <a:gd name="connsiteX2" fmla="*/ 1710280 w 3423466"/>
-              <a:gd name="connsiteY2" fmla="*/ 1 h 1718483"/>
-              <a:gd name="connsiteX3" fmla="*/ 0 w 3423466"/>
-              <a:gd name="connsiteY3" fmla="*/ 1 h 1718483"/>
-              <a:gd name="connsiteX4" fmla="*/ 1538022 w 3423466"/>
-              <a:gd name="connsiteY4" fmla="*/ 1709611 h 1718483"/>
-              <a:gd name="connsiteX5" fmla="*/ 1710280 w 3423466"/>
-              <a:gd name="connsiteY5" fmla="*/ 1718336 h 1718483"/>
-              <a:gd name="connsiteX6" fmla="*/ 1710280 w 3423466"/>
-              <a:gd name="connsiteY6" fmla="*/ 1718482 h 1718483"/>
-              <a:gd name="connsiteX7" fmla="*/ 1711723 w 3423466"/>
-              <a:gd name="connsiteY7" fmla="*/ 1718409 h 1718483"/>
-              <a:gd name="connsiteX8" fmla="*/ 1713186 w 3423466"/>
-              <a:gd name="connsiteY8" fmla="*/ 1718483 h 1718483"/>
-              <a:gd name="connsiteX9" fmla="*/ 1713186 w 3423466"/>
-              <a:gd name="connsiteY9" fmla="*/ 1718335 h 1718483"/>
-              <a:gd name="connsiteX10" fmla="*/ 1885444 w 3423466"/>
-              <a:gd name="connsiteY10" fmla="*/ 1709610 h 1718483"/>
-              <a:gd name="connsiteX11" fmla="*/ 3423466 w 3423466"/>
-              <a:gd name="connsiteY11" fmla="*/ 0 h 1718483"/>
+              <a:gd name="connsiteX0" fmla="*/ 3388058 w 3388208"/>
+              <a:gd name="connsiteY0" fmla="*/ 0 h 3406341"/>
+              <a:gd name="connsiteX1" fmla="*/ 3388208 w 3388208"/>
+              <a:gd name="connsiteY1" fmla="*/ 0 h 3406341"/>
+              <a:gd name="connsiteX2" fmla="*/ 3388208 w 3388208"/>
+              <a:gd name="connsiteY2" fmla="*/ 3406341 h 3406341"/>
+              <a:gd name="connsiteX3" fmla="*/ 0 w 3388208"/>
+              <a:gd name="connsiteY3" fmla="*/ 3406341 h 3406341"/>
+              <a:gd name="connsiteX4" fmla="*/ 79006 w 3388208"/>
+              <a:gd name="connsiteY4" fmla="*/ 3404386 h 3406341"/>
+              <a:gd name="connsiteX5" fmla="*/ 3383947 w 3388208"/>
+              <a:gd name="connsiteY5" fmla="*/ 164274 h 3406341"/>
             </a:gdLst>
             <a:ahLst/>
             <a:cxnLst>
@@ -9709,74 +10503,36 @@
               <a:cxn ang="0">
                 <a:pos x="connsiteX5" y="connsiteY5"/>
               </a:cxn>
-              <a:cxn ang="0">
-                <a:pos x="connsiteX6" y="connsiteY6"/>
-              </a:cxn>
-              <a:cxn ang="0">
-                <a:pos x="connsiteX7" y="connsiteY7"/>
-              </a:cxn>
-              <a:cxn ang="0">
-                <a:pos x="connsiteX8" y="connsiteY8"/>
-              </a:cxn>
-              <a:cxn ang="0">
-                <a:pos x="connsiteX9" y="connsiteY9"/>
-              </a:cxn>
-              <a:cxn ang="0">
-                <a:pos x="connsiteX10" y="connsiteY10"/>
-              </a:cxn>
-              <a:cxn ang="0">
-                <a:pos x="connsiteX11" y="connsiteY11"/>
-              </a:cxn>
             </a:cxnLst>
             <a:rect l="l" t="t" r="r" b="b"/>
             <a:pathLst>
-              <a:path w="3423466" h="1718483">
+              <a:path w="3388208" h="3406341">
                 <a:moveTo>
-                  <a:pt x="3423466" y="0"/>
+                  <a:pt x="3388058" y="0"/>
                 </a:moveTo>
                 <a:lnTo>
-                  <a:pt x="1710280" y="0"/>
+                  <a:pt x="3388208" y="0"/>
                 </a:lnTo>
                 <a:lnTo>
-                  <a:pt x="1710280" y="1"/>
+                  <a:pt x="3388208" y="3406341"/>
                 </a:lnTo>
                 <a:lnTo>
-                  <a:pt x="0" y="1"/>
+                  <a:pt x="0" y="3406341"/>
+                </a:lnTo>
+                <a:lnTo>
+                  <a:pt x="79006" y="3404386"/>
                 </a:lnTo>
                 <a:cubicBezTo>
-                  <a:pt x="0" y="889774"/>
-                  <a:pt x="674138" y="1621607"/>
-                  <a:pt x="1538022" y="1709611"/>
-                </a:cubicBezTo>
-                <a:lnTo>
-                  <a:pt x="1710280" y="1718336"/>
-                </a:lnTo>
-                <a:lnTo>
-                  <a:pt x="1710280" y="1718482"/>
-                </a:lnTo>
-                <a:lnTo>
-                  <a:pt x="1711723" y="1718409"/>
-                </a:lnTo>
-                <a:lnTo>
-                  <a:pt x="1713186" y="1718483"/>
-                </a:lnTo>
-                <a:lnTo>
-                  <a:pt x="1713186" y="1718335"/>
-                </a:lnTo>
-                <a:lnTo>
-                  <a:pt x="1885444" y="1709610"/>
-                </a:lnTo>
-                <a:cubicBezTo>
-                  <a:pt x="2749328" y="1621606"/>
-                  <a:pt x="3423466" y="889773"/>
-                  <a:pt x="3423466" y="0"/>
+                  <a:pt x="1864742" y="3315784"/>
+                  <a:pt x="3296223" y="1912901"/>
+                  <a:pt x="3383947" y="164274"/>
                 </a:cubicBezTo>
                 <a:close/>
               </a:path>
             </a:pathLst>
           </a:custGeom>
           <a:solidFill>
-            <a:schemeClr val="accent5"/>
+            <a:schemeClr val="tx2"/>
           </a:solidFill>
           <a:ln>
             <a:noFill/>
@@ -9805,18 +10561,1939 @@
           <a:lstStyle/>
           <a:p>
             <a:pPr algn="ctr"/>
-            <a:endParaRPr lang="en-US">
-              <a:solidFill>
-                <a:schemeClr val="tx1"/>
-              </a:solidFill>
-            </a:endParaRPr>
+            <a:endParaRPr lang="en-US"/>
+          </a:p>
+        </p:txBody>
+      </p:sp>
+      <p:pic>
+        <p:nvPicPr>
+          <p:cNvPr id="5" name="Content Placeholder 4" descr="Graphical user interface, application&#10;&#10;Description automatically generated">
+            <a:extLst>
+              <a:ext uri="{FF2B5EF4-FFF2-40B4-BE49-F238E27FC236}">
+                <a16:creationId xmlns:a16="http://schemas.microsoft.com/office/drawing/2014/main" id="{C2004EAA-FC96-1548-9A05-CF57EFA32827}"/>
+              </a:ext>
+            </a:extLst>
+          </p:cNvPr>
+          <p:cNvPicPr>
+            <a:picLocks noGrp="1" noChangeAspect="1"/>
+          </p:cNvPicPr>
+          <p:nvPr>
+            <p:ph idx="1"/>
+          </p:nvPr>
+        </p:nvPicPr>
+        <p:blipFill>
+          <a:blip r:embed="rId2"/>
+          <a:stretch>
+            <a:fillRect/>
+          </a:stretch>
+        </p:blipFill>
+        <p:spPr>
+          <a:xfrm>
+            <a:off x="5816082" y="1902628"/>
+            <a:ext cx="5309118" cy="3052742"/>
+          </a:xfrm>
+          <a:prstGeom prst="rect">
+            <a:avLst/>
+          </a:prstGeom>
+        </p:spPr>
+      </p:pic>
+      <p:sp>
+        <p:nvSpPr>
+          <p:cNvPr id="9" name="TextBox 8">
+            <a:extLst>
+              <a:ext uri="{FF2B5EF4-FFF2-40B4-BE49-F238E27FC236}">
+                <a16:creationId xmlns:a16="http://schemas.microsoft.com/office/drawing/2014/main" id="{3B06FD8E-A201-344D-A7C9-0C3941BAA77B}"/>
+              </a:ext>
+            </a:extLst>
+          </p:cNvPr>
+          <p:cNvSpPr txBox="1"/>
+          <p:nvPr/>
+        </p:nvSpPr>
+        <p:spPr>
+          <a:xfrm>
+            <a:off x="2996816" y="6391844"/>
+            <a:ext cx="5638531" cy="369332"/>
+          </a:xfrm>
+          <a:prstGeom prst="rect">
+            <a:avLst/>
+          </a:prstGeom>
+          <a:noFill/>
+        </p:spPr>
+        <p:txBody>
+          <a:bodyPr wrap="none" rtlCol="0">
+            <a:spAutoFit/>
+          </a:bodyPr>
+          <a:lstStyle/>
+          <a:p>
+            <a:r>
+              <a:rPr lang="en-US" dirty="0">
+                <a:hlinkClick r:id="rId3"/>
+              </a:rPr>
+              <a:t>https://github.com/SamKirkland/FTP-Deploy-Action</a:t>
+            </a:r>
+            <a:r>
+              <a:rPr lang="en-US" dirty="0"/>
+              <a:t> </a:t>
+            </a:r>
           </a:p>
         </p:txBody>
       </p:sp>
     </p:spTree>
     <p:extLst>
       <p:ext uri="{BB962C8B-B14F-4D97-AF65-F5344CB8AC3E}">
-        <p14:creationId xmlns:p14="http://schemas.microsoft.com/office/powerpoint/2010/main" val="1823647777"/>
+        <p14:creationId xmlns:p14="http://schemas.microsoft.com/office/powerpoint/2010/main" val="1717283155"/>
+      </p:ext>
+    </p:extLst>
+  </p:cSld>
+  <p:clrMapOvr>
+    <a:masterClrMapping/>
+  </p:clrMapOvr>
+</p:sld>
+</file>
+
+<file path=ppt/slides/slide9.xml><?xml version="1.0" encoding="utf-8"?>
+<p:sld xmlns:a="http://schemas.openxmlformats.org/drawingml/2006/main" xmlns:r="http://schemas.openxmlformats.org/officeDocument/2006/relationships" xmlns:p="http://schemas.openxmlformats.org/presentationml/2006/main">
+  <p:cSld>
+    <p:spTree>
+      <p:nvGrpSpPr>
+        <p:cNvPr id="1" name=""/>
+        <p:cNvGrpSpPr/>
+        <p:nvPr/>
+      </p:nvGrpSpPr>
+      <p:grpSpPr>
+        <a:xfrm>
+          <a:off x="0" y="0"/>
+          <a:ext cx="0" cy="0"/>
+          <a:chOff x="0" y="0"/>
+          <a:chExt cx="0" cy="0"/>
+        </a:xfrm>
+      </p:grpSpPr>
+      <p:sp>
+        <p:nvSpPr>
+          <p:cNvPr id="2" name="Title 1">
+            <a:extLst>
+              <a:ext uri="{FF2B5EF4-FFF2-40B4-BE49-F238E27FC236}">
+                <a16:creationId xmlns:a16="http://schemas.microsoft.com/office/drawing/2014/main" id="{42E02457-1F6E-864B-BE92-1849C1385466}"/>
+              </a:ext>
+            </a:extLst>
+          </p:cNvPr>
+          <p:cNvSpPr>
+            <a:spLocks noGrp="1"/>
+          </p:cNvSpPr>
+          <p:nvPr>
+            <p:ph type="title"/>
+          </p:nvPr>
+        </p:nvSpPr>
+        <p:spPr>
+          <a:xfrm>
+            <a:off x="1077362" y="720434"/>
+            <a:ext cx="9950103" cy="767809"/>
+          </a:xfrm>
+        </p:spPr>
+        <p:txBody>
+          <a:bodyPr anchor="t"/>
+          <a:lstStyle/>
+          <a:p>
+            <a:r>
+              <a:rPr lang="en-US" dirty="0"/>
+              <a:t>Deployment requirements</a:t>
+            </a:r>
+          </a:p>
+        </p:txBody>
+      </p:sp>
+      <p:sp>
+        <p:nvSpPr>
+          <p:cNvPr id="4" name="Rectangle 3">
+            <a:extLst>
+              <a:ext uri="{FF2B5EF4-FFF2-40B4-BE49-F238E27FC236}">
+                <a16:creationId xmlns:a16="http://schemas.microsoft.com/office/drawing/2014/main" id="{8AE7ACDF-B880-5B44-89A9-09CFB6039678}"/>
+              </a:ext>
+            </a:extLst>
+          </p:cNvPr>
+          <p:cNvSpPr/>
+          <p:nvPr/>
+        </p:nvSpPr>
+        <p:spPr>
+          <a:xfrm>
+            <a:off x="2122391" y="1640062"/>
+            <a:ext cx="1654628" cy="424543"/>
+          </a:xfrm>
+          <a:prstGeom prst="rect">
+            <a:avLst/>
+          </a:prstGeom>
+        </p:spPr>
+        <p:style>
+          <a:lnRef idx="2">
+            <a:schemeClr val="accent6"/>
+          </a:lnRef>
+          <a:fillRef idx="1">
+            <a:schemeClr val="lt1"/>
+          </a:fillRef>
+          <a:effectRef idx="0">
+            <a:schemeClr val="accent6"/>
+          </a:effectRef>
+          <a:fontRef idx="minor">
+            <a:schemeClr val="dk1"/>
+          </a:fontRef>
+        </p:style>
+        <p:txBody>
+          <a:bodyPr rtlCol="0" anchor="ctr"/>
+          <a:lstStyle/>
+          <a:p>
+            <a:pPr algn="ctr"/>
+            <a:r>
+              <a:rPr lang="en-US" dirty="0"/>
+              <a:t>Dev team</a:t>
+            </a:r>
+          </a:p>
+        </p:txBody>
+      </p:sp>
+      <p:sp>
+        <p:nvSpPr>
+          <p:cNvPr id="5" name="Rectangle 4">
+            <a:extLst>
+              <a:ext uri="{FF2B5EF4-FFF2-40B4-BE49-F238E27FC236}">
+                <a16:creationId xmlns:a16="http://schemas.microsoft.com/office/drawing/2014/main" id="{C9E8FB70-543E-4241-9D12-BEF0FBA9CFE5}"/>
+              </a:ext>
+            </a:extLst>
+          </p:cNvPr>
+          <p:cNvSpPr/>
+          <p:nvPr/>
+        </p:nvSpPr>
+        <p:spPr>
+          <a:xfrm>
+            <a:off x="4016506" y="1640062"/>
+            <a:ext cx="1654628" cy="424543"/>
+          </a:xfrm>
+          <a:prstGeom prst="rect">
+            <a:avLst/>
+          </a:prstGeom>
+        </p:spPr>
+        <p:style>
+          <a:lnRef idx="2">
+            <a:schemeClr val="accent6"/>
+          </a:lnRef>
+          <a:fillRef idx="1">
+            <a:schemeClr val="lt1"/>
+          </a:fillRef>
+          <a:effectRef idx="0">
+            <a:schemeClr val="accent6"/>
+          </a:effectRef>
+          <a:fontRef idx="minor">
+            <a:schemeClr val="dk1"/>
+          </a:fontRef>
+        </p:style>
+        <p:txBody>
+          <a:bodyPr rtlCol="0" anchor="ctr"/>
+          <a:lstStyle/>
+          <a:p>
+            <a:pPr algn="ctr"/>
+            <a:r>
+              <a:rPr lang="en-US" sz="1600" dirty="0"/>
+              <a:t>Version Control</a:t>
+            </a:r>
+          </a:p>
+        </p:txBody>
+      </p:sp>
+      <p:sp>
+        <p:nvSpPr>
+          <p:cNvPr id="6" name="Rectangle 5">
+            <a:extLst>
+              <a:ext uri="{FF2B5EF4-FFF2-40B4-BE49-F238E27FC236}">
+                <a16:creationId xmlns:a16="http://schemas.microsoft.com/office/drawing/2014/main" id="{C0665890-A417-DF49-85C6-7B4CAE126934}"/>
+              </a:ext>
+            </a:extLst>
+          </p:cNvPr>
+          <p:cNvSpPr/>
+          <p:nvPr/>
+        </p:nvSpPr>
+        <p:spPr>
+          <a:xfrm>
+            <a:off x="5910621" y="1640062"/>
+            <a:ext cx="1654628" cy="424543"/>
+          </a:xfrm>
+          <a:prstGeom prst="rect">
+            <a:avLst/>
+          </a:prstGeom>
+        </p:spPr>
+        <p:style>
+          <a:lnRef idx="2">
+            <a:schemeClr val="accent6"/>
+          </a:lnRef>
+          <a:fillRef idx="1">
+            <a:schemeClr val="lt1"/>
+          </a:fillRef>
+          <a:effectRef idx="0">
+            <a:schemeClr val="accent6"/>
+          </a:effectRef>
+          <a:fontRef idx="minor">
+            <a:schemeClr val="dk1"/>
+          </a:fontRef>
+        </p:style>
+        <p:txBody>
+          <a:bodyPr rtlCol="0" anchor="ctr"/>
+          <a:lstStyle/>
+          <a:p>
+            <a:pPr algn="ctr"/>
+            <a:r>
+              <a:rPr lang="en-US" sz="1400" dirty="0"/>
+              <a:t>Build &amp; Tests</a:t>
+            </a:r>
+          </a:p>
+        </p:txBody>
+      </p:sp>
+      <p:sp>
+        <p:nvSpPr>
+          <p:cNvPr id="8" name="Rectangle 7">
+            <a:extLst>
+              <a:ext uri="{FF2B5EF4-FFF2-40B4-BE49-F238E27FC236}">
+                <a16:creationId xmlns:a16="http://schemas.microsoft.com/office/drawing/2014/main" id="{21B0299E-3379-5644-9086-E2BFC3854061}"/>
+              </a:ext>
+            </a:extLst>
+          </p:cNvPr>
+          <p:cNvSpPr/>
+          <p:nvPr/>
+        </p:nvSpPr>
+        <p:spPr>
+          <a:xfrm>
+            <a:off x="7798465" y="1640062"/>
+            <a:ext cx="1654628" cy="424543"/>
+          </a:xfrm>
+          <a:prstGeom prst="rect">
+            <a:avLst/>
+          </a:prstGeom>
+        </p:spPr>
+        <p:style>
+          <a:lnRef idx="2">
+            <a:schemeClr val="accent6"/>
+          </a:lnRef>
+          <a:fillRef idx="1">
+            <a:schemeClr val="lt1"/>
+          </a:fillRef>
+          <a:effectRef idx="0">
+            <a:schemeClr val="accent6"/>
+          </a:effectRef>
+          <a:fontRef idx="minor">
+            <a:schemeClr val="dk1"/>
+          </a:fontRef>
+        </p:style>
+        <p:txBody>
+          <a:bodyPr rtlCol="0" anchor="ctr"/>
+          <a:lstStyle/>
+          <a:p>
+            <a:pPr algn="ctr"/>
+            <a:r>
+              <a:rPr lang="en-US" sz="1300" dirty="0"/>
+              <a:t>Deployment</a:t>
+            </a:r>
+          </a:p>
+        </p:txBody>
+      </p:sp>
+      <p:cxnSp>
+        <p:nvCxnSpPr>
+          <p:cNvPr id="10" name="Straight Connector 9">
+            <a:extLst>
+              <a:ext uri="{FF2B5EF4-FFF2-40B4-BE49-F238E27FC236}">
+                <a16:creationId xmlns:a16="http://schemas.microsoft.com/office/drawing/2014/main" id="{E6193D10-0C82-A24D-AC44-0AB62A60CC66}"/>
+              </a:ext>
+            </a:extLst>
+          </p:cNvPr>
+          <p:cNvCxnSpPr>
+            <a:cxnSpLocks/>
+          </p:cNvCxnSpPr>
+          <p:nvPr/>
+        </p:nvCxnSpPr>
+        <p:spPr>
+          <a:xfrm>
+            <a:off x="2960915" y="2162577"/>
+            <a:ext cx="0" cy="4336501"/>
+          </a:xfrm>
+          <a:prstGeom prst="line">
+            <a:avLst/>
+          </a:prstGeom>
+          <a:ln w="28575">
+            <a:prstDash val="sysDash"/>
+          </a:ln>
+        </p:spPr>
+        <p:style>
+          <a:lnRef idx="1">
+            <a:schemeClr val="accent1"/>
+          </a:lnRef>
+          <a:fillRef idx="0">
+            <a:schemeClr val="accent1"/>
+          </a:fillRef>
+          <a:effectRef idx="0">
+            <a:schemeClr val="accent1"/>
+          </a:effectRef>
+          <a:fontRef idx="minor">
+            <a:schemeClr val="tx1"/>
+          </a:fontRef>
+        </p:style>
+      </p:cxnSp>
+      <p:cxnSp>
+        <p:nvCxnSpPr>
+          <p:cNvPr id="11" name="Straight Connector 10">
+            <a:extLst>
+              <a:ext uri="{FF2B5EF4-FFF2-40B4-BE49-F238E27FC236}">
+                <a16:creationId xmlns:a16="http://schemas.microsoft.com/office/drawing/2014/main" id="{99E3C599-CE45-9840-8509-FEB5B7AB6882}"/>
+              </a:ext>
+            </a:extLst>
+          </p:cNvPr>
+          <p:cNvCxnSpPr>
+            <a:cxnSpLocks/>
+          </p:cNvCxnSpPr>
+          <p:nvPr/>
+        </p:nvCxnSpPr>
+        <p:spPr>
+          <a:xfrm>
+            <a:off x="4855030" y="2162577"/>
+            <a:ext cx="0" cy="4336501"/>
+          </a:xfrm>
+          <a:prstGeom prst="line">
+            <a:avLst/>
+          </a:prstGeom>
+          <a:ln w="28575">
+            <a:prstDash val="sysDash"/>
+          </a:ln>
+        </p:spPr>
+        <p:style>
+          <a:lnRef idx="1">
+            <a:schemeClr val="accent1"/>
+          </a:lnRef>
+          <a:fillRef idx="0">
+            <a:schemeClr val="accent1"/>
+          </a:fillRef>
+          <a:effectRef idx="0">
+            <a:schemeClr val="accent1"/>
+          </a:effectRef>
+          <a:fontRef idx="minor">
+            <a:schemeClr val="tx1"/>
+          </a:fontRef>
+        </p:style>
+      </p:cxnSp>
+      <p:cxnSp>
+        <p:nvCxnSpPr>
+          <p:cNvPr id="12" name="Straight Connector 11">
+            <a:extLst>
+              <a:ext uri="{FF2B5EF4-FFF2-40B4-BE49-F238E27FC236}">
+                <a16:creationId xmlns:a16="http://schemas.microsoft.com/office/drawing/2014/main" id="{45C34FBB-0B86-814E-AAA4-B8CB4D7F2D96}"/>
+              </a:ext>
+            </a:extLst>
+          </p:cNvPr>
+          <p:cNvCxnSpPr>
+            <a:cxnSpLocks/>
+          </p:cNvCxnSpPr>
+          <p:nvPr/>
+        </p:nvCxnSpPr>
+        <p:spPr>
+          <a:xfrm>
+            <a:off x="6803573" y="2162577"/>
+            <a:ext cx="0" cy="4336501"/>
+          </a:xfrm>
+          <a:prstGeom prst="line">
+            <a:avLst/>
+          </a:prstGeom>
+          <a:ln w="28575">
+            <a:prstDash val="sysDash"/>
+          </a:ln>
+        </p:spPr>
+        <p:style>
+          <a:lnRef idx="1">
+            <a:schemeClr val="accent1"/>
+          </a:lnRef>
+          <a:fillRef idx="0">
+            <a:schemeClr val="accent1"/>
+          </a:fillRef>
+          <a:effectRef idx="0">
+            <a:schemeClr val="accent1"/>
+          </a:effectRef>
+          <a:fontRef idx="minor">
+            <a:schemeClr val="tx1"/>
+          </a:fontRef>
+        </p:style>
+      </p:cxnSp>
+      <p:cxnSp>
+        <p:nvCxnSpPr>
+          <p:cNvPr id="14" name="Straight Connector 13">
+            <a:extLst>
+              <a:ext uri="{FF2B5EF4-FFF2-40B4-BE49-F238E27FC236}">
+                <a16:creationId xmlns:a16="http://schemas.microsoft.com/office/drawing/2014/main" id="{E8C9C7A7-512C-B149-A68D-164F2F2628AA}"/>
+              </a:ext>
+            </a:extLst>
+          </p:cNvPr>
+          <p:cNvCxnSpPr>
+            <a:cxnSpLocks/>
+          </p:cNvCxnSpPr>
+          <p:nvPr/>
+        </p:nvCxnSpPr>
+        <p:spPr>
+          <a:xfrm>
+            <a:off x="8625779" y="2162577"/>
+            <a:ext cx="0" cy="4336501"/>
+          </a:xfrm>
+          <a:prstGeom prst="line">
+            <a:avLst/>
+          </a:prstGeom>
+          <a:ln w="28575">
+            <a:prstDash val="sysDash"/>
+          </a:ln>
+        </p:spPr>
+        <p:style>
+          <a:lnRef idx="1">
+            <a:schemeClr val="accent1"/>
+          </a:lnRef>
+          <a:fillRef idx="0">
+            <a:schemeClr val="accent1"/>
+          </a:fillRef>
+          <a:effectRef idx="0">
+            <a:schemeClr val="accent1"/>
+          </a:effectRef>
+          <a:fontRef idx="minor">
+            <a:schemeClr val="tx1"/>
+          </a:fontRef>
+        </p:style>
+      </p:cxnSp>
+      <p:sp>
+        <p:nvSpPr>
+          <p:cNvPr id="15" name="Rectangle 14">
+            <a:extLst>
+              <a:ext uri="{FF2B5EF4-FFF2-40B4-BE49-F238E27FC236}">
+                <a16:creationId xmlns:a16="http://schemas.microsoft.com/office/drawing/2014/main" id="{425AB55F-B8E0-A941-973C-35C9AFF8D3D5}"/>
+              </a:ext>
+            </a:extLst>
+          </p:cNvPr>
+          <p:cNvSpPr/>
+          <p:nvPr/>
+        </p:nvSpPr>
+        <p:spPr>
+          <a:xfrm>
+            <a:off x="6672944" y="2512996"/>
+            <a:ext cx="261258" cy="424543"/>
+          </a:xfrm>
+          <a:prstGeom prst="rect">
+            <a:avLst/>
+          </a:prstGeom>
+        </p:spPr>
+        <p:style>
+          <a:lnRef idx="2">
+            <a:schemeClr val="accent6">
+              <a:shade val="50000"/>
+            </a:schemeClr>
+          </a:lnRef>
+          <a:fillRef idx="1">
+            <a:schemeClr val="accent6"/>
+          </a:fillRef>
+          <a:effectRef idx="0">
+            <a:schemeClr val="accent6"/>
+          </a:effectRef>
+          <a:fontRef idx="minor">
+            <a:schemeClr val="lt1"/>
+          </a:fontRef>
+        </p:style>
+        <p:txBody>
+          <a:bodyPr rtlCol="0" anchor="ctr"/>
+          <a:lstStyle/>
+          <a:p>
+            <a:pPr algn="ctr"/>
+            <a:endParaRPr lang="en-US"/>
+          </a:p>
+        </p:txBody>
+      </p:sp>
+      <p:sp>
+        <p:nvSpPr>
+          <p:cNvPr id="16" name="Rectangle 15">
+            <a:extLst>
+              <a:ext uri="{FF2B5EF4-FFF2-40B4-BE49-F238E27FC236}">
+                <a16:creationId xmlns:a16="http://schemas.microsoft.com/office/drawing/2014/main" id="{96D24F6C-B685-1A4D-9F6D-77550620706A}"/>
+              </a:ext>
+            </a:extLst>
+          </p:cNvPr>
+          <p:cNvSpPr/>
+          <p:nvPr/>
+        </p:nvSpPr>
+        <p:spPr>
+          <a:xfrm>
+            <a:off x="2830288" y="2219082"/>
+            <a:ext cx="261258" cy="424543"/>
+          </a:xfrm>
+          <a:prstGeom prst="rect">
+            <a:avLst/>
+          </a:prstGeom>
+        </p:spPr>
+        <p:style>
+          <a:lnRef idx="2">
+            <a:schemeClr val="dk1"/>
+          </a:lnRef>
+          <a:fillRef idx="1">
+            <a:schemeClr val="lt1"/>
+          </a:fillRef>
+          <a:effectRef idx="0">
+            <a:schemeClr val="dk1"/>
+          </a:effectRef>
+          <a:fontRef idx="minor">
+            <a:schemeClr val="dk1"/>
+          </a:fontRef>
+        </p:style>
+        <p:txBody>
+          <a:bodyPr rtlCol="0" anchor="ctr"/>
+          <a:lstStyle/>
+          <a:p>
+            <a:pPr algn="ctr"/>
+            <a:endParaRPr lang="en-US"/>
+          </a:p>
+        </p:txBody>
+      </p:sp>
+      <p:sp>
+        <p:nvSpPr>
+          <p:cNvPr id="17" name="Rectangle 16">
+            <a:extLst>
+              <a:ext uri="{FF2B5EF4-FFF2-40B4-BE49-F238E27FC236}">
+                <a16:creationId xmlns:a16="http://schemas.microsoft.com/office/drawing/2014/main" id="{0758CAAA-0399-1A43-AF31-84F415435E42}"/>
+              </a:ext>
+            </a:extLst>
+          </p:cNvPr>
+          <p:cNvSpPr/>
+          <p:nvPr/>
+        </p:nvSpPr>
+        <p:spPr>
+          <a:xfrm>
+            <a:off x="4724401" y="2322497"/>
+            <a:ext cx="261258" cy="424543"/>
+          </a:xfrm>
+          <a:prstGeom prst="rect">
+            <a:avLst/>
+          </a:prstGeom>
+        </p:spPr>
+        <p:style>
+          <a:lnRef idx="2">
+            <a:schemeClr val="dk1"/>
+          </a:lnRef>
+          <a:fillRef idx="1">
+            <a:schemeClr val="lt1"/>
+          </a:fillRef>
+          <a:effectRef idx="0">
+            <a:schemeClr val="dk1"/>
+          </a:effectRef>
+          <a:fontRef idx="minor">
+            <a:schemeClr val="dk1"/>
+          </a:fontRef>
+        </p:style>
+        <p:txBody>
+          <a:bodyPr rtlCol="0" anchor="ctr"/>
+          <a:lstStyle/>
+          <a:p>
+            <a:pPr algn="ctr"/>
+            <a:endParaRPr lang="en-US"/>
+          </a:p>
+        </p:txBody>
+      </p:sp>
+      <p:cxnSp>
+        <p:nvCxnSpPr>
+          <p:cNvPr id="19" name="Straight Arrow Connector 18">
+            <a:extLst>
+              <a:ext uri="{FF2B5EF4-FFF2-40B4-BE49-F238E27FC236}">
+                <a16:creationId xmlns:a16="http://schemas.microsoft.com/office/drawing/2014/main" id="{6245029B-994D-C54B-81B3-77A2F39587BB}"/>
+              </a:ext>
+            </a:extLst>
+          </p:cNvPr>
+          <p:cNvCxnSpPr/>
+          <p:nvPr/>
+        </p:nvCxnSpPr>
+        <p:spPr>
+          <a:xfrm>
+            <a:off x="3167423" y="2431353"/>
+            <a:ext cx="1480454" cy="0"/>
+          </a:xfrm>
+          <a:prstGeom prst="straightConnector1">
+            <a:avLst/>
+          </a:prstGeom>
+          <a:ln>
+            <a:tailEnd type="triangle"/>
+          </a:ln>
+        </p:spPr>
+        <p:style>
+          <a:lnRef idx="1">
+            <a:schemeClr val="accent1"/>
+          </a:lnRef>
+          <a:fillRef idx="0">
+            <a:schemeClr val="accent1"/>
+          </a:fillRef>
+          <a:effectRef idx="0">
+            <a:schemeClr val="accent1"/>
+          </a:effectRef>
+          <a:fontRef idx="minor">
+            <a:schemeClr val="tx1"/>
+          </a:fontRef>
+        </p:style>
+      </p:cxnSp>
+      <p:cxnSp>
+        <p:nvCxnSpPr>
+          <p:cNvPr id="22" name="Straight Arrow Connector 21">
+            <a:extLst>
+              <a:ext uri="{FF2B5EF4-FFF2-40B4-BE49-F238E27FC236}">
+                <a16:creationId xmlns:a16="http://schemas.microsoft.com/office/drawing/2014/main" id="{47687437-73BB-5D4A-9934-F899DBDEF61D}"/>
+              </a:ext>
+            </a:extLst>
+          </p:cNvPr>
+          <p:cNvCxnSpPr/>
+          <p:nvPr/>
+        </p:nvCxnSpPr>
+        <p:spPr>
+          <a:xfrm>
+            <a:off x="5083308" y="2600082"/>
+            <a:ext cx="1480454" cy="0"/>
+          </a:xfrm>
+          <a:prstGeom prst="straightConnector1">
+            <a:avLst/>
+          </a:prstGeom>
+          <a:ln>
+            <a:tailEnd type="triangle"/>
+          </a:ln>
+        </p:spPr>
+        <p:style>
+          <a:lnRef idx="1">
+            <a:schemeClr val="accent1"/>
+          </a:lnRef>
+          <a:fillRef idx="0">
+            <a:schemeClr val="accent1"/>
+          </a:fillRef>
+          <a:effectRef idx="0">
+            <a:schemeClr val="accent1"/>
+          </a:effectRef>
+          <a:fontRef idx="minor">
+            <a:schemeClr val="tx1"/>
+          </a:fontRef>
+        </p:style>
+      </p:cxnSp>
+      <p:cxnSp>
+        <p:nvCxnSpPr>
+          <p:cNvPr id="23" name="Straight Arrow Connector 22">
+            <a:extLst>
+              <a:ext uri="{FF2B5EF4-FFF2-40B4-BE49-F238E27FC236}">
+                <a16:creationId xmlns:a16="http://schemas.microsoft.com/office/drawing/2014/main" id="{FDB9A343-135A-C54F-92E8-7476D16CAADA}"/>
+              </a:ext>
+            </a:extLst>
+          </p:cNvPr>
+          <p:cNvCxnSpPr>
+            <a:cxnSpLocks/>
+          </p:cNvCxnSpPr>
+          <p:nvPr/>
+        </p:nvCxnSpPr>
+        <p:spPr>
+          <a:xfrm flipH="1">
+            <a:off x="3091544" y="2937539"/>
+            <a:ext cx="3472215" cy="0"/>
+          </a:xfrm>
+          <a:prstGeom prst="straightConnector1">
+            <a:avLst/>
+          </a:prstGeom>
+          <a:ln>
+            <a:tailEnd type="triangle"/>
+          </a:ln>
+        </p:spPr>
+        <p:style>
+          <a:lnRef idx="1">
+            <a:schemeClr val="accent1"/>
+          </a:lnRef>
+          <a:fillRef idx="0">
+            <a:schemeClr val="accent1"/>
+          </a:fillRef>
+          <a:effectRef idx="0">
+            <a:schemeClr val="accent1"/>
+          </a:effectRef>
+          <a:fontRef idx="minor">
+            <a:schemeClr val="tx1"/>
+          </a:fontRef>
+        </p:style>
+      </p:cxnSp>
+      <p:sp>
+        <p:nvSpPr>
+          <p:cNvPr id="28" name="Rectangle 27">
+            <a:extLst>
+              <a:ext uri="{FF2B5EF4-FFF2-40B4-BE49-F238E27FC236}">
+                <a16:creationId xmlns:a16="http://schemas.microsoft.com/office/drawing/2014/main" id="{D73C53E1-8E6B-6145-BB5E-E6023ACE38E3}"/>
+              </a:ext>
+            </a:extLst>
+          </p:cNvPr>
+          <p:cNvSpPr/>
+          <p:nvPr/>
+        </p:nvSpPr>
+        <p:spPr>
+          <a:xfrm>
+            <a:off x="2830286" y="3298325"/>
+            <a:ext cx="261258" cy="424543"/>
+          </a:xfrm>
+          <a:prstGeom prst="rect">
+            <a:avLst/>
+          </a:prstGeom>
+        </p:spPr>
+        <p:style>
+          <a:lnRef idx="2">
+            <a:schemeClr val="dk1"/>
+          </a:lnRef>
+          <a:fillRef idx="1">
+            <a:schemeClr val="lt1"/>
+          </a:fillRef>
+          <a:effectRef idx="0">
+            <a:schemeClr val="dk1"/>
+          </a:effectRef>
+          <a:fontRef idx="minor">
+            <a:schemeClr val="dk1"/>
+          </a:fontRef>
+        </p:style>
+        <p:txBody>
+          <a:bodyPr rtlCol="0" anchor="ctr"/>
+          <a:lstStyle/>
+          <a:p>
+            <a:pPr algn="ctr"/>
+            <a:endParaRPr lang="en-US"/>
+          </a:p>
+        </p:txBody>
+      </p:sp>
+      <p:sp>
+        <p:nvSpPr>
+          <p:cNvPr id="29" name="Rectangle 28">
+            <a:extLst>
+              <a:ext uri="{FF2B5EF4-FFF2-40B4-BE49-F238E27FC236}">
+                <a16:creationId xmlns:a16="http://schemas.microsoft.com/office/drawing/2014/main" id="{6D7A3577-7EFC-C548-9ABD-FA0AAB087803}"/>
+              </a:ext>
+            </a:extLst>
+          </p:cNvPr>
+          <p:cNvSpPr/>
+          <p:nvPr/>
+        </p:nvSpPr>
+        <p:spPr>
+          <a:xfrm>
+            <a:off x="4724401" y="3395265"/>
+            <a:ext cx="261258" cy="424543"/>
+          </a:xfrm>
+          <a:prstGeom prst="rect">
+            <a:avLst/>
+          </a:prstGeom>
+        </p:spPr>
+        <p:style>
+          <a:lnRef idx="2">
+            <a:schemeClr val="dk1"/>
+          </a:lnRef>
+          <a:fillRef idx="1">
+            <a:schemeClr val="lt1"/>
+          </a:fillRef>
+          <a:effectRef idx="0">
+            <a:schemeClr val="dk1"/>
+          </a:effectRef>
+          <a:fontRef idx="minor">
+            <a:schemeClr val="dk1"/>
+          </a:fontRef>
+        </p:style>
+        <p:txBody>
+          <a:bodyPr rtlCol="0" anchor="ctr"/>
+          <a:lstStyle/>
+          <a:p>
+            <a:pPr algn="ctr"/>
+            <a:endParaRPr lang="en-US"/>
+          </a:p>
+        </p:txBody>
+      </p:sp>
+      <p:sp>
+        <p:nvSpPr>
+          <p:cNvPr id="30" name="Rectangle 29">
+            <a:extLst>
+              <a:ext uri="{FF2B5EF4-FFF2-40B4-BE49-F238E27FC236}">
+                <a16:creationId xmlns:a16="http://schemas.microsoft.com/office/drawing/2014/main" id="{4244DCC3-DE24-D547-8779-37E6CF6EAF21}"/>
+              </a:ext>
+            </a:extLst>
+          </p:cNvPr>
+          <p:cNvSpPr/>
+          <p:nvPr/>
+        </p:nvSpPr>
+        <p:spPr>
+          <a:xfrm>
+            <a:off x="6670643" y="3428803"/>
+            <a:ext cx="261258" cy="424543"/>
+          </a:xfrm>
+          <a:prstGeom prst="rect">
+            <a:avLst/>
+          </a:prstGeom>
+          <a:solidFill>
+            <a:srgbClr val="92D050"/>
+          </a:solidFill>
+          <a:ln>
+            <a:noFill/>
+          </a:ln>
+        </p:spPr>
+        <p:style>
+          <a:lnRef idx="2">
+            <a:schemeClr val="accent6">
+              <a:shade val="50000"/>
+            </a:schemeClr>
+          </a:lnRef>
+          <a:fillRef idx="1">
+            <a:schemeClr val="accent6"/>
+          </a:fillRef>
+          <a:effectRef idx="0">
+            <a:schemeClr val="accent6"/>
+          </a:effectRef>
+          <a:fontRef idx="minor">
+            <a:schemeClr val="lt1"/>
+          </a:fontRef>
+        </p:style>
+        <p:txBody>
+          <a:bodyPr rtlCol="0" anchor="ctr"/>
+          <a:lstStyle/>
+          <a:p>
+            <a:pPr algn="ctr"/>
+            <a:endParaRPr lang="en-US"/>
+          </a:p>
+        </p:txBody>
+      </p:sp>
+      <p:cxnSp>
+        <p:nvCxnSpPr>
+          <p:cNvPr id="31" name="Straight Arrow Connector 30">
+            <a:extLst>
+              <a:ext uri="{FF2B5EF4-FFF2-40B4-BE49-F238E27FC236}">
+                <a16:creationId xmlns:a16="http://schemas.microsoft.com/office/drawing/2014/main" id="{FE0AF0C9-FA76-E247-BF36-43999C1274CD}"/>
+              </a:ext>
+            </a:extLst>
+          </p:cNvPr>
+          <p:cNvCxnSpPr/>
+          <p:nvPr/>
+        </p:nvCxnSpPr>
+        <p:spPr>
+          <a:xfrm>
+            <a:off x="3167423" y="3512530"/>
+            <a:ext cx="1480454" cy="0"/>
+          </a:xfrm>
+          <a:prstGeom prst="straightConnector1">
+            <a:avLst/>
+          </a:prstGeom>
+          <a:ln>
+            <a:tailEnd type="triangle"/>
+          </a:ln>
+        </p:spPr>
+        <p:style>
+          <a:lnRef idx="1">
+            <a:schemeClr val="accent1"/>
+          </a:lnRef>
+          <a:fillRef idx="0">
+            <a:schemeClr val="accent1"/>
+          </a:fillRef>
+          <a:effectRef idx="0">
+            <a:schemeClr val="accent1"/>
+          </a:effectRef>
+          <a:fontRef idx="minor">
+            <a:schemeClr val="tx1"/>
+          </a:fontRef>
+        </p:style>
+      </p:cxnSp>
+      <p:cxnSp>
+        <p:nvCxnSpPr>
+          <p:cNvPr id="32" name="Straight Arrow Connector 31">
+            <a:extLst>
+              <a:ext uri="{FF2B5EF4-FFF2-40B4-BE49-F238E27FC236}">
+                <a16:creationId xmlns:a16="http://schemas.microsoft.com/office/drawing/2014/main" id="{B2440D26-A373-5E4F-9A30-6F872188687E}"/>
+              </a:ext>
+            </a:extLst>
+          </p:cNvPr>
+          <p:cNvCxnSpPr/>
+          <p:nvPr/>
+        </p:nvCxnSpPr>
+        <p:spPr>
+          <a:xfrm>
+            <a:off x="5083308" y="3579663"/>
+            <a:ext cx="1480454" cy="0"/>
+          </a:xfrm>
+          <a:prstGeom prst="straightConnector1">
+            <a:avLst/>
+          </a:prstGeom>
+          <a:ln>
+            <a:tailEnd type="triangle"/>
+          </a:ln>
+        </p:spPr>
+        <p:style>
+          <a:lnRef idx="1">
+            <a:schemeClr val="accent1"/>
+          </a:lnRef>
+          <a:fillRef idx="0">
+            <a:schemeClr val="accent1"/>
+          </a:fillRef>
+          <a:effectRef idx="0">
+            <a:schemeClr val="accent1"/>
+          </a:effectRef>
+          <a:fontRef idx="minor">
+            <a:schemeClr val="tx1"/>
+          </a:fontRef>
+        </p:style>
+      </p:cxnSp>
+      <p:cxnSp>
+        <p:nvCxnSpPr>
+          <p:cNvPr id="40" name="Straight Arrow Connector 39">
+            <a:extLst>
+              <a:ext uri="{FF2B5EF4-FFF2-40B4-BE49-F238E27FC236}">
+                <a16:creationId xmlns:a16="http://schemas.microsoft.com/office/drawing/2014/main" id="{DD5E89A2-7340-9945-97F3-C0DA0ECA36F8}"/>
+              </a:ext>
+            </a:extLst>
+          </p:cNvPr>
+          <p:cNvCxnSpPr/>
+          <p:nvPr/>
+        </p:nvCxnSpPr>
+        <p:spPr>
+          <a:xfrm>
+            <a:off x="7000522" y="3689179"/>
+            <a:ext cx="1480454" cy="0"/>
+          </a:xfrm>
+          <a:prstGeom prst="straightConnector1">
+            <a:avLst/>
+          </a:prstGeom>
+          <a:ln>
+            <a:tailEnd type="triangle"/>
+          </a:ln>
+        </p:spPr>
+        <p:style>
+          <a:lnRef idx="1">
+            <a:schemeClr val="accent1"/>
+          </a:lnRef>
+          <a:fillRef idx="0">
+            <a:schemeClr val="accent1"/>
+          </a:fillRef>
+          <a:effectRef idx="0">
+            <a:schemeClr val="accent1"/>
+          </a:effectRef>
+          <a:fontRef idx="minor">
+            <a:schemeClr val="tx1"/>
+          </a:fontRef>
+        </p:style>
+      </p:cxnSp>
+      <p:cxnSp>
+        <p:nvCxnSpPr>
+          <p:cNvPr id="41" name="Straight Arrow Connector 40">
+            <a:extLst>
+              <a:ext uri="{FF2B5EF4-FFF2-40B4-BE49-F238E27FC236}">
+                <a16:creationId xmlns:a16="http://schemas.microsoft.com/office/drawing/2014/main" id="{CCC08BA7-7A32-534D-B065-B9866DB7CAC5}"/>
+              </a:ext>
+            </a:extLst>
+          </p:cNvPr>
+          <p:cNvCxnSpPr>
+            <a:cxnSpLocks/>
+          </p:cNvCxnSpPr>
+          <p:nvPr/>
+        </p:nvCxnSpPr>
+        <p:spPr>
+          <a:xfrm flipH="1">
+            <a:off x="3167423" y="4078987"/>
+            <a:ext cx="5290452" cy="0"/>
+          </a:xfrm>
+          <a:prstGeom prst="straightConnector1">
+            <a:avLst/>
+          </a:prstGeom>
+          <a:ln>
+            <a:tailEnd type="triangle"/>
+          </a:ln>
+        </p:spPr>
+        <p:style>
+          <a:lnRef idx="1">
+            <a:schemeClr val="accent1"/>
+          </a:lnRef>
+          <a:fillRef idx="0">
+            <a:schemeClr val="accent1"/>
+          </a:fillRef>
+          <a:effectRef idx="0">
+            <a:schemeClr val="accent1"/>
+          </a:effectRef>
+          <a:fontRef idx="minor">
+            <a:schemeClr val="tx1"/>
+          </a:fontRef>
+        </p:style>
+      </p:cxnSp>
+      <p:sp>
+        <p:nvSpPr>
+          <p:cNvPr id="43" name="Rectangle 42">
+            <a:extLst>
+              <a:ext uri="{FF2B5EF4-FFF2-40B4-BE49-F238E27FC236}">
+                <a16:creationId xmlns:a16="http://schemas.microsoft.com/office/drawing/2014/main" id="{B1C34CEE-0FDB-4348-9DBD-440DFA42991F}"/>
+              </a:ext>
+            </a:extLst>
+          </p:cNvPr>
+          <p:cNvSpPr/>
+          <p:nvPr/>
+        </p:nvSpPr>
+        <p:spPr>
+          <a:xfrm>
+            <a:off x="2830286" y="4430439"/>
+            <a:ext cx="261258" cy="424543"/>
+          </a:xfrm>
+          <a:prstGeom prst="rect">
+            <a:avLst/>
+          </a:prstGeom>
+        </p:spPr>
+        <p:style>
+          <a:lnRef idx="2">
+            <a:schemeClr val="dk1"/>
+          </a:lnRef>
+          <a:fillRef idx="1">
+            <a:schemeClr val="lt1"/>
+          </a:fillRef>
+          <a:effectRef idx="0">
+            <a:schemeClr val="dk1"/>
+          </a:effectRef>
+          <a:fontRef idx="minor">
+            <a:schemeClr val="dk1"/>
+          </a:fontRef>
+        </p:style>
+        <p:txBody>
+          <a:bodyPr rtlCol="0" anchor="ctr"/>
+          <a:lstStyle/>
+          <a:p>
+            <a:pPr algn="ctr"/>
+            <a:endParaRPr lang="en-US"/>
+          </a:p>
+        </p:txBody>
+      </p:sp>
+      <p:sp>
+        <p:nvSpPr>
+          <p:cNvPr id="44" name="Rectangle 43">
+            <a:extLst>
+              <a:ext uri="{FF2B5EF4-FFF2-40B4-BE49-F238E27FC236}">
+                <a16:creationId xmlns:a16="http://schemas.microsoft.com/office/drawing/2014/main" id="{0086AFDB-386F-1541-A665-F25F52267567}"/>
+              </a:ext>
+            </a:extLst>
+          </p:cNvPr>
+          <p:cNvSpPr/>
+          <p:nvPr/>
+        </p:nvSpPr>
+        <p:spPr>
+          <a:xfrm>
+            <a:off x="4724401" y="4628979"/>
+            <a:ext cx="261258" cy="424543"/>
+          </a:xfrm>
+          <a:prstGeom prst="rect">
+            <a:avLst/>
+          </a:prstGeom>
+        </p:spPr>
+        <p:style>
+          <a:lnRef idx="2">
+            <a:schemeClr val="dk1"/>
+          </a:lnRef>
+          <a:fillRef idx="1">
+            <a:schemeClr val="lt1"/>
+          </a:fillRef>
+          <a:effectRef idx="0">
+            <a:schemeClr val="dk1"/>
+          </a:effectRef>
+          <a:fontRef idx="minor">
+            <a:schemeClr val="dk1"/>
+          </a:fontRef>
+        </p:style>
+        <p:txBody>
+          <a:bodyPr rtlCol="0" anchor="ctr"/>
+          <a:lstStyle/>
+          <a:p>
+            <a:pPr algn="ctr"/>
+            <a:endParaRPr lang="en-US"/>
+          </a:p>
+        </p:txBody>
+      </p:sp>
+      <p:sp>
+        <p:nvSpPr>
+          <p:cNvPr id="45" name="Rectangle 44">
+            <a:extLst>
+              <a:ext uri="{FF2B5EF4-FFF2-40B4-BE49-F238E27FC236}">
+                <a16:creationId xmlns:a16="http://schemas.microsoft.com/office/drawing/2014/main" id="{12B95646-2DD8-B542-A258-AFB086603037}"/>
+              </a:ext>
+            </a:extLst>
+          </p:cNvPr>
+          <p:cNvSpPr/>
+          <p:nvPr/>
+        </p:nvSpPr>
+        <p:spPr>
+          <a:xfrm>
+            <a:off x="6670643" y="4807660"/>
+            <a:ext cx="261258" cy="424543"/>
+          </a:xfrm>
+          <a:prstGeom prst="rect">
+            <a:avLst/>
+          </a:prstGeom>
+          <a:solidFill>
+            <a:srgbClr val="92D050"/>
+          </a:solidFill>
+          <a:ln>
+            <a:noFill/>
+          </a:ln>
+        </p:spPr>
+        <p:style>
+          <a:lnRef idx="2">
+            <a:schemeClr val="accent6">
+              <a:shade val="50000"/>
+            </a:schemeClr>
+          </a:lnRef>
+          <a:fillRef idx="1">
+            <a:schemeClr val="accent6"/>
+          </a:fillRef>
+          <a:effectRef idx="0">
+            <a:schemeClr val="accent6"/>
+          </a:effectRef>
+          <a:fontRef idx="minor">
+            <a:schemeClr val="lt1"/>
+          </a:fontRef>
+        </p:style>
+        <p:txBody>
+          <a:bodyPr rtlCol="0" anchor="ctr"/>
+          <a:lstStyle/>
+          <a:p>
+            <a:pPr algn="ctr"/>
+            <a:endParaRPr lang="en-US"/>
+          </a:p>
+        </p:txBody>
+      </p:sp>
+      <p:sp>
+        <p:nvSpPr>
+          <p:cNvPr id="47" name="Rectangle 46">
+            <a:extLst>
+              <a:ext uri="{FF2B5EF4-FFF2-40B4-BE49-F238E27FC236}">
+                <a16:creationId xmlns:a16="http://schemas.microsoft.com/office/drawing/2014/main" id="{B725F50D-4727-F647-95B7-77F0A4207924}"/>
+              </a:ext>
+            </a:extLst>
+          </p:cNvPr>
+          <p:cNvSpPr/>
+          <p:nvPr/>
+        </p:nvSpPr>
+        <p:spPr>
+          <a:xfrm>
+            <a:off x="8556422" y="4892367"/>
+            <a:ext cx="261258" cy="591654"/>
+          </a:xfrm>
+          <a:prstGeom prst="rect">
+            <a:avLst/>
+          </a:prstGeom>
+          <a:solidFill>
+            <a:srgbClr val="92D050"/>
+          </a:solidFill>
+          <a:ln>
+            <a:noFill/>
+          </a:ln>
+        </p:spPr>
+        <p:style>
+          <a:lnRef idx="2">
+            <a:schemeClr val="accent6">
+              <a:shade val="50000"/>
+            </a:schemeClr>
+          </a:lnRef>
+          <a:fillRef idx="1">
+            <a:schemeClr val="accent6"/>
+          </a:fillRef>
+          <a:effectRef idx="0">
+            <a:schemeClr val="accent6"/>
+          </a:effectRef>
+          <a:fontRef idx="minor">
+            <a:schemeClr val="lt1"/>
+          </a:fontRef>
+        </p:style>
+        <p:txBody>
+          <a:bodyPr rtlCol="0" anchor="ctr"/>
+          <a:lstStyle/>
+          <a:p>
+            <a:pPr algn="ctr"/>
+            <a:endParaRPr lang="en-US"/>
+          </a:p>
+        </p:txBody>
+      </p:sp>
+      <p:cxnSp>
+        <p:nvCxnSpPr>
+          <p:cNvPr id="48" name="Straight Arrow Connector 47">
+            <a:extLst>
+              <a:ext uri="{FF2B5EF4-FFF2-40B4-BE49-F238E27FC236}">
+                <a16:creationId xmlns:a16="http://schemas.microsoft.com/office/drawing/2014/main" id="{C2E4456B-2D89-1D4B-8A10-0164A916D4DF}"/>
+              </a:ext>
+            </a:extLst>
+          </p:cNvPr>
+          <p:cNvCxnSpPr/>
+          <p:nvPr/>
+        </p:nvCxnSpPr>
+        <p:spPr>
+          <a:xfrm>
+            <a:off x="3167423" y="4673810"/>
+            <a:ext cx="1480454" cy="0"/>
+          </a:xfrm>
+          <a:prstGeom prst="straightConnector1">
+            <a:avLst/>
+          </a:prstGeom>
+          <a:ln>
+            <a:tailEnd type="triangle"/>
+          </a:ln>
+        </p:spPr>
+        <p:style>
+          <a:lnRef idx="1">
+            <a:schemeClr val="accent1"/>
+          </a:lnRef>
+          <a:fillRef idx="0">
+            <a:schemeClr val="accent1"/>
+          </a:fillRef>
+          <a:effectRef idx="0">
+            <a:schemeClr val="accent1"/>
+          </a:effectRef>
+          <a:fontRef idx="minor">
+            <a:schemeClr val="tx1"/>
+          </a:fontRef>
+        </p:style>
+      </p:cxnSp>
+      <p:cxnSp>
+        <p:nvCxnSpPr>
+          <p:cNvPr id="49" name="Straight Arrow Connector 48">
+            <a:extLst>
+              <a:ext uri="{FF2B5EF4-FFF2-40B4-BE49-F238E27FC236}">
+                <a16:creationId xmlns:a16="http://schemas.microsoft.com/office/drawing/2014/main" id="{DEE04B70-1401-8348-807D-FB2B0707BC16}"/>
+              </a:ext>
+            </a:extLst>
+          </p:cNvPr>
+          <p:cNvCxnSpPr/>
+          <p:nvPr/>
+        </p:nvCxnSpPr>
+        <p:spPr>
+          <a:xfrm>
+            <a:off x="5083308" y="4842539"/>
+            <a:ext cx="1480454" cy="0"/>
+          </a:xfrm>
+          <a:prstGeom prst="straightConnector1">
+            <a:avLst/>
+          </a:prstGeom>
+          <a:ln>
+            <a:tailEnd type="triangle"/>
+          </a:ln>
+        </p:spPr>
+        <p:style>
+          <a:lnRef idx="1">
+            <a:schemeClr val="accent1"/>
+          </a:lnRef>
+          <a:fillRef idx="0">
+            <a:schemeClr val="accent1"/>
+          </a:fillRef>
+          <a:effectRef idx="0">
+            <a:schemeClr val="accent1"/>
+          </a:effectRef>
+          <a:fontRef idx="minor">
+            <a:schemeClr val="tx1"/>
+          </a:fontRef>
+        </p:style>
+      </p:cxnSp>
+      <p:cxnSp>
+        <p:nvCxnSpPr>
+          <p:cNvPr id="50" name="Straight Arrow Connector 49">
+            <a:extLst>
+              <a:ext uri="{FF2B5EF4-FFF2-40B4-BE49-F238E27FC236}">
+                <a16:creationId xmlns:a16="http://schemas.microsoft.com/office/drawing/2014/main" id="{B6FF3C37-8680-D843-BD13-52676AAE1BDE}"/>
+              </a:ext>
+            </a:extLst>
+          </p:cNvPr>
+          <p:cNvCxnSpPr/>
+          <p:nvPr/>
+        </p:nvCxnSpPr>
+        <p:spPr>
+          <a:xfrm>
+            <a:off x="7000522" y="5053522"/>
+            <a:ext cx="1480454" cy="0"/>
+          </a:xfrm>
+          <a:prstGeom prst="straightConnector1">
+            <a:avLst/>
+          </a:prstGeom>
+          <a:ln>
+            <a:tailEnd type="triangle"/>
+          </a:ln>
+        </p:spPr>
+        <p:style>
+          <a:lnRef idx="1">
+            <a:schemeClr val="accent1"/>
+          </a:lnRef>
+          <a:fillRef idx="0">
+            <a:schemeClr val="accent1"/>
+          </a:fillRef>
+          <a:effectRef idx="0">
+            <a:schemeClr val="accent1"/>
+          </a:effectRef>
+          <a:fontRef idx="minor">
+            <a:schemeClr val="tx1"/>
+          </a:fontRef>
+        </p:style>
+      </p:cxnSp>
+      <p:cxnSp>
+        <p:nvCxnSpPr>
+          <p:cNvPr id="52" name="Straight Arrow Connector 51">
+            <a:extLst>
+              <a:ext uri="{FF2B5EF4-FFF2-40B4-BE49-F238E27FC236}">
+                <a16:creationId xmlns:a16="http://schemas.microsoft.com/office/drawing/2014/main" id="{8F18244D-97A9-D44B-A125-4807789FE420}"/>
+              </a:ext>
+            </a:extLst>
+          </p:cNvPr>
+          <p:cNvCxnSpPr>
+            <a:cxnSpLocks/>
+          </p:cNvCxnSpPr>
+          <p:nvPr/>
+        </p:nvCxnSpPr>
+        <p:spPr>
+          <a:xfrm flipH="1" flipV="1">
+            <a:off x="3167424" y="6132159"/>
+            <a:ext cx="5313552" cy="16702"/>
+          </a:xfrm>
+          <a:prstGeom prst="straightConnector1">
+            <a:avLst/>
+          </a:prstGeom>
+          <a:ln>
+            <a:tailEnd type="triangle"/>
+          </a:ln>
+        </p:spPr>
+        <p:style>
+          <a:lnRef idx="1">
+            <a:schemeClr val="accent1"/>
+          </a:lnRef>
+          <a:fillRef idx="0">
+            <a:schemeClr val="accent1"/>
+          </a:fillRef>
+          <a:effectRef idx="0">
+            <a:schemeClr val="accent1"/>
+          </a:effectRef>
+          <a:fontRef idx="minor">
+            <a:schemeClr val="tx1"/>
+          </a:fontRef>
+        </p:style>
+      </p:cxnSp>
+      <p:sp>
+        <p:nvSpPr>
+          <p:cNvPr id="54" name="TextBox 53">
+            <a:extLst>
+              <a:ext uri="{FF2B5EF4-FFF2-40B4-BE49-F238E27FC236}">
+                <a16:creationId xmlns:a16="http://schemas.microsoft.com/office/drawing/2014/main" id="{338AB0ED-6DB9-034F-9011-79347C933744}"/>
+              </a:ext>
+            </a:extLst>
+          </p:cNvPr>
+          <p:cNvSpPr txBox="1"/>
+          <p:nvPr/>
+        </p:nvSpPr>
+        <p:spPr>
+          <a:xfrm>
+            <a:off x="3472543" y="2162578"/>
+            <a:ext cx="816422" cy="276999"/>
+          </a:xfrm>
+          <a:prstGeom prst="rect">
+            <a:avLst/>
+          </a:prstGeom>
+          <a:noFill/>
+        </p:spPr>
+        <p:txBody>
+          <a:bodyPr wrap="square" rtlCol="0">
+            <a:spAutoFit/>
+          </a:bodyPr>
+          <a:lstStyle/>
+          <a:p>
+            <a:r>
+              <a:rPr lang="en-US" sz="1200" dirty="0"/>
+              <a:t>Check in</a:t>
+            </a:r>
+          </a:p>
+        </p:txBody>
+      </p:sp>
+      <p:sp>
+        <p:nvSpPr>
+          <p:cNvPr id="55" name="TextBox 54">
+            <a:extLst>
+              <a:ext uri="{FF2B5EF4-FFF2-40B4-BE49-F238E27FC236}">
+                <a16:creationId xmlns:a16="http://schemas.microsoft.com/office/drawing/2014/main" id="{0CE4CCF3-3A84-F34E-BDC3-B9520EEF1C36}"/>
+              </a:ext>
+            </a:extLst>
+          </p:cNvPr>
+          <p:cNvSpPr txBox="1"/>
+          <p:nvPr/>
+        </p:nvSpPr>
+        <p:spPr>
+          <a:xfrm>
+            <a:off x="5421085" y="2339038"/>
+            <a:ext cx="816422" cy="276999"/>
+          </a:xfrm>
+          <a:prstGeom prst="rect">
+            <a:avLst/>
+          </a:prstGeom>
+          <a:noFill/>
+        </p:spPr>
+        <p:txBody>
+          <a:bodyPr wrap="square" rtlCol="0">
+            <a:spAutoFit/>
+          </a:bodyPr>
+          <a:lstStyle/>
+          <a:p>
+            <a:r>
+              <a:rPr lang="en-US" sz="1200" dirty="0"/>
+              <a:t>Trigger</a:t>
+            </a:r>
+          </a:p>
+        </p:txBody>
+      </p:sp>
+      <p:sp>
+        <p:nvSpPr>
+          <p:cNvPr id="56" name="TextBox 55">
+            <a:extLst>
+              <a:ext uri="{FF2B5EF4-FFF2-40B4-BE49-F238E27FC236}">
+                <a16:creationId xmlns:a16="http://schemas.microsoft.com/office/drawing/2014/main" id="{0DEFE9B0-FDCE-3B48-8C4C-B4B35B645D7D}"/>
+              </a:ext>
+            </a:extLst>
+          </p:cNvPr>
+          <p:cNvSpPr txBox="1"/>
+          <p:nvPr/>
+        </p:nvSpPr>
+        <p:spPr>
+          <a:xfrm>
+            <a:off x="7390254" y="3372096"/>
+            <a:ext cx="816422" cy="276999"/>
+          </a:xfrm>
+          <a:prstGeom prst="rect">
+            <a:avLst/>
+          </a:prstGeom>
+          <a:noFill/>
+        </p:spPr>
+        <p:txBody>
+          <a:bodyPr wrap="square" rtlCol="0">
+            <a:spAutoFit/>
+          </a:bodyPr>
+          <a:lstStyle/>
+          <a:p>
+            <a:r>
+              <a:rPr lang="en-US" sz="1200" dirty="0"/>
+              <a:t>Trigger</a:t>
+            </a:r>
+          </a:p>
+        </p:txBody>
+      </p:sp>
+      <p:sp>
+        <p:nvSpPr>
+          <p:cNvPr id="57" name="TextBox 56">
+            <a:extLst>
+              <a:ext uri="{FF2B5EF4-FFF2-40B4-BE49-F238E27FC236}">
+                <a16:creationId xmlns:a16="http://schemas.microsoft.com/office/drawing/2014/main" id="{C2B6FA39-6F5C-2447-BCCD-6A622133D212}"/>
+              </a:ext>
+            </a:extLst>
+          </p:cNvPr>
+          <p:cNvSpPr txBox="1"/>
+          <p:nvPr/>
+        </p:nvSpPr>
+        <p:spPr>
+          <a:xfrm>
+            <a:off x="4778830" y="2948850"/>
+            <a:ext cx="981582" cy="276999"/>
+          </a:xfrm>
+          <a:prstGeom prst="rect">
+            <a:avLst/>
+          </a:prstGeom>
+          <a:noFill/>
+        </p:spPr>
+        <p:txBody>
+          <a:bodyPr wrap="square" rtlCol="0">
+            <a:spAutoFit/>
+          </a:bodyPr>
+          <a:lstStyle/>
+          <a:p>
+            <a:r>
+              <a:rPr lang="en-US" sz="1200" dirty="0"/>
+              <a:t>Feedback</a:t>
+            </a:r>
+          </a:p>
+        </p:txBody>
+      </p:sp>
+      <p:sp>
+        <p:nvSpPr>
+          <p:cNvPr id="58" name="TextBox 57">
+            <a:extLst>
+              <a:ext uri="{FF2B5EF4-FFF2-40B4-BE49-F238E27FC236}">
+                <a16:creationId xmlns:a16="http://schemas.microsoft.com/office/drawing/2014/main" id="{183ACB78-8078-334D-AA8A-91556C81D64B}"/>
+              </a:ext>
+            </a:extLst>
+          </p:cNvPr>
+          <p:cNvSpPr txBox="1"/>
+          <p:nvPr/>
+        </p:nvSpPr>
+        <p:spPr>
+          <a:xfrm>
+            <a:off x="4778830" y="4104648"/>
+            <a:ext cx="981582" cy="276999"/>
+          </a:xfrm>
+          <a:prstGeom prst="rect">
+            <a:avLst/>
+          </a:prstGeom>
+          <a:noFill/>
+        </p:spPr>
+        <p:txBody>
+          <a:bodyPr wrap="square" rtlCol="0">
+            <a:spAutoFit/>
+          </a:bodyPr>
+          <a:lstStyle/>
+          <a:p>
+            <a:r>
+              <a:rPr lang="en-US" sz="1200" dirty="0"/>
+              <a:t>Feedback</a:t>
+            </a:r>
+          </a:p>
+        </p:txBody>
+      </p:sp>
+      <p:sp>
+        <p:nvSpPr>
+          <p:cNvPr id="59" name="TextBox 58">
+            <a:extLst>
+              <a:ext uri="{FF2B5EF4-FFF2-40B4-BE49-F238E27FC236}">
+                <a16:creationId xmlns:a16="http://schemas.microsoft.com/office/drawing/2014/main" id="{86A4BAB8-7879-4C49-A9D5-FCE18A8B35C0}"/>
+              </a:ext>
+            </a:extLst>
+          </p:cNvPr>
+          <p:cNvSpPr txBox="1"/>
+          <p:nvPr/>
+        </p:nvSpPr>
+        <p:spPr>
+          <a:xfrm>
+            <a:off x="5269621" y="6198740"/>
+            <a:ext cx="981582" cy="276999"/>
+          </a:xfrm>
+          <a:prstGeom prst="rect">
+            <a:avLst/>
+          </a:prstGeom>
+          <a:noFill/>
+        </p:spPr>
+        <p:txBody>
+          <a:bodyPr wrap="square" rtlCol="0">
+            <a:spAutoFit/>
+          </a:bodyPr>
+          <a:lstStyle/>
+          <a:p>
+            <a:r>
+              <a:rPr lang="en-US" sz="1200" dirty="0"/>
+              <a:t>Feedback</a:t>
+            </a:r>
+          </a:p>
+        </p:txBody>
+      </p:sp>
+      <p:sp>
+        <p:nvSpPr>
+          <p:cNvPr id="60" name="TextBox 59">
+            <a:extLst>
+              <a:ext uri="{FF2B5EF4-FFF2-40B4-BE49-F238E27FC236}">
+                <a16:creationId xmlns:a16="http://schemas.microsoft.com/office/drawing/2014/main" id="{39EFCBEB-BED3-5843-BD77-5B55C2261ADA}"/>
+              </a:ext>
+            </a:extLst>
+          </p:cNvPr>
+          <p:cNvSpPr txBox="1"/>
+          <p:nvPr/>
+        </p:nvSpPr>
+        <p:spPr>
+          <a:xfrm>
+            <a:off x="3493746" y="3230063"/>
+            <a:ext cx="816422" cy="276999"/>
+          </a:xfrm>
+          <a:prstGeom prst="rect">
+            <a:avLst/>
+          </a:prstGeom>
+          <a:noFill/>
+        </p:spPr>
+        <p:txBody>
+          <a:bodyPr wrap="square" rtlCol="0">
+            <a:spAutoFit/>
+          </a:bodyPr>
+          <a:lstStyle/>
+          <a:p>
+            <a:r>
+              <a:rPr lang="en-US" sz="1200" dirty="0"/>
+              <a:t>Check in</a:t>
+            </a:r>
+          </a:p>
+        </p:txBody>
+      </p:sp>
+      <p:sp>
+        <p:nvSpPr>
+          <p:cNvPr id="61" name="TextBox 60">
+            <a:extLst>
+              <a:ext uri="{FF2B5EF4-FFF2-40B4-BE49-F238E27FC236}">
+                <a16:creationId xmlns:a16="http://schemas.microsoft.com/office/drawing/2014/main" id="{1510BF60-1E6A-E745-B107-6F2884BB62B9}"/>
+              </a:ext>
+            </a:extLst>
+          </p:cNvPr>
+          <p:cNvSpPr txBox="1"/>
+          <p:nvPr/>
+        </p:nvSpPr>
+        <p:spPr>
+          <a:xfrm>
+            <a:off x="3501920" y="4393525"/>
+            <a:ext cx="816422" cy="276999"/>
+          </a:xfrm>
+          <a:prstGeom prst="rect">
+            <a:avLst/>
+          </a:prstGeom>
+          <a:noFill/>
+        </p:spPr>
+        <p:txBody>
+          <a:bodyPr wrap="square" rtlCol="0">
+            <a:spAutoFit/>
+          </a:bodyPr>
+          <a:lstStyle/>
+          <a:p>
+            <a:r>
+              <a:rPr lang="en-US" sz="1200" dirty="0"/>
+              <a:t>Check in</a:t>
+            </a:r>
+          </a:p>
+        </p:txBody>
+      </p:sp>
+      <p:sp>
+        <p:nvSpPr>
+          <p:cNvPr id="62" name="TextBox 61">
+            <a:extLst>
+              <a:ext uri="{FF2B5EF4-FFF2-40B4-BE49-F238E27FC236}">
+                <a16:creationId xmlns:a16="http://schemas.microsoft.com/office/drawing/2014/main" id="{DAF5C9E3-55ED-714A-B1ED-64834DC18858}"/>
+              </a:ext>
+            </a:extLst>
+          </p:cNvPr>
+          <p:cNvSpPr txBox="1"/>
+          <p:nvPr/>
+        </p:nvSpPr>
+        <p:spPr>
+          <a:xfrm>
+            <a:off x="5421085" y="3253438"/>
+            <a:ext cx="816422" cy="276999"/>
+          </a:xfrm>
+          <a:prstGeom prst="rect">
+            <a:avLst/>
+          </a:prstGeom>
+          <a:noFill/>
+        </p:spPr>
+        <p:txBody>
+          <a:bodyPr wrap="square" rtlCol="0">
+            <a:spAutoFit/>
+          </a:bodyPr>
+          <a:lstStyle/>
+          <a:p>
+            <a:r>
+              <a:rPr lang="en-US" sz="1200" dirty="0"/>
+              <a:t>Trigger</a:t>
+            </a:r>
+          </a:p>
+        </p:txBody>
+      </p:sp>
+      <p:sp>
+        <p:nvSpPr>
+          <p:cNvPr id="63" name="TextBox 62">
+            <a:extLst>
+              <a:ext uri="{FF2B5EF4-FFF2-40B4-BE49-F238E27FC236}">
+                <a16:creationId xmlns:a16="http://schemas.microsoft.com/office/drawing/2014/main" id="{B83DE575-4F09-F146-AB7F-B6F396B24875}"/>
+              </a:ext>
+            </a:extLst>
+          </p:cNvPr>
+          <p:cNvSpPr txBox="1"/>
+          <p:nvPr/>
+        </p:nvSpPr>
+        <p:spPr>
+          <a:xfrm>
+            <a:off x="5421085" y="4548838"/>
+            <a:ext cx="816422" cy="276999"/>
+          </a:xfrm>
+          <a:prstGeom prst="rect">
+            <a:avLst/>
+          </a:prstGeom>
+          <a:noFill/>
+        </p:spPr>
+        <p:txBody>
+          <a:bodyPr wrap="square" rtlCol="0">
+            <a:spAutoFit/>
+          </a:bodyPr>
+          <a:lstStyle/>
+          <a:p>
+            <a:r>
+              <a:rPr lang="en-US" sz="1200" dirty="0"/>
+              <a:t>Trigger</a:t>
+            </a:r>
+          </a:p>
+        </p:txBody>
+      </p:sp>
+      <p:sp>
+        <p:nvSpPr>
+          <p:cNvPr id="64" name="TextBox 63">
+            <a:extLst>
+              <a:ext uri="{FF2B5EF4-FFF2-40B4-BE49-F238E27FC236}">
+                <a16:creationId xmlns:a16="http://schemas.microsoft.com/office/drawing/2014/main" id="{C281A6AD-5893-4944-A3BB-86827CCE0E6C}"/>
+              </a:ext>
+            </a:extLst>
+          </p:cNvPr>
+          <p:cNvSpPr txBox="1"/>
+          <p:nvPr/>
+        </p:nvSpPr>
+        <p:spPr>
+          <a:xfrm>
+            <a:off x="7390254" y="4765467"/>
+            <a:ext cx="816422" cy="276999"/>
+          </a:xfrm>
+          <a:prstGeom prst="rect">
+            <a:avLst/>
+          </a:prstGeom>
+          <a:noFill/>
+        </p:spPr>
+        <p:txBody>
+          <a:bodyPr wrap="square" rtlCol="0">
+            <a:spAutoFit/>
+          </a:bodyPr>
+          <a:lstStyle/>
+          <a:p>
+            <a:r>
+              <a:rPr lang="en-US" sz="1200" dirty="0"/>
+              <a:t>Approval</a:t>
+            </a:r>
+          </a:p>
+        </p:txBody>
+      </p:sp>
+      <p:sp>
+        <p:nvSpPr>
+          <p:cNvPr id="53" name="Rectangle 52">
+            <a:extLst>
+              <a:ext uri="{FF2B5EF4-FFF2-40B4-BE49-F238E27FC236}">
+                <a16:creationId xmlns:a16="http://schemas.microsoft.com/office/drawing/2014/main" id="{22C50492-33BE-1043-AA0A-D7AC0FE01DBD}"/>
+              </a:ext>
+            </a:extLst>
+          </p:cNvPr>
+          <p:cNvSpPr/>
+          <p:nvPr/>
+        </p:nvSpPr>
+        <p:spPr>
+          <a:xfrm>
+            <a:off x="8549597" y="3579663"/>
+            <a:ext cx="261258" cy="424543"/>
+          </a:xfrm>
+          <a:prstGeom prst="rect">
+            <a:avLst/>
+          </a:prstGeom>
+        </p:spPr>
+        <p:style>
+          <a:lnRef idx="2">
+            <a:schemeClr val="accent6">
+              <a:shade val="50000"/>
+            </a:schemeClr>
+          </a:lnRef>
+          <a:fillRef idx="1">
+            <a:schemeClr val="accent6"/>
+          </a:fillRef>
+          <a:effectRef idx="0">
+            <a:schemeClr val="accent6"/>
+          </a:effectRef>
+          <a:fontRef idx="minor">
+            <a:schemeClr val="lt1"/>
+          </a:fontRef>
+        </p:style>
+        <p:txBody>
+          <a:bodyPr rtlCol="0" anchor="ctr"/>
+          <a:lstStyle/>
+          <a:p>
+            <a:pPr algn="ctr"/>
+            <a:endParaRPr lang="en-US"/>
+          </a:p>
+        </p:txBody>
+      </p:sp>
+      <p:sp>
+        <p:nvSpPr>
+          <p:cNvPr id="66" name="TextBox 65">
+            <a:extLst>
+              <a:ext uri="{FF2B5EF4-FFF2-40B4-BE49-F238E27FC236}">
+                <a16:creationId xmlns:a16="http://schemas.microsoft.com/office/drawing/2014/main" id="{1324F6B5-CB22-834D-8AD9-634A539721DF}"/>
+              </a:ext>
+            </a:extLst>
+          </p:cNvPr>
+          <p:cNvSpPr txBox="1"/>
+          <p:nvPr/>
+        </p:nvSpPr>
+        <p:spPr>
+          <a:xfrm>
+            <a:off x="3378275" y="2444862"/>
+            <a:ext cx="1138967" cy="230832"/>
+          </a:xfrm>
+          <a:prstGeom prst="rect">
+            <a:avLst/>
+          </a:prstGeom>
+          <a:noFill/>
+        </p:spPr>
+        <p:txBody>
+          <a:bodyPr wrap="square" rtlCol="0">
+            <a:spAutoFit/>
+          </a:bodyPr>
+          <a:lstStyle/>
+          <a:p>
+            <a:r>
+              <a:rPr lang="en-US" sz="900" dirty="0"/>
+              <a:t>Req. (rel., push)</a:t>
+            </a:r>
+          </a:p>
+        </p:txBody>
+      </p:sp>
+      <p:sp>
+        <p:nvSpPr>
+          <p:cNvPr id="67" name="TextBox 66">
+            <a:extLst>
+              <a:ext uri="{FF2B5EF4-FFF2-40B4-BE49-F238E27FC236}">
+                <a16:creationId xmlns:a16="http://schemas.microsoft.com/office/drawing/2014/main" id="{55AACD26-C30E-D647-8AEE-48CB1022C9D9}"/>
+              </a:ext>
+            </a:extLst>
+          </p:cNvPr>
+          <p:cNvSpPr txBox="1"/>
+          <p:nvPr/>
+        </p:nvSpPr>
+        <p:spPr>
+          <a:xfrm>
+            <a:off x="5340184" y="3587599"/>
+            <a:ext cx="1138967" cy="230832"/>
+          </a:xfrm>
+          <a:prstGeom prst="rect">
+            <a:avLst/>
+          </a:prstGeom>
+          <a:noFill/>
+        </p:spPr>
+        <p:txBody>
+          <a:bodyPr wrap="square" rtlCol="0">
+            <a:spAutoFit/>
+          </a:bodyPr>
+          <a:lstStyle/>
+          <a:p>
+            <a:r>
+              <a:rPr lang="en-US" sz="900" dirty="0"/>
+              <a:t>Step-based 1.. 2..</a:t>
+            </a:r>
+          </a:p>
+        </p:txBody>
+      </p:sp>
+      <p:sp>
+        <p:nvSpPr>
+          <p:cNvPr id="68" name="TextBox 67">
+            <a:extLst>
+              <a:ext uri="{FF2B5EF4-FFF2-40B4-BE49-F238E27FC236}">
+                <a16:creationId xmlns:a16="http://schemas.microsoft.com/office/drawing/2014/main" id="{244D05F6-22B6-EC4F-B7DF-45C1EC2B4CAC}"/>
+              </a:ext>
+            </a:extLst>
+          </p:cNvPr>
+          <p:cNvSpPr txBox="1"/>
+          <p:nvPr/>
+        </p:nvSpPr>
+        <p:spPr>
+          <a:xfrm>
+            <a:off x="7484271" y="5072778"/>
+            <a:ext cx="1138967" cy="230832"/>
+          </a:xfrm>
+          <a:prstGeom prst="rect">
+            <a:avLst/>
+          </a:prstGeom>
+          <a:noFill/>
+        </p:spPr>
+        <p:txBody>
+          <a:bodyPr wrap="square" rtlCol="0">
+            <a:spAutoFit/>
+          </a:bodyPr>
+          <a:lstStyle/>
+          <a:p>
+            <a:r>
+              <a:rPr lang="en-US" sz="900" dirty="0"/>
+              <a:t>Sync files</a:t>
+            </a:r>
+          </a:p>
+        </p:txBody>
+      </p:sp>
+    </p:spTree>
+    <p:extLst>
+      <p:ext uri="{BB962C8B-B14F-4D97-AF65-F5344CB8AC3E}">
+        <p14:creationId xmlns:p14="http://schemas.microsoft.com/office/powerpoint/2010/main" val="2068765328"/>
       </p:ext>
     </p:extLst>
   </p:cSld>

--- a/documentation/Sprint2_PAA.pptx
+++ b/documentation/Sprint2_PAA.pptx
@@ -2914,7 +2914,7 @@
           <a:p>
             <a:fld id="{5D219B12-85DE-474F-82A6-F2BBEFB2572A}" type="datetimeFigureOut">
               <a:rPr lang="en-GB" smtClean="0"/>
-              <a:t>06/11/2021</a:t>
+              <a:t>08/11/2021</a:t>
             </a:fld>
             <a:endParaRPr lang="en-GB"/>
           </a:p>
@@ -3501,7 +3501,7 @@
           <a:p>
             <a:fld id="{8C28A28C-4C6A-46EA-90C0-4EE0B89CC5C7}" type="datetimeFigureOut">
               <a:rPr lang="en-US" smtClean="0"/>
-              <a:t>11/6/21</a:t>
+              <a:t>11/8/21</a:t>
             </a:fld>
             <a:endParaRPr lang="en-US" dirty="0"/>
           </a:p>
@@ -3699,7 +3699,7 @@
           <a:p>
             <a:fld id="{8C28A28C-4C6A-46EA-90C0-4EE0B89CC5C7}" type="datetimeFigureOut">
               <a:rPr lang="en-US" smtClean="0"/>
-              <a:t>11/6/21</a:t>
+              <a:t>11/8/21</a:t>
             </a:fld>
             <a:endParaRPr lang="en-US"/>
           </a:p>
@@ -3907,7 +3907,7 @@
           <a:p>
             <a:fld id="{8C28A28C-4C6A-46EA-90C0-4EE0B89CC5C7}" type="datetimeFigureOut">
               <a:rPr lang="en-US" smtClean="0"/>
-              <a:t>11/6/21</a:t>
+              <a:t>11/8/21</a:t>
             </a:fld>
             <a:endParaRPr lang="en-US"/>
           </a:p>
@@ -4105,7 +4105,7 @@
           <a:p>
             <a:fld id="{8C28A28C-4C6A-46EA-90C0-4EE0B89CC5C7}" type="datetimeFigureOut">
               <a:rPr lang="en-US" smtClean="0"/>
-              <a:t>11/6/21</a:t>
+              <a:t>11/8/21</a:t>
             </a:fld>
             <a:endParaRPr lang="en-US"/>
           </a:p>
@@ -4382,7 +4382,7 @@
           <a:p>
             <a:fld id="{8C28A28C-4C6A-46EA-90C0-4EE0B89CC5C7}" type="datetimeFigureOut">
               <a:rPr lang="en-US" smtClean="0"/>
-              <a:t>11/6/21</a:t>
+              <a:t>11/8/21</a:t>
             </a:fld>
             <a:endParaRPr lang="en-US"/>
           </a:p>
@@ -4647,7 +4647,7 @@
           <a:p>
             <a:fld id="{8C28A28C-4C6A-46EA-90C0-4EE0B89CC5C7}" type="datetimeFigureOut">
               <a:rPr lang="en-US" smtClean="0"/>
-              <a:t>11/6/21</a:t>
+              <a:t>11/8/21</a:t>
             </a:fld>
             <a:endParaRPr lang="en-US"/>
           </a:p>
@@ -5059,7 +5059,7 @@
           <a:p>
             <a:fld id="{8C28A28C-4C6A-46EA-90C0-4EE0B89CC5C7}" type="datetimeFigureOut">
               <a:rPr lang="en-US" smtClean="0"/>
-              <a:t>11/6/21</a:t>
+              <a:t>11/8/21</a:t>
             </a:fld>
             <a:endParaRPr lang="en-US"/>
           </a:p>
@@ -5200,7 +5200,7 @@
           <a:p>
             <a:fld id="{8C28A28C-4C6A-46EA-90C0-4EE0B89CC5C7}" type="datetimeFigureOut">
               <a:rPr lang="en-US" smtClean="0"/>
-              <a:t>11/6/21</a:t>
+              <a:t>11/8/21</a:t>
             </a:fld>
             <a:endParaRPr lang="en-US"/>
           </a:p>
@@ -5313,7 +5313,7 @@
           <a:p>
             <a:fld id="{8C28A28C-4C6A-46EA-90C0-4EE0B89CC5C7}" type="datetimeFigureOut">
               <a:rPr lang="en-US" smtClean="0"/>
-              <a:t>11/6/21</a:t>
+              <a:t>11/8/21</a:t>
             </a:fld>
             <a:endParaRPr lang="en-US"/>
           </a:p>
@@ -5626,7 +5626,7 @@
           <a:p>
             <a:fld id="{8C28A28C-4C6A-46EA-90C0-4EE0B89CC5C7}" type="datetimeFigureOut">
               <a:rPr lang="en-US" smtClean="0"/>
-              <a:t>11/6/21</a:t>
+              <a:t>11/8/21</a:t>
             </a:fld>
             <a:endParaRPr lang="en-US"/>
           </a:p>
@@ -5914,7 +5914,7 @@
           <a:p>
             <a:fld id="{8C28A28C-4C6A-46EA-90C0-4EE0B89CC5C7}" type="datetimeFigureOut">
               <a:rPr lang="en-US" smtClean="0"/>
-              <a:t>11/6/21</a:t>
+              <a:t>11/8/21</a:t>
             </a:fld>
             <a:endParaRPr lang="en-US"/>
           </a:p>
@@ -6269,7 +6269,7 @@
             <a:fld id="{8C28A28C-4C6A-46EA-90C0-4EE0B89CC5C7}" type="datetimeFigureOut">
               <a:rPr lang="en-US" smtClean="0"/>
               <a:pPr/>
-              <a:t>11/6/21</a:t>
+              <a:t>11/8/21</a:t>
             </a:fld>
             <a:endParaRPr lang="en-US" dirty="0"/>
           </a:p>
@@ -9322,7 +9322,7 @@
             <p:ph idx="1"/>
             <p:extLst>
               <p:ext uri="{D42A27DB-BD31-4B8C-83A1-F6EECF244321}">
-                <p14:modId xmlns:p14="http://schemas.microsoft.com/office/powerpoint/2010/main" val="3215872556"/>
+                <p14:modId xmlns:p14="http://schemas.microsoft.com/office/powerpoint/2010/main" val="1417526913"/>
               </p:ext>
             </p:extLst>
           </p:nvPr>
@@ -9427,8 +9427,13 @@
                     <a:p>
                       <a:r>
                         <a:rPr lang="en-GB" dirty="0"/>
-                        <a:t>The default webserver for Spring Boot, </a:t>
+                        <a:t>The default webserver for </a:t>
                       </a:r>
+                      <a:r>
+                        <a:rPr lang="en-GB"/>
+                        <a:t>Spring Boot</a:t>
+                      </a:r>
+                      <a:endParaRPr lang="en-GB" dirty="0"/>
                     </a:p>
                   </a:txBody>
                   <a:tcPr/>

--- a/documentation/Sprint2_PAA.pptx
+++ b/documentation/Sprint2_PAA.pptx
@@ -8820,7 +8820,39 @@
           <a:bodyPr/>
           <a:lstStyle/>
           <a:p>
-            <a:endParaRPr lang="en-US"/>
+            <a:r>
+              <a:rPr lang="en-US" dirty="0"/>
+              <a:t>Create the API</a:t>
+            </a:r>
+          </a:p>
+          <a:p>
+            <a:r>
+              <a:rPr lang="en-US" dirty="0"/>
+              <a:t>Generate the DB with the dummy dataset</a:t>
+            </a:r>
+          </a:p>
+          <a:p>
+            <a:r>
+              <a:rPr lang="en-US" dirty="0"/>
+              <a:t>Test the CRUD services (Port, Booking, Dock)</a:t>
+            </a:r>
+          </a:p>
+          <a:p>
+            <a:r>
+              <a:rPr lang="en-US" dirty="0"/>
+              <a:t>Develop the application and test the Front-end</a:t>
+            </a:r>
+          </a:p>
+          <a:p>
+            <a:r>
+              <a:rPr lang="en-US" dirty="0"/>
+              <a:t>Test the communication between other external services (Harbormaster, Stevedores</a:t>
+            </a:r>
+            <a:r>
+              <a:rPr lang="en-US"/>
+              <a:t>, Ship owners) </a:t>
+            </a:r>
+            <a:endParaRPr lang="en-US" dirty="0"/>
           </a:p>
         </p:txBody>
       </p:sp>
@@ -8903,7 +8935,25 @@
           <a:bodyPr/>
           <a:lstStyle/>
           <a:p>
-            <a:endParaRPr lang="en-US"/>
+            <a:r>
+              <a:rPr lang="en-US" dirty="0"/>
+              <a:t>The API to other Service to access the data from</a:t>
+            </a:r>
+          </a:p>
+          <a:p>
+            <a:r>
+              <a:rPr lang="en-US" dirty="0"/>
+              <a:t>The FE for booking and change requests</a:t>
+            </a:r>
+          </a:p>
+          <a:p>
+            <a:r>
+              <a:rPr lang="en-US" dirty="0"/>
+              <a:t>The same or separate FE for port and docs CRUD service</a:t>
+            </a:r>
+          </a:p>
+          <a:p>
+            <a:endParaRPr lang="en-US" dirty="0"/>
           </a:p>
         </p:txBody>
       </p:sp>

--- a/documentation/Sprint2_PAA.pptx
+++ b/documentation/Sprint2_PAA.pptx
@@ -10,7 +10,7 @@
   <p:sldIdLst>
     <p:sldId id="256" r:id="rId2"/>
     <p:sldId id="265" r:id="rId3"/>
-    <p:sldId id="263" r:id="rId4"/>
+    <p:sldId id="271" r:id="rId4"/>
     <p:sldId id="261" r:id="rId5"/>
     <p:sldId id="266" r:id="rId6"/>
     <p:sldId id="264" r:id="rId7"/>
@@ -8932,35 +8932,200 @@
         </p:nvSpPr>
         <p:spPr/>
         <p:txBody>
-          <a:bodyPr/>
+          <a:bodyPr>
+            <a:normAutofit fontScale="92500" lnSpcReduction="20000"/>
+          </a:bodyPr>
           <a:lstStyle/>
           <a:p>
+            <a:pPr marL="0" indent="0">
+              <a:buNone/>
+            </a:pPr>
+            <a:r>
+              <a:rPr lang="en-GB" dirty="0"/>
+              <a:t>GET 1.1</a:t>
+            </a:r>
+          </a:p>
+          <a:p>
+            <a:r>
+              <a:rPr lang="en-GB" b="1" dirty="0"/>
+              <a:t>/</a:t>
+            </a:r>
+            <a:r>
+              <a:rPr lang="en-GB" b="1" dirty="0" err="1"/>
+              <a:t>api</a:t>
+            </a:r>
+            <a:r>
+              <a:rPr lang="en-GB" b="1" dirty="0"/>
+              <a:t>/</a:t>
+            </a:r>
+            <a:r>
+              <a:rPr lang="en-GB" b="1" dirty="0" err="1"/>
+              <a:t>isBerthAvailable</a:t>
+            </a:r>
+            <a:r>
+              <a:rPr lang="en-GB" dirty="0"/>
+              <a:t> – Is the specific berth available at the given time</a:t>
+            </a:r>
+          </a:p>
+          <a:p>
+            <a:r>
+              <a:rPr lang="en-GB" b="1" dirty="0"/>
+              <a:t>/</a:t>
+            </a:r>
+            <a:r>
+              <a:rPr lang="en-GB" b="1" dirty="0" err="1"/>
+              <a:t>api</a:t>
+            </a:r>
+            <a:r>
+              <a:rPr lang="en-GB" b="1" dirty="0"/>
+              <a:t>/</a:t>
+            </a:r>
+            <a:r>
+              <a:rPr lang="en-GB" b="1" dirty="0" err="1"/>
+              <a:t>getAvailableBerthsList</a:t>
+            </a:r>
+            <a:r>
+              <a:rPr lang="en-GB" b="1" dirty="0"/>
+              <a:t> </a:t>
+            </a:r>
+            <a:r>
+              <a:rPr lang="en-GB" dirty="0"/>
+              <a:t>– Get all available berths</a:t>
+            </a:r>
+          </a:p>
+          <a:p>
+            <a:pPr marL="0" indent="0">
+              <a:buNone/>
+            </a:pPr>
+            <a:endParaRPr lang="en-GB" dirty="0"/>
+          </a:p>
+          <a:p>
+            <a:pPr marL="0" indent="0">
+              <a:buNone/>
+            </a:pPr>
+            <a:r>
+              <a:rPr lang="en-GB" dirty="0"/>
+              <a:t>POST 1.1</a:t>
+            </a:r>
+          </a:p>
+          <a:p>
+            <a:r>
+              <a:rPr lang="en-US" b="1" dirty="0"/>
+              <a:t>/</a:t>
+            </a:r>
+            <a:r>
+              <a:rPr lang="en-US" b="1" dirty="0" err="1"/>
+              <a:t>api</a:t>
+            </a:r>
+            <a:r>
+              <a:rPr lang="en-US" b="1" dirty="0"/>
+              <a:t>/</a:t>
+            </a:r>
+            <a:r>
+              <a:rPr lang="en-US" b="1" dirty="0" err="1"/>
+              <a:t>createPort</a:t>
+            </a:r>
+            <a:r>
+              <a:rPr lang="en-US" b="1" dirty="0"/>
+              <a:t> </a:t>
+            </a:r>
             <a:r>
               <a:rPr lang="en-US" dirty="0"/>
-              <a:t>The API to other Service to access the data from</a:t>
-            </a:r>
-          </a:p>
-          <a:p>
+              <a:t>– </a:t>
+            </a:r>
+            <a:r>
+              <a:rPr lang="en-GB" dirty="0"/>
+              <a:t>Create a new port</a:t>
+            </a:r>
+            <a:endParaRPr lang="en-US" b="1" dirty="0"/>
+          </a:p>
+          <a:p>
+            <a:r>
+              <a:rPr lang="en-US" b="1" dirty="0"/>
+              <a:t>/</a:t>
+            </a:r>
+            <a:r>
+              <a:rPr lang="en-US" b="1" dirty="0" err="1"/>
+              <a:t>api</a:t>
+            </a:r>
+            <a:r>
+              <a:rPr lang="en-US" b="1" dirty="0"/>
+              <a:t>/</a:t>
+            </a:r>
+            <a:r>
+              <a:rPr lang="en-US" b="1" dirty="0" err="1"/>
+              <a:t>createBooking</a:t>
+            </a:r>
+            <a:r>
+              <a:rPr lang="en-US" b="1" dirty="0"/>
+              <a:t> </a:t>
+            </a:r>
             <a:r>
               <a:rPr lang="en-US" dirty="0"/>
-              <a:t>The FE for booking and change requests</a:t>
-            </a:r>
-          </a:p>
-          <a:p>
+              <a:t>– </a:t>
+            </a:r>
+            <a:r>
+              <a:rPr lang="en-GB" dirty="0"/>
+              <a:t>Create a new booking</a:t>
+            </a:r>
+            <a:endParaRPr lang="en-US" b="1" dirty="0"/>
+          </a:p>
+          <a:p>
+            <a:r>
+              <a:rPr lang="en-US" b="1" dirty="0"/>
+              <a:t>/</a:t>
+            </a:r>
+            <a:r>
+              <a:rPr lang="en-US" b="1" dirty="0" err="1"/>
+              <a:t>api</a:t>
+            </a:r>
+            <a:r>
+              <a:rPr lang="en-US" b="1" dirty="0"/>
+              <a:t>/</a:t>
+            </a:r>
+            <a:r>
+              <a:rPr lang="en-US" b="1" dirty="0" err="1"/>
+              <a:t>updateBooking</a:t>
+            </a:r>
+            <a:r>
+              <a:rPr lang="en-US" b="1" dirty="0"/>
+              <a:t> </a:t>
+            </a:r>
             <a:r>
               <a:rPr lang="en-US" dirty="0"/>
-              <a:t>The same or separate FE for port and docs CRUD service</a:t>
-            </a:r>
-          </a:p>
-          <a:p>
-            <a:endParaRPr lang="en-US" dirty="0"/>
+              <a:t>– Update the existing booking</a:t>
+            </a:r>
+            <a:endParaRPr lang="en-US" b="1" dirty="0"/>
+          </a:p>
+          <a:p>
+            <a:r>
+              <a:rPr lang="en-US" b="1" dirty="0"/>
+              <a:t>/</a:t>
+            </a:r>
+            <a:r>
+              <a:rPr lang="en-US" b="1" dirty="0" err="1"/>
+              <a:t>api</a:t>
+            </a:r>
+            <a:r>
+              <a:rPr lang="en-US" b="1" dirty="0"/>
+              <a:t>/</a:t>
+            </a:r>
+            <a:r>
+              <a:rPr lang="en-US" b="1" dirty="0" err="1"/>
+              <a:t>cancelBooking</a:t>
+            </a:r>
+            <a:r>
+              <a:rPr lang="en-US" dirty="0"/>
+              <a:t> – Cancel the existing booking</a:t>
+            </a:r>
+            <a:endParaRPr lang="en-US" b="1" dirty="0"/>
           </a:p>
         </p:txBody>
       </p:sp>
     </p:spTree>
     <p:extLst>
       <p:ext uri="{BB962C8B-B14F-4D97-AF65-F5344CB8AC3E}">
-        <p14:creationId xmlns:p14="http://schemas.microsoft.com/office/powerpoint/2010/main" val="3568765830"/>
+        <p14:creationId xmlns:p14="http://schemas.microsoft.com/office/powerpoint/2010/main" val="1763572795"/>
       </p:ext>
     </p:extLst>
   </p:cSld>
@@ -9776,7 +9941,7 @@
           <a:p>
             <a:r>
               <a:rPr lang="en-US" dirty="0"/>
-              <a:t>Does the application build successfully and does not contain any broken code or packages</a:t>
+              <a:t>Does the application build successfully and does not contain any broken code or packages (Linting, etc.)</a:t>
             </a:r>
           </a:p>
         </p:txBody>
